--- a/NO2/bolzmann.pptx
+++ b/NO2/bolzmann.pptx
@@ -4,6 +4,9 @@
   <p:sldMasterIdLst>
     <p:sldMasterId id="2147483660" r:id="rId1"/>
   </p:sldMasterIdLst>
+  <p:notesMasterIdLst>
+    <p:notesMasterId r:id="rId12"/>
+  </p:notesMasterIdLst>
   <p:sldIdLst>
     <p:sldId id="256" r:id="rId2"/>
     <p:sldId id="257" r:id="rId3"/>
@@ -12,6 +15,9 @@
     <p:sldId id="260" r:id="rId6"/>
     <p:sldId id="261" r:id="rId7"/>
     <p:sldId id="262" r:id="rId8"/>
+    <p:sldId id="263" r:id="rId9"/>
+    <p:sldId id="264" r:id="rId10"/>
+    <p:sldId id="265" r:id="rId11"/>
   </p:sldIdLst>
   <p:sldSz cx="9144000" cy="6858000" type="screen4x3"/>
   <p:notesSz cx="6858000" cy="9144000"/>
@@ -118,6 +124,511 @@
 </p:presentation>
 </file>
 
+<file path=ppt/notesMasters/notesMaster1.xml><?xml version="1.0" encoding="utf-8"?>
+<p:notesMaster xmlns:a="http://schemas.openxmlformats.org/drawingml/2006/main" xmlns:r="http://schemas.openxmlformats.org/officeDocument/2006/relationships" xmlns:p="http://schemas.openxmlformats.org/presentationml/2006/main">
+  <p:cSld>
+    <p:bg>
+      <p:bgRef idx="1001">
+        <a:schemeClr val="bg1"/>
+      </p:bgRef>
+    </p:bg>
+    <p:spTree>
+      <p:nvGrpSpPr>
+        <p:cNvPr id="1" name=""/>
+        <p:cNvGrpSpPr/>
+        <p:nvPr/>
+      </p:nvGrpSpPr>
+      <p:grpSpPr>
+        <a:xfrm>
+          <a:off x="0" y="0"/>
+          <a:ext cx="0" cy="0"/>
+          <a:chOff x="0" y="0"/>
+          <a:chExt cx="0" cy="0"/>
+        </a:xfrm>
+      </p:grpSpPr>
+      <p:sp>
+        <p:nvSpPr>
+          <p:cNvPr id="2" name="页眉占位符 1"/>
+          <p:cNvSpPr>
+            <a:spLocks noGrp="1"/>
+          </p:cNvSpPr>
+          <p:nvPr>
+            <p:ph type="hdr" sz="quarter"/>
+          </p:nvPr>
+        </p:nvSpPr>
+        <p:spPr>
+          <a:xfrm>
+            <a:off x="0" y="0"/>
+            <a:ext cx="2971800" cy="458788"/>
+          </a:xfrm>
+          <a:prstGeom prst="rect">
+            <a:avLst/>
+          </a:prstGeom>
+        </p:spPr>
+        <p:txBody>
+          <a:bodyPr vert="horz" lIns="91440" tIns="45720" rIns="91440" bIns="45720" rtlCol="0"/>
+          <a:lstStyle>
+            <a:lvl1pPr algn="l">
+              <a:defRPr sz="1200"/>
+            </a:lvl1pPr>
+          </a:lstStyle>
+          <a:p>
+            <a:endParaRPr lang="zh-CN" altLang="en-US"/>
+          </a:p>
+        </p:txBody>
+      </p:sp>
+      <p:sp>
+        <p:nvSpPr>
+          <p:cNvPr id="3" name="日期占位符 2"/>
+          <p:cNvSpPr>
+            <a:spLocks noGrp="1"/>
+          </p:cNvSpPr>
+          <p:nvPr>
+            <p:ph type="dt" idx="1"/>
+          </p:nvPr>
+        </p:nvSpPr>
+        <p:spPr>
+          <a:xfrm>
+            <a:off x="3884613" y="0"/>
+            <a:ext cx="2971800" cy="458788"/>
+          </a:xfrm>
+          <a:prstGeom prst="rect">
+            <a:avLst/>
+          </a:prstGeom>
+        </p:spPr>
+        <p:txBody>
+          <a:bodyPr vert="horz" lIns="91440" tIns="45720" rIns="91440" bIns="45720" rtlCol="0"/>
+          <a:lstStyle>
+            <a:lvl1pPr algn="r">
+              <a:defRPr sz="1200"/>
+            </a:lvl1pPr>
+          </a:lstStyle>
+          <a:p>
+            <a:fld id="{8F490A24-180A-488A-98CF-CFE985FD5838}" type="datetimeFigureOut">
+              <a:rPr lang="zh-CN" altLang="en-US" smtClean="0"/>
+              <a:t>2016/6/19</a:t>
+            </a:fld>
+            <a:endParaRPr lang="zh-CN" altLang="en-US"/>
+          </a:p>
+        </p:txBody>
+      </p:sp>
+      <p:sp>
+        <p:nvSpPr>
+          <p:cNvPr id="4" name="幻灯片图像占位符 3"/>
+          <p:cNvSpPr>
+            <a:spLocks noGrp="1" noRot="1" noChangeAspect="1"/>
+          </p:cNvSpPr>
+          <p:nvPr>
+            <p:ph type="sldImg" idx="2"/>
+          </p:nvPr>
+        </p:nvSpPr>
+        <p:spPr>
+          <a:xfrm>
+            <a:off x="1371600" y="1143000"/>
+            <a:ext cx="4114800" cy="3086100"/>
+          </a:xfrm>
+          <a:prstGeom prst="rect">
+            <a:avLst/>
+          </a:prstGeom>
+          <a:noFill/>
+          <a:ln w="12700">
+            <a:solidFill>
+              <a:prstClr val="black"/>
+            </a:solidFill>
+          </a:ln>
+        </p:spPr>
+        <p:txBody>
+          <a:bodyPr vert="horz" lIns="91440" tIns="45720" rIns="91440" bIns="45720" rtlCol="0" anchor="ctr"/>
+          <a:lstStyle/>
+          <a:p>
+            <a:endParaRPr lang="zh-CN" altLang="en-US"/>
+          </a:p>
+        </p:txBody>
+      </p:sp>
+      <p:sp>
+        <p:nvSpPr>
+          <p:cNvPr id="5" name="备注占位符 4"/>
+          <p:cNvSpPr>
+            <a:spLocks noGrp="1"/>
+          </p:cNvSpPr>
+          <p:nvPr>
+            <p:ph type="body" sz="quarter" idx="3"/>
+          </p:nvPr>
+        </p:nvSpPr>
+        <p:spPr>
+          <a:xfrm>
+            <a:off x="685800" y="4400550"/>
+            <a:ext cx="5486400" cy="3600450"/>
+          </a:xfrm>
+          <a:prstGeom prst="rect">
+            <a:avLst/>
+          </a:prstGeom>
+        </p:spPr>
+        <p:txBody>
+          <a:bodyPr vert="horz" lIns="91440" tIns="45720" rIns="91440" bIns="45720" rtlCol="0"/>
+          <a:lstStyle/>
+          <a:p>
+            <a:pPr lvl="0"/>
+            <a:r>
+              <a:rPr lang="zh-CN" altLang="en-US" smtClean="0"/>
+              <a:t>单击此处编辑母版文本样式</a:t>
+            </a:r>
+          </a:p>
+          <a:p>
+            <a:pPr lvl="1"/>
+            <a:r>
+              <a:rPr lang="zh-CN" altLang="en-US" smtClean="0"/>
+              <a:t>第二级</a:t>
+            </a:r>
+          </a:p>
+          <a:p>
+            <a:pPr lvl="2"/>
+            <a:r>
+              <a:rPr lang="zh-CN" altLang="en-US" smtClean="0"/>
+              <a:t>第三级</a:t>
+            </a:r>
+          </a:p>
+          <a:p>
+            <a:pPr lvl="3"/>
+            <a:r>
+              <a:rPr lang="zh-CN" altLang="en-US" smtClean="0"/>
+              <a:t>第四级</a:t>
+            </a:r>
+          </a:p>
+          <a:p>
+            <a:pPr lvl="4"/>
+            <a:r>
+              <a:rPr lang="zh-CN" altLang="en-US" smtClean="0"/>
+              <a:t>第五级</a:t>
+            </a:r>
+            <a:endParaRPr lang="zh-CN" altLang="en-US"/>
+          </a:p>
+        </p:txBody>
+      </p:sp>
+      <p:sp>
+        <p:nvSpPr>
+          <p:cNvPr id="6" name="页脚占位符 5"/>
+          <p:cNvSpPr>
+            <a:spLocks noGrp="1"/>
+          </p:cNvSpPr>
+          <p:nvPr>
+            <p:ph type="ftr" sz="quarter" idx="4"/>
+          </p:nvPr>
+        </p:nvSpPr>
+        <p:spPr>
+          <a:xfrm>
+            <a:off x="0" y="8685213"/>
+            <a:ext cx="2971800" cy="458787"/>
+          </a:xfrm>
+          <a:prstGeom prst="rect">
+            <a:avLst/>
+          </a:prstGeom>
+        </p:spPr>
+        <p:txBody>
+          <a:bodyPr vert="horz" lIns="91440" tIns="45720" rIns="91440" bIns="45720" rtlCol="0" anchor="b"/>
+          <a:lstStyle>
+            <a:lvl1pPr algn="l">
+              <a:defRPr sz="1200"/>
+            </a:lvl1pPr>
+          </a:lstStyle>
+          <a:p>
+            <a:endParaRPr lang="zh-CN" altLang="en-US"/>
+          </a:p>
+        </p:txBody>
+      </p:sp>
+      <p:sp>
+        <p:nvSpPr>
+          <p:cNvPr id="7" name="灯片编号占位符 6"/>
+          <p:cNvSpPr>
+            <a:spLocks noGrp="1"/>
+          </p:cNvSpPr>
+          <p:nvPr>
+            <p:ph type="sldNum" sz="quarter" idx="5"/>
+          </p:nvPr>
+        </p:nvSpPr>
+        <p:spPr>
+          <a:xfrm>
+            <a:off x="3884613" y="8685213"/>
+            <a:ext cx="2971800" cy="458787"/>
+          </a:xfrm>
+          <a:prstGeom prst="rect">
+            <a:avLst/>
+          </a:prstGeom>
+        </p:spPr>
+        <p:txBody>
+          <a:bodyPr vert="horz" lIns="91440" tIns="45720" rIns="91440" bIns="45720" rtlCol="0" anchor="b"/>
+          <a:lstStyle>
+            <a:lvl1pPr algn="r">
+              <a:defRPr sz="1200"/>
+            </a:lvl1pPr>
+          </a:lstStyle>
+          <a:p>
+            <a:fld id="{8FDB17F5-4496-4822-A32F-39FC699C3720}" type="slidenum">
+              <a:rPr lang="zh-CN" altLang="en-US" smtClean="0"/>
+              <a:t>‹#›</a:t>
+            </a:fld>
+            <a:endParaRPr lang="zh-CN" altLang="en-US"/>
+          </a:p>
+        </p:txBody>
+      </p:sp>
+    </p:spTree>
+    <p:extLst>
+      <p:ext uri="{BB962C8B-B14F-4D97-AF65-F5344CB8AC3E}">
+        <p14:creationId xmlns:p14="http://schemas.microsoft.com/office/powerpoint/2010/main" val="2258040297"/>
+      </p:ext>
+    </p:extLst>
+  </p:cSld>
+  <p:clrMap bg1="lt1" tx1="dk1" bg2="lt2" tx2="dk2" accent1="accent1" accent2="accent2" accent3="accent3" accent4="accent4" accent5="accent5" accent6="accent6" hlink="hlink" folHlink="folHlink"/>
+  <p:notesStyle>
+    <a:lvl1pPr marL="0" algn="l" defTabSz="914400" rtl="0" eaLnBrk="1" latinLnBrk="0" hangingPunct="1">
+      <a:defRPr sz="1200" kern="1200">
+        <a:solidFill>
+          <a:schemeClr val="tx1"/>
+        </a:solidFill>
+        <a:latin typeface="+mn-lt"/>
+        <a:ea typeface="+mn-ea"/>
+        <a:cs typeface="+mn-cs"/>
+      </a:defRPr>
+    </a:lvl1pPr>
+    <a:lvl2pPr marL="457200" algn="l" defTabSz="914400" rtl="0" eaLnBrk="1" latinLnBrk="0" hangingPunct="1">
+      <a:defRPr sz="1200" kern="1200">
+        <a:solidFill>
+          <a:schemeClr val="tx1"/>
+        </a:solidFill>
+        <a:latin typeface="+mn-lt"/>
+        <a:ea typeface="+mn-ea"/>
+        <a:cs typeface="+mn-cs"/>
+      </a:defRPr>
+    </a:lvl2pPr>
+    <a:lvl3pPr marL="914400" algn="l" defTabSz="914400" rtl="0" eaLnBrk="1" latinLnBrk="0" hangingPunct="1">
+      <a:defRPr sz="1200" kern="1200">
+        <a:solidFill>
+          <a:schemeClr val="tx1"/>
+        </a:solidFill>
+        <a:latin typeface="+mn-lt"/>
+        <a:ea typeface="+mn-ea"/>
+        <a:cs typeface="+mn-cs"/>
+      </a:defRPr>
+    </a:lvl3pPr>
+    <a:lvl4pPr marL="1371600" algn="l" defTabSz="914400" rtl="0" eaLnBrk="1" latinLnBrk="0" hangingPunct="1">
+      <a:defRPr sz="1200" kern="1200">
+        <a:solidFill>
+          <a:schemeClr val="tx1"/>
+        </a:solidFill>
+        <a:latin typeface="+mn-lt"/>
+        <a:ea typeface="+mn-ea"/>
+        <a:cs typeface="+mn-cs"/>
+      </a:defRPr>
+    </a:lvl4pPr>
+    <a:lvl5pPr marL="1828800" algn="l" defTabSz="914400" rtl="0" eaLnBrk="1" latinLnBrk="0" hangingPunct="1">
+      <a:defRPr sz="1200" kern="1200">
+        <a:solidFill>
+          <a:schemeClr val="tx1"/>
+        </a:solidFill>
+        <a:latin typeface="+mn-lt"/>
+        <a:ea typeface="+mn-ea"/>
+        <a:cs typeface="+mn-cs"/>
+      </a:defRPr>
+    </a:lvl5pPr>
+    <a:lvl6pPr marL="2286000" algn="l" defTabSz="914400" rtl="0" eaLnBrk="1" latinLnBrk="0" hangingPunct="1">
+      <a:defRPr sz="1200" kern="1200">
+        <a:solidFill>
+          <a:schemeClr val="tx1"/>
+        </a:solidFill>
+        <a:latin typeface="+mn-lt"/>
+        <a:ea typeface="+mn-ea"/>
+        <a:cs typeface="+mn-cs"/>
+      </a:defRPr>
+    </a:lvl6pPr>
+    <a:lvl7pPr marL="2743200" algn="l" defTabSz="914400" rtl="0" eaLnBrk="1" latinLnBrk="0" hangingPunct="1">
+      <a:defRPr sz="1200" kern="1200">
+        <a:solidFill>
+          <a:schemeClr val="tx1"/>
+        </a:solidFill>
+        <a:latin typeface="+mn-lt"/>
+        <a:ea typeface="+mn-ea"/>
+        <a:cs typeface="+mn-cs"/>
+      </a:defRPr>
+    </a:lvl7pPr>
+    <a:lvl8pPr marL="3200400" algn="l" defTabSz="914400" rtl="0" eaLnBrk="1" latinLnBrk="0" hangingPunct="1">
+      <a:defRPr sz="1200" kern="1200">
+        <a:solidFill>
+          <a:schemeClr val="tx1"/>
+        </a:solidFill>
+        <a:latin typeface="+mn-lt"/>
+        <a:ea typeface="+mn-ea"/>
+        <a:cs typeface="+mn-cs"/>
+      </a:defRPr>
+    </a:lvl8pPr>
+    <a:lvl9pPr marL="3657600" algn="l" defTabSz="914400" rtl="0" eaLnBrk="1" latinLnBrk="0" hangingPunct="1">
+      <a:defRPr sz="1200" kern="1200">
+        <a:solidFill>
+          <a:schemeClr val="tx1"/>
+        </a:solidFill>
+        <a:latin typeface="+mn-lt"/>
+        <a:ea typeface="+mn-ea"/>
+        <a:cs typeface="+mn-cs"/>
+      </a:defRPr>
+    </a:lvl9pPr>
+  </p:notesStyle>
+</p:notesMaster>
+</file>
+
+<file path=ppt/notesSlides/notesSlide1.xml><?xml version="1.0" encoding="utf-8"?>
+<p:notes xmlns:a="http://schemas.openxmlformats.org/drawingml/2006/main" xmlns:r="http://schemas.openxmlformats.org/officeDocument/2006/relationships" xmlns:p="http://schemas.openxmlformats.org/presentationml/2006/main">
+  <p:cSld>
+    <p:spTree>
+      <p:nvGrpSpPr>
+        <p:cNvPr id="1" name=""/>
+        <p:cNvGrpSpPr/>
+        <p:nvPr/>
+      </p:nvGrpSpPr>
+      <p:grpSpPr>
+        <a:xfrm>
+          <a:off x="0" y="0"/>
+          <a:ext cx="0" cy="0"/>
+          <a:chOff x="0" y="0"/>
+          <a:chExt cx="0" cy="0"/>
+        </a:xfrm>
+      </p:grpSpPr>
+      <p:sp>
+        <p:nvSpPr>
+          <p:cNvPr id="2" name="幻灯片图像占位符 1"/>
+          <p:cNvSpPr>
+            <a:spLocks noGrp="1" noRot="1" noChangeAspect="1"/>
+          </p:cNvSpPr>
+          <p:nvPr>
+            <p:ph type="sldImg"/>
+          </p:nvPr>
+        </p:nvSpPr>
+        <p:spPr/>
+      </p:sp>
+      <p:sp>
+        <p:nvSpPr>
+          <p:cNvPr id="3" name="备注占位符 2"/>
+          <p:cNvSpPr>
+            <a:spLocks noGrp="1"/>
+          </p:cNvSpPr>
+          <p:nvPr>
+            <p:ph type="body" idx="1"/>
+          </p:nvPr>
+        </p:nvSpPr>
+        <p:spPr/>
+        <p:txBody>
+          <a:bodyPr/>
+          <a:lstStyle/>
+          <a:p>
+            <a:pPr marL="342900" indent="-342900">
+              <a:buFont typeface="Arial" panose="020B0604020202020204" pitchFamily="34" charset="0"/>
+              <a:buChar char="•"/>
+            </a:pPr>
+            <a:r>
+              <a:rPr lang="zh-CN" altLang="en-US" sz="1200" dirty="0" smtClean="0">
+                <a:latin typeface="Times New Roman" panose="02020603050405020304" pitchFamily="18" charset="0"/>
+                <a:ea typeface="华文细黑" panose="02010600040101010101" pitchFamily="2" charset="-122"/>
+                <a:cs typeface="Times New Roman" panose="02020603050405020304" pitchFamily="18" charset="0"/>
+              </a:rPr>
+              <a:t>雷诺数较小时，方腔只出现三个涡：一个位于方腔中央的一级涡和一对位于左下角和右下角附近的二级涡</a:t>
+            </a:r>
+            <a:endParaRPr lang="en-US" altLang="zh-CN" sz="1200" dirty="0" smtClean="0">
+              <a:latin typeface="Times New Roman" panose="02020603050405020304" pitchFamily="18" charset="0"/>
+              <a:ea typeface="华文细黑" panose="02010600040101010101" pitchFamily="2" charset="-122"/>
+              <a:cs typeface="Times New Roman" panose="02020603050405020304" pitchFamily="18" charset="0"/>
+            </a:endParaRPr>
+          </a:p>
+          <a:p>
+            <a:pPr marL="342900" indent="-342900">
+              <a:buFont typeface="Arial" panose="020B0604020202020204" pitchFamily="34" charset="0"/>
+              <a:buChar char="•"/>
+            </a:pPr>
+            <a:r>
+              <a:rPr lang="zh-CN" altLang="en-US" sz="1200" dirty="0" smtClean="0">
+                <a:latin typeface="Times New Roman" panose="02020603050405020304" pitchFamily="18" charset="0"/>
+                <a:ea typeface="华文细黑" panose="02010600040101010101" pitchFamily="2" charset="-122"/>
+                <a:cs typeface="Times New Roman" panose="02020603050405020304" pitchFamily="18" charset="0"/>
+              </a:rPr>
+              <a:t>当雷诺数增大时，左上角会出现第三个二级涡</a:t>
+            </a:r>
+            <a:endParaRPr lang="en-US" altLang="zh-CN" sz="1200" dirty="0" smtClean="0">
+              <a:latin typeface="Times New Roman" panose="02020603050405020304" pitchFamily="18" charset="0"/>
+              <a:ea typeface="华文细黑" panose="02010600040101010101" pitchFamily="2" charset="-122"/>
+              <a:cs typeface="Times New Roman" panose="02020603050405020304" pitchFamily="18" charset="0"/>
+            </a:endParaRPr>
+          </a:p>
+          <a:p>
+            <a:pPr marL="342900" indent="-342900">
+              <a:buFont typeface="Arial" panose="020B0604020202020204" pitchFamily="34" charset="0"/>
+              <a:buChar char="•"/>
+            </a:pPr>
+            <a:r>
+              <a:rPr lang="zh-CN" altLang="en-US" sz="1200" dirty="0" smtClean="0">
+                <a:latin typeface="Times New Roman" panose="02020603050405020304" pitchFamily="18" charset="0"/>
+                <a:ea typeface="华文细黑" panose="02010600040101010101" pitchFamily="2" charset="-122"/>
+                <a:cs typeface="Times New Roman" panose="02020603050405020304" pitchFamily="18" charset="0"/>
+              </a:rPr>
+              <a:t>随着雷诺数进一步增加，右下角会出现一个更小的三级涡</a:t>
+            </a:r>
+            <a:endParaRPr lang="en-US" altLang="zh-CN" sz="1200" dirty="0" smtClean="0">
+              <a:latin typeface="Times New Roman" panose="02020603050405020304" pitchFamily="18" charset="0"/>
+              <a:ea typeface="华文细黑" panose="02010600040101010101" pitchFamily="2" charset="-122"/>
+              <a:cs typeface="Times New Roman" panose="02020603050405020304" pitchFamily="18" charset="0"/>
+            </a:endParaRPr>
+          </a:p>
+          <a:p>
+            <a:pPr marL="342900" indent="-342900">
+              <a:buFont typeface="Arial" panose="020B0604020202020204" pitchFamily="34" charset="0"/>
+              <a:buChar char="•"/>
+            </a:pPr>
+            <a:r>
+              <a:rPr lang="zh-CN" altLang="en-US" sz="1200" dirty="0" smtClean="0">
+                <a:latin typeface="Times New Roman" panose="02020603050405020304" pitchFamily="18" charset="0"/>
+                <a:ea typeface="华文细黑" panose="02010600040101010101" pitchFamily="2" charset="-122"/>
+                <a:cs typeface="Times New Roman" panose="02020603050405020304" pitchFamily="18" charset="0"/>
+              </a:rPr>
+              <a:t>一级涡的中心会向方腔中心移动</a:t>
+            </a:r>
+          </a:p>
+          <a:p>
+            <a:endParaRPr lang="zh-CN" altLang="en-US" dirty="0"/>
+          </a:p>
+        </p:txBody>
+      </p:sp>
+      <p:sp>
+        <p:nvSpPr>
+          <p:cNvPr id="4" name="灯片编号占位符 3"/>
+          <p:cNvSpPr>
+            <a:spLocks noGrp="1"/>
+          </p:cNvSpPr>
+          <p:nvPr>
+            <p:ph type="sldNum" sz="quarter" idx="10"/>
+          </p:nvPr>
+        </p:nvSpPr>
+        <p:spPr/>
+        <p:txBody>
+          <a:bodyPr/>
+          <a:lstStyle/>
+          <a:p>
+            <a:fld id="{8FDB17F5-4496-4822-A32F-39FC699C3720}" type="slidenum">
+              <a:rPr lang="zh-CN" altLang="en-US" smtClean="0"/>
+              <a:t>10</a:t>
+            </a:fld>
+            <a:endParaRPr lang="zh-CN" altLang="en-US"/>
+          </a:p>
+        </p:txBody>
+      </p:sp>
+    </p:spTree>
+    <p:extLst>
+      <p:ext uri="{BB962C8B-B14F-4D97-AF65-F5344CB8AC3E}">
+        <p14:creationId xmlns:p14="http://schemas.microsoft.com/office/powerpoint/2010/main" val="797554599"/>
+      </p:ext>
+    </p:extLst>
+  </p:cSld>
+  <p:clrMapOvr>
+    <a:masterClrMapping/>
+  </p:clrMapOvr>
+</p:notes>
+</file>
+
 <file path=ppt/slideLayouts/slideLayout1.xml><?xml version="1.0" encoding="utf-8"?>
 <p:sldLayout xmlns:a="http://schemas.openxmlformats.org/drawingml/2006/main" xmlns:r="http://schemas.openxmlformats.org/officeDocument/2006/relationships" xmlns:p="http://schemas.openxmlformats.org/presentationml/2006/main" type="title" preserve="1">
   <p:cSld name="标题幻灯片">
@@ -249,7 +760,7 @@
           <a:p>
             <a:fld id="{EBA620A5-9386-4FF6-B9A9-E5DCD921E0DD}" type="datetimeFigureOut">
               <a:rPr lang="zh-CN" altLang="en-US" smtClean="0"/>
-              <a:t>2016/6/18</a:t>
+              <a:t>2016/6/19</a:t>
             </a:fld>
             <a:endParaRPr lang="zh-CN" altLang="en-US"/>
           </a:p>
@@ -419,7 +930,7 @@
           <a:p>
             <a:fld id="{EBA620A5-9386-4FF6-B9A9-E5DCD921E0DD}" type="datetimeFigureOut">
               <a:rPr lang="zh-CN" altLang="en-US" smtClean="0"/>
-              <a:t>2016/6/18</a:t>
+              <a:t>2016/6/19</a:t>
             </a:fld>
             <a:endParaRPr lang="zh-CN" altLang="en-US"/>
           </a:p>
@@ -599,7 +1110,7 @@
           <a:p>
             <a:fld id="{EBA620A5-9386-4FF6-B9A9-E5DCD921E0DD}" type="datetimeFigureOut">
               <a:rPr lang="zh-CN" altLang="en-US" smtClean="0"/>
-              <a:t>2016/6/18</a:t>
+              <a:t>2016/6/19</a:t>
             </a:fld>
             <a:endParaRPr lang="zh-CN" altLang="en-US"/>
           </a:p>
@@ -769,7 +1280,7 @@
           <a:p>
             <a:fld id="{EBA620A5-9386-4FF6-B9A9-E5DCD921E0DD}" type="datetimeFigureOut">
               <a:rPr lang="zh-CN" altLang="en-US" smtClean="0"/>
-              <a:t>2016/6/18</a:t>
+              <a:t>2016/6/19</a:t>
             </a:fld>
             <a:endParaRPr lang="zh-CN" altLang="en-US"/>
           </a:p>
@@ -1013,7 +1524,7 @@
           <a:p>
             <a:fld id="{EBA620A5-9386-4FF6-B9A9-E5DCD921E0DD}" type="datetimeFigureOut">
               <a:rPr lang="zh-CN" altLang="en-US" smtClean="0"/>
-              <a:t>2016/6/18</a:t>
+              <a:t>2016/6/19</a:t>
             </a:fld>
             <a:endParaRPr lang="zh-CN" altLang="en-US"/>
           </a:p>
@@ -1245,7 +1756,7 @@
           <a:p>
             <a:fld id="{EBA620A5-9386-4FF6-B9A9-E5DCD921E0DD}" type="datetimeFigureOut">
               <a:rPr lang="zh-CN" altLang="en-US" smtClean="0"/>
-              <a:t>2016/6/18</a:t>
+              <a:t>2016/6/19</a:t>
             </a:fld>
             <a:endParaRPr lang="zh-CN" altLang="en-US"/>
           </a:p>
@@ -1612,7 +2123,7 @@
           <a:p>
             <a:fld id="{EBA620A5-9386-4FF6-B9A9-E5DCD921E0DD}" type="datetimeFigureOut">
               <a:rPr lang="zh-CN" altLang="en-US" smtClean="0"/>
-              <a:t>2016/6/18</a:t>
+              <a:t>2016/6/19</a:t>
             </a:fld>
             <a:endParaRPr lang="zh-CN" altLang="en-US"/>
           </a:p>
@@ -1730,7 +2241,7 @@
           <a:p>
             <a:fld id="{EBA620A5-9386-4FF6-B9A9-E5DCD921E0DD}" type="datetimeFigureOut">
               <a:rPr lang="zh-CN" altLang="en-US" smtClean="0"/>
-              <a:t>2016/6/18</a:t>
+              <a:t>2016/6/19</a:t>
             </a:fld>
             <a:endParaRPr lang="zh-CN" altLang="en-US"/>
           </a:p>
@@ -1825,7 +2336,7 @@
           <a:p>
             <a:fld id="{EBA620A5-9386-4FF6-B9A9-E5DCD921E0DD}" type="datetimeFigureOut">
               <a:rPr lang="zh-CN" altLang="en-US" smtClean="0"/>
-              <a:t>2016/6/18</a:t>
+              <a:t>2016/6/19</a:t>
             </a:fld>
             <a:endParaRPr lang="zh-CN" altLang="en-US"/>
           </a:p>
@@ -2102,7 +2613,7 @@
           <a:p>
             <a:fld id="{EBA620A5-9386-4FF6-B9A9-E5DCD921E0DD}" type="datetimeFigureOut">
               <a:rPr lang="zh-CN" altLang="en-US" smtClean="0"/>
-              <a:t>2016/6/18</a:t>
+              <a:t>2016/6/19</a:t>
             </a:fld>
             <a:endParaRPr lang="zh-CN" altLang="en-US"/>
           </a:p>
@@ -2359,7 +2870,7 @@
           <a:p>
             <a:fld id="{EBA620A5-9386-4FF6-B9A9-E5DCD921E0DD}" type="datetimeFigureOut">
               <a:rPr lang="zh-CN" altLang="en-US" smtClean="0"/>
-              <a:t>2016/6/18</a:t>
+              <a:t>2016/6/19</a:t>
             </a:fld>
             <a:endParaRPr lang="zh-CN" altLang="en-US"/>
           </a:p>
@@ -2572,7 +3083,7 @@
           <a:p>
             <a:fld id="{EBA620A5-9386-4FF6-B9A9-E5DCD921E0DD}" type="datetimeFigureOut">
               <a:rPr lang="zh-CN" altLang="en-US" smtClean="0"/>
-              <a:t>2016/6/18</a:t>
+              <a:t>2016/6/19</a:t>
             </a:fld>
             <a:endParaRPr lang="zh-CN" altLang="en-US"/>
           </a:p>
@@ -3017,6 +3528,463 @@
 </p:sld>
 </file>
 
+<file path=ppt/slides/slide10.xml><?xml version="1.0" encoding="utf-8"?>
+<p:sld xmlns:a="http://schemas.openxmlformats.org/drawingml/2006/main" xmlns:r="http://schemas.openxmlformats.org/officeDocument/2006/relationships" xmlns:p="http://schemas.openxmlformats.org/presentationml/2006/main">
+  <p:cSld>
+    <p:spTree>
+      <p:nvGrpSpPr>
+        <p:cNvPr id="1" name=""/>
+        <p:cNvGrpSpPr/>
+        <p:nvPr/>
+      </p:nvGrpSpPr>
+      <p:grpSpPr>
+        <a:xfrm>
+          <a:off x="0" y="0"/>
+          <a:ext cx="0" cy="0"/>
+          <a:chOff x="0" y="0"/>
+          <a:chExt cx="0" cy="0"/>
+        </a:xfrm>
+      </p:grpSpPr>
+      <p:sp>
+        <p:nvSpPr>
+          <p:cNvPr id="2" name="标题 1"/>
+          <p:cNvSpPr>
+            <a:spLocks noGrp="1"/>
+          </p:cNvSpPr>
+          <p:nvPr>
+            <p:ph type="title"/>
+          </p:nvPr>
+        </p:nvSpPr>
+        <p:spPr>
+          <a:xfrm>
+            <a:off x="628650" y="3186"/>
+            <a:ext cx="6854825" cy="1325563"/>
+          </a:xfrm>
+        </p:spPr>
+        <p:txBody>
+          <a:bodyPr/>
+          <a:lstStyle/>
+          <a:p>
+            <a:r>
+              <a:rPr lang="zh-CN" altLang="en-US" dirty="0" smtClean="0">
+                <a:latin typeface="华文细黑" panose="02010600040101010101" pitchFamily="2" charset="-122"/>
+                <a:ea typeface="华文细黑" panose="02010600040101010101" pitchFamily="2" charset="-122"/>
+              </a:rPr>
+              <a:t>算例</a:t>
+            </a:r>
+            <a:r>
+              <a:rPr lang="zh-CN" altLang="en-US" dirty="0">
+                <a:latin typeface="华文细黑" panose="02010600040101010101" pitchFamily="2" charset="-122"/>
+                <a:ea typeface="华文细黑" panose="02010600040101010101" pitchFamily="2" charset="-122"/>
+              </a:rPr>
+              <a:t>结果</a:t>
+            </a:r>
+          </a:p>
+        </p:txBody>
+      </p:sp>
+      <p:sp>
+        <p:nvSpPr>
+          <p:cNvPr id="3" name="Rectangle 2"/>
+          <p:cNvSpPr>
+            <a:spLocks noChangeArrowheads="1"/>
+          </p:cNvSpPr>
+          <p:nvPr/>
+        </p:nvSpPr>
+        <p:spPr bwMode="auto">
+          <a:xfrm>
+            <a:off x="2051220" y="1194486"/>
+            <a:ext cx="12471911" cy="45719"/>
+          </a:xfrm>
+          <a:prstGeom prst="rect">
+            <a:avLst/>
+          </a:prstGeom>
+          <a:noFill/>
+          <a:ln>
+            <a:noFill/>
+          </a:ln>
+          <a:effectLst/>
+          <a:extLst>
+            <a:ext uri="{909E8E84-426E-40DD-AFC4-6F175D3DCCD1}">
+              <a14:hiddenFill xmlns:a14="http://schemas.microsoft.com/office/drawing/2010/main">
+                <a:solidFill>
+                  <a:schemeClr val="accent1"/>
+                </a:solidFill>
+              </a14:hiddenFill>
+            </a:ext>
+            <a:ext uri="{91240B29-F687-4F45-9708-019B960494DF}">
+              <a14:hiddenLine xmlns:a14="http://schemas.microsoft.com/office/drawing/2010/main" w="9525">
+                <a:solidFill>
+                  <a:schemeClr val="tx1"/>
+                </a:solidFill>
+                <a:miter lim="800000"/>
+                <a:headEnd/>
+                <a:tailEnd/>
+              </a14:hiddenLine>
+            </a:ext>
+            <a:ext uri="{AF507438-7753-43E0-B8FC-AC1667EBCBE1}">
+              <a14:hiddenEffects xmlns:a14="http://schemas.microsoft.com/office/drawing/2010/main">
+                <a:effectLst>
+                  <a:outerShdw dist="35921" dir="2700000" algn="ctr" rotWithShape="0">
+                    <a:schemeClr val="bg2"/>
+                  </a:outerShdw>
+                </a:effectLst>
+              </a14:hiddenEffects>
+            </a:ext>
+          </a:extLst>
+        </p:spPr>
+        <p:txBody>
+          <a:bodyPr vert="horz" wrap="square" lIns="91440" tIns="45720" rIns="91440" bIns="45720" numCol="1" anchor="ctr" anchorCtr="0" compatLnSpc="1">
+            <a:prstTxWarp prst="textNoShape">
+              <a:avLst/>
+            </a:prstTxWarp>
+            <a:spAutoFit/>
+          </a:bodyPr>
+          <a:lstStyle/>
+          <a:p>
+            <a:endParaRPr lang="zh-CN" altLang="en-US"/>
+          </a:p>
+        </p:txBody>
+      </p:sp>
+      <p:sp>
+        <p:nvSpPr>
+          <p:cNvPr id="6" name="Rectangle 2"/>
+          <p:cNvSpPr>
+            <a:spLocks noChangeArrowheads="1"/>
+          </p:cNvSpPr>
+          <p:nvPr/>
+        </p:nvSpPr>
+        <p:spPr bwMode="auto">
+          <a:xfrm>
+            <a:off x="1593907" y="1902371"/>
+            <a:ext cx="12397713" cy="45719"/>
+          </a:xfrm>
+          <a:prstGeom prst="rect">
+            <a:avLst/>
+          </a:prstGeom>
+          <a:noFill/>
+          <a:ln>
+            <a:noFill/>
+          </a:ln>
+          <a:effectLst/>
+          <a:extLst>
+            <a:ext uri="{909E8E84-426E-40DD-AFC4-6F175D3DCCD1}">
+              <a14:hiddenFill xmlns:a14="http://schemas.microsoft.com/office/drawing/2010/main">
+                <a:solidFill>
+                  <a:schemeClr val="accent1"/>
+                </a:solidFill>
+              </a14:hiddenFill>
+            </a:ext>
+            <a:ext uri="{91240B29-F687-4F45-9708-019B960494DF}">
+              <a14:hiddenLine xmlns:a14="http://schemas.microsoft.com/office/drawing/2010/main" w="9525">
+                <a:solidFill>
+                  <a:schemeClr val="tx1"/>
+                </a:solidFill>
+                <a:miter lim="800000"/>
+                <a:headEnd/>
+                <a:tailEnd/>
+              </a14:hiddenLine>
+            </a:ext>
+            <a:ext uri="{AF507438-7753-43E0-B8FC-AC1667EBCBE1}">
+              <a14:hiddenEffects xmlns:a14="http://schemas.microsoft.com/office/drawing/2010/main">
+                <a:effectLst>
+                  <a:outerShdw dist="35921" dir="2700000" algn="ctr" rotWithShape="0">
+                    <a:schemeClr val="bg2"/>
+                  </a:outerShdw>
+                </a:effectLst>
+              </a14:hiddenEffects>
+            </a:ext>
+          </a:extLst>
+        </p:spPr>
+        <p:txBody>
+          <a:bodyPr vert="horz" wrap="square" lIns="91440" tIns="45720" rIns="91440" bIns="45720" numCol="1" anchor="ctr" anchorCtr="0" compatLnSpc="1">
+            <a:prstTxWarp prst="textNoShape">
+              <a:avLst/>
+            </a:prstTxWarp>
+            <a:spAutoFit/>
+          </a:bodyPr>
+          <a:lstStyle/>
+          <a:p>
+            <a:endParaRPr lang="zh-CN" altLang="en-US"/>
+          </a:p>
+        </p:txBody>
+      </p:sp>
+      <p:pic>
+        <p:nvPicPr>
+          <p:cNvPr id="4" name="图片 3"/>
+          <p:cNvPicPr>
+            <a:picLocks noChangeAspect="1"/>
+          </p:cNvPicPr>
+          <p:nvPr/>
+        </p:nvPicPr>
+        <p:blipFill rotWithShape="1">
+          <a:blip r:embed="rId3">
+            <a:extLst>
+              <a:ext uri="{28A0092B-C50C-407E-A947-70E740481C1C}">
+                <a14:useLocalDpi xmlns:a14="http://schemas.microsoft.com/office/drawing/2010/main" val="0"/>
+              </a:ext>
+            </a:extLst>
+          </a:blip>
+          <a:srcRect l="11491" t="8601" r="7740" b="9590"/>
+          <a:stretch/>
+        </p:blipFill>
+        <p:spPr>
+          <a:xfrm>
+            <a:off x="758749" y="3818083"/>
+            <a:ext cx="2584939" cy="2602523"/>
+          </a:xfrm>
+          <a:prstGeom prst="rect">
+            <a:avLst/>
+          </a:prstGeom>
+        </p:spPr>
+      </p:pic>
+      <p:pic>
+        <p:nvPicPr>
+          <p:cNvPr id="7" name="图片 6"/>
+          <p:cNvPicPr>
+            <a:picLocks noChangeAspect="1"/>
+          </p:cNvPicPr>
+          <p:nvPr/>
+        </p:nvPicPr>
+        <p:blipFill rotWithShape="1">
+          <a:blip r:embed="rId4">
+            <a:extLst>
+              <a:ext uri="{28A0092B-C50C-407E-A947-70E740481C1C}">
+                <a14:useLocalDpi xmlns:a14="http://schemas.microsoft.com/office/drawing/2010/main" val="0"/>
+              </a:ext>
+            </a:extLst>
+          </a:blip>
+          <a:srcRect l="12006" t="7810" r="7774" b="8723"/>
+          <a:stretch/>
+        </p:blipFill>
+        <p:spPr>
+          <a:xfrm>
+            <a:off x="797010" y="895482"/>
+            <a:ext cx="2567354" cy="2655277"/>
+          </a:xfrm>
+          <a:prstGeom prst="rect">
+            <a:avLst/>
+          </a:prstGeom>
+        </p:spPr>
+      </p:pic>
+      <p:pic>
+        <p:nvPicPr>
+          <p:cNvPr id="8" name="图片 7"/>
+          <p:cNvPicPr>
+            <a:picLocks noChangeAspect="1"/>
+          </p:cNvPicPr>
+          <p:nvPr/>
+        </p:nvPicPr>
+        <p:blipFill rotWithShape="1">
+          <a:blip r:embed="rId5">
+            <a:extLst>
+              <a:ext uri="{28A0092B-C50C-407E-A947-70E740481C1C}">
+                <a14:useLocalDpi xmlns:a14="http://schemas.microsoft.com/office/drawing/2010/main" val="0"/>
+              </a:ext>
+            </a:extLst>
+          </a:blip>
+          <a:srcRect l="11457" t="9193" r="7225" b="8723"/>
+          <a:stretch/>
+        </p:blipFill>
+        <p:spPr>
+          <a:xfrm>
+            <a:off x="4705127" y="939443"/>
+            <a:ext cx="2602523" cy="2611316"/>
+          </a:xfrm>
+          <a:prstGeom prst="rect">
+            <a:avLst/>
+          </a:prstGeom>
+        </p:spPr>
+      </p:pic>
+      <p:sp>
+        <p:nvSpPr>
+          <p:cNvPr id="11" name="矩形 10"/>
+          <p:cNvSpPr/>
+          <p:nvPr/>
+        </p:nvSpPr>
+        <p:spPr>
+          <a:xfrm>
+            <a:off x="1451843" y="3475423"/>
+            <a:ext cx="1198752" cy="400110"/>
+          </a:xfrm>
+          <a:prstGeom prst="rect">
+            <a:avLst/>
+          </a:prstGeom>
+        </p:spPr>
+        <p:txBody>
+          <a:bodyPr wrap="square">
+            <a:spAutoFit/>
+          </a:bodyPr>
+          <a:lstStyle/>
+          <a:p>
+            <a:r>
+              <a:rPr lang="en-US" altLang="zh-CN" sz="2000" dirty="0" smtClean="0">
+                <a:latin typeface="Times New Roman" panose="02020603050405020304" pitchFamily="18" charset="0"/>
+                <a:ea typeface="华文细黑" panose="02010600040101010101" pitchFamily="2" charset="-122"/>
+                <a:cs typeface="Times New Roman" panose="02020603050405020304" pitchFamily="18" charset="0"/>
+              </a:rPr>
+              <a:t>Re=400</a:t>
+            </a:r>
+            <a:endParaRPr lang="zh-CN" altLang="en-US" sz="2000" dirty="0">
+              <a:latin typeface="Times New Roman" panose="02020603050405020304" pitchFamily="18" charset="0"/>
+              <a:ea typeface="华文细黑" panose="02010600040101010101" pitchFamily="2" charset="-122"/>
+              <a:cs typeface="Times New Roman" panose="02020603050405020304" pitchFamily="18" charset="0"/>
+            </a:endParaRPr>
+          </a:p>
+        </p:txBody>
+      </p:sp>
+      <p:sp>
+        <p:nvSpPr>
+          <p:cNvPr id="12" name="矩形 11"/>
+          <p:cNvSpPr/>
+          <p:nvPr/>
+        </p:nvSpPr>
+        <p:spPr>
+          <a:xfrm>
+            <a:off x="5407012" y="3475423"/>
+            <a:ext cx="1198752" cy="400110"/>
+          </a:xfrm>
+          <a:prstGeom prst="rect">
+            <a:avLst/>
+          </a:prstGeom>
+        </p:spPr>
+        <p:txBody>
+          <a:bodyPr wrap="square">
+            <a:spAutoFit/>
+          </a:bodyPr>
+          <a:lstStyle/>
+          <a:p>
+            <a:r>
+              <a:rPr lang="en-US" altLang="zh-CN" sz="2000" dirty="0" smtClean="0">
+                <a:latin typeface="Times New Roman" panose="02020603050405020304" pitchFamily="18" charset="0"/>
+                <a:ea typeface="华文细黑" panose="02010600040101010101" pitchFamily="2" charset="-122"/>
+                <a:cs typeface="Times New Roman" panose="02020603050405020304" pitchFamily="18" charset="0"/>
+              </a:rPr>
+              <a:t>Re=1000</a:t>
+            </a:r>
+            <a:endParaRPr lang="zh-CN" altLang="en-US" sz="2000" dirty="0">
+              <a:latin typeface="Times New Roman" panose="02020603050405020304" pitchFamily="18" charset="0"/>
+              <a:ea typeface="华文细黑" panose="02010600040101010101" pitchFamily="2" charset="-122"/>
+              <a:cs typeface="Times New Roman" panose="02020603050405020304" pitchFamily="18" charset="0"/>
+            </a:endParaRPr>
+          </a:p>
+        </p:txBody>
+      </p:sp>
+      <p:sp>
+        <p:nvSpPr>
+          <p:cNvPr id="15" name="矩形 14"/>
+          <p:cNvSpPr/>
+          <p:nvPr/>
+        </p:nvSpPr>
+        <p:spPr>
+          <a:xfrm>
+            <a:off x="1481311" y="6420606"/>
+            <a:ext cx="1198752" cy="400110"/>
+          </a:xfrm>
+          <a:prstGeom prst="rect">
+            <a:avLst/>
+          </a:prstGeom>
+        </p:spPr>
+        <p:txBody>
+          <a:bodyPr wrap="square">
+            <a:spAutoFit/>
+          </a:bodyPr>
+          <a:lstStyle/>
+          <a:p>
+            <a:r>
+              <a:rPr lang="en-US" altLang="zh-CN" sz="2000" dirty="0" smtClean="0">
+                <a:latin typeface="Times New Roman" panose="02020603050405020304" pitchFamily="18" charset="0"/>
+                <a:ea typeface="华文细黑" panose="02010600040101010101" pitchFamily="2" charset="-122"/>
+                <a:cs typeface="Times New Roman" panose="02020603050405020304" pitchFamily="18" charset="0"/>
+              </a:rPr>
+              <a:t>Re=2000</a:t>
+            </a:r>
+            <a:endParaRPr lang="zh-CN" altLang="en-US" sz="2000" dirty="0">
+              <a:latin typeface="Times New Roman" panose="02020603050405020304" pitchFamily="18" charset="0"/>
+              <a:ea typeface="华文细黑" panose="02010600040101010101" pitchFamily="2" charset="-122"/>
+              <a:cs typeface="Times New Roman" panose="02020603050405020304" pitchFamily="18" charset="0"/>
+            </a:endParaRPr>
+          </a:p>
+        </p:txBody>
+      </p:sp>
+      <p:pic>
+        <p:nvPicPr>
+          <p:cNvPr id="5" name="图片 4"/>
+          <p:cNvPicPr>
+            <a:picLocks noChangeAspect="1"/>
+          </p:cNvPicPr>
+          <p:nvPr/>
+        </p:nvPicPr>
+        <p:blipFill rotWithShape="1">
+          <a:blip r:embed="rId6">
+            <a:extLst>
+              <a:ext uri="{28A0092B-C50C-407E-A947-70E740481C1C}">
+                <a14:useLocalDpi xmlns:a14="http://schemas.microsoft.com/office/drawing/2010/main" val="0"/>
+              </a:ext>
+            </a:extLst>
+          </a:blip>
+          <a:srcRect l="12308" t="9608" r="9423" b="9135"/>
+          <a:stretch/>
+        </p:blipFill>
+        <p:spPr>
+          <a:xfrm>
+            <a:off x="4705127" y="3875533"/>
+            <a:ext cx="2504926" cy="2584951"/>
+          </a:xfrm>
+          <a:prstGeom prst="rect">
+            <a:avLst/>
+          </a:prstGeom>
+        </p:spPr>
+      </p:pic>
+      <p:sp>
+        <p:nvSpPr>
+          <p:cNvPr id="13" name="矩形 12"/>
+          <p:cNvSpPr/>
+          <p:nvPr/>
+        </p:nvSpPr>
+        <p:spPr>
+          <a:xfrm>
+            <a:off x="5264934" y="6420606"/>
+            <a:ext cx="1198752" cy="400110"/>
+          </a:xfrm>
+          <a:prstGeom prst="rect">
+            <a:avLst/>
+          </a:prstGeom>
+        </p:spPr>
+        <p:txBody>
+          <a:bodyPr wrap="square">
+            <a:spAutoFit/>
+          </a:bodyPr>
+          <a:lstStyle/>
+          <a:p>
+            <a:r>
+              <a:rPr lang="en-US" altLang="zh-CN" sz="2000" dirty="0" smtClean="0">
+                <a:latin typeface="Times New Roman" panose="02020603050405020304" pitchFamily="18" charset="0"/>
+                <a:ea typeface="华文细黑" panose="02010600040101010101" pitchFamily="2" charset="-122"/>
+                <a:cs typeface="Times New Roman" panose="02020603050405020304" pitchFamily="18" charset="0"/>
+              </a:rPr>
+              <a:t>Re=4000</a:t>
+            </a:r>
+            <a:endParaRPr lang="zh-CN" altLang="en-US" sz="2000" dirty="0">
+              <a:latin typeface="Times New Roman" panose="02020603050405020304" pitchFamily="18" charset="0"/>
+              <a:ea typeface="华文细黑" panose="02010600040101010101" pitchFamily="2" charset="-122"/>
+              <a:cs typeface="Times New Roman" panose="02020603050405020304" pitchFamily="18" charset="0"/>
+            </a:endParaRPr>
+          </a:p>
+        </p:txBody>
+      </p:sp>
+    </p:spTree>
+    <p:extLst>
+      <p:ext uri="{BB962C8B-B14F-4D97-AF65-F5344CB8AC3E}">
+        <p14:creationId xmlns:p14="http://schemas.microsoft.com/office/powerpoint/2010/main" val="2485928905"/>
+      </p:ext>
+    </p:extLst>
+  </p:cSld>
+  <p:clrMapOvr>
+    <a:masterClrMapping/>
+  </p:clrMapOvr>
+</p:sld>
+</file>
+
 <file path=ppt/slides/slide2.xml><?xml version="1.0" encoding="utf-8"?>
 <p:sld xmlns:a="http://schemas.openxmlformats.org/drawingml/2006/main" xmlns:r="http://schemas.openxmlformats.org/officeDocument/2006/relationships" xmlns:p="http://schemas.openxmlformats.org/presentationml/2006/main">
   <p:cSld>
@@ -3204,7 +4172,7 @@
           <a:graphicData uri="http://schemas.openxmlformats.org/presentationml/2006/ole">
             <mc:AlternateContent xmlns:mc="http://schemas.openxmlformats.org/markup-compatibility/2006">
               <mc:Choice xmlns:v="urn:schemas-microsoft-com:vml" Requires="v">
-                <p:oleObj spid="_x0000_s1161" name="Equation" r:id="rId3" imgW="596880" imgH="203040" progId="Equation.DSMT4">
+                <p:oleObj spid="_x0000_s1218" name="Equation" r:id="rId3" imgW="596880" imgH="203040" progId="Equation.DSMT4">
                   <p:embed/>
                 </p:oleObj>
               </mc:Choice>
@@ -3261,7 +4229,7 @@
           <a:graphicData uri="http://schemas.openxmlformats.org/presentationml/2006/ole">
             <mc:AlternateContent xmlns:mc="http://schemas.openxmlformats.org/markup-compatibility/2006">
               <mc:Choice xmlns:v="urn:schemas-microsoft-com:vml" Requires="v">
-                <p:oleObj spid="_x0000_s1162" name="Equation" r:id="rId5" imgW="1091880" imgH="279360" progId="Equation.DSMT4">
+                <p:oleObj spid="_x0000_s1219" name="Equation" r:id="rId5" imgW="1091880" imgH="279360" progId="Equation.DSMT4">
                   <p:embed/>
                 </p:oleObj>
               </mc:Choice>
@@ -3318,7 +4286,7 @@
           <a:graphicData uri="http://schemas.openxmlformats.org/presentationml/2006/ole">
             <mc:AlternateContent xmlns:mc="http://schemas.openxmlformats.org/markup-compatibility/2006">
               <mc:Choice xmlns:v="urn:schemas-microsoft-com:vml" Requires="v">
-                <p:oleObj spid="_x0000_s1163" name="Equation" r:id="rId7" imgW="1536480" imgH="419040" progId="Equation.DSMT4">
+                <p:oleObj spid="_x0000_s1220" name="Equation" r:id="rId7" imgW="1536480" imgH="419040" progId="Equation.DSMT4">
                   <p:embed/>
                 </p:oleObj>
               </mc:Choice>
@@ -3439,7 +4407,7 @@
           <a:graphicData uri="http://schemas.openxmlformats.org/presentationml/2006/ole">
             <mc:AlternateContent xmlns:mc="http://schemas.openxmlformats.org/markup-compatibility/2006">
               <mc:Choice xmlns:v="urn:schemas-microsoft-com:vml" Requires="v">
-                <p:oleObj spid="_x0000_s2176" name="Equation" r:id="rId3" imgW="1536480" imgH="419040" progId="Equation.DSMT4">
+                <p:oleObj spid="_x0000_s2252" name="Equation" r:id="rId3" imgW="1536480" imgH="419040" progId="Equation.DSMT4">
                   <p:embed/>
                 </p:oleObj>
               </mc:Choice>
@@ -3933,7 +4901,7 @@
           <a:graphicData uri="http://schemas.openxmlformats.org/presentationml/2006/ole">
             <mc:AlternateContent xmlns:mc="http://schemas.openxmlformats.org/markup-compatibility/2006">
               <mc:Choice xmlns:v="urn:schemas-microsoft-com:vml" Requires="v">
-                <p:oleObj spid="_x0000_s2177" name="Equation" r:id="rId5" imgW="241200" imgH="228600" progId="Equation.DSMT4">
+                <p:oleObj spid="_x0000_s2253" name="Equation" r:id="rId5" imgW="241200" imgH="228600" progId="Equation.DSMT4">
                   <p:embed/>
                 </p:oleObj>
               </mc:Choice>
@@ -3990,7 +4958,7 @@
           <a:graphicData uri="http://schemas.openxmlformats.org/presentationml/2006/ole">
             <mc:AlternateContent xmlns:mc="http://schemas.openxmlformats.org/markup-compatibility/2006">
               <mc:Choice xmlns:v="urn:schemas-microsoft-com:vml" Requires="v">
-                <p:oleObj spid="_x0000_s2178" name="Equation" r:id="rId7" imgW="952200" imgH="228600" progId="Equation.DSMT4">
+                <p:oleObj spid="_x0000_s2254" name="Equation" r:id="rId7" imgW="952200" imgH="228600" progId="Equation.DSMT4">
                   <p:embed/>
                 </p:oleObj>
               </mc:Choice>
@@ -4047,7 +5015,7 @@
           <a:graphicData uri="http://schemas.openxmlformats.org/presentationml/2006/ole">
             <mc:AlternateContent xmlns:mc="http://schemas.openxmlformats.org/markup-compatibility/2006">
               <mc:Choice xmlns:v="urn:schemas-microsoft-com:vml" Requires="v">
-                <p:oleObj spid="_x0000_s2179" name="Equation" r:id="rId9" imgW="444240" imgH="393480" progId="Equation.DSMT4">
+                <p:oleObj spid="_x0000_s2255" name="Equation" r:id="rId9" imgW="444240" imgH="393480" progId="Equation.DSMT4">
                   <p:embed/>
                 </p:oleObj>
               </mc:Choice>
@@ -4168,7 +5136,7 @@
           <a:graphicData uri="http://schemas.openxmlformats.org/presentationml/2006/ole">
             <mc:AlternateContent xmlns:mc="http://schemas.openxmlformats.org/markup-compatibility/2006">
               <mc:Choice xmlns:v="urn:schemas-microsoft-com:vml" Requires="v">
-                <p:oleObj spid="_x0000_s3157" name="Equation" r:id="rId3" imgW="2082600" imgH="419040" progId="Equation.DSMT4">
+                <p:oleObj spid="_x0000_s3233" name="Equation" r:id="rId3" imgW="2082600" imgH="419040" progId="Equation.DSMT4">
                   <p:embed/>
                 </p:oleObj>
               </mc:Choice>
@@ -4582,7 +5550,7 @@
           <a:graphicData uri="http://schemas.openxmlformats.org/presentationml/2006/ole">
             <mc:AlternateContent xmlns:mc="http://schemas.openxmlformats.org/markup-compatibility/2006">
               <mc:Choice xmlns:v="urn:schemas-microsoft-com:vml" Requires="v">
-                <p:oleObj spid="_x0000_s3158" name="Equation" r:id="rId5" imgW="1765080" imgH="419040" progId="Equation.DSMT4">
+                <p:oleObj spid="_x0000_s3234" name="Equation" r:id="rId5" imgW="1765080" imgH="419040" progId="Equation.DSMT4">
                   <p:embed/>
                 </p:oleObj>
               </mc:Choice>
@@ -4713,7 +5681,7 @@
           <a:graphicData uri="http://schemas.openxmlformats.org/presentationml/2006/ole">
             <mc:AlternateContent xmlns:mc="http://schemas.openxmlformats.org/markup-compatibility/2006">
               <mc:Choice xmlns:v="urn:schemas-microsoft-com:vml" Requires="v">
-                <p:oleObj spid="_x0000_s3159" name="Equation" r:id="rId7" imgW="3340080" imgH="393480" progId="Equation.DSMT4">
+                <p:oleObj spid="_x0000_s3235" name="Equation" r:id="rId7" imgW="3340080" imgH="393480" progId="Equation.DSMT4">
                   <p:embed/>
                 </p:oleObj>
               </mc:Choice>
@@ -4808,7 +5776,7 @@
           <a:graphicData uri="http://schemas.openxmlformats.org/presentationml/2006/ole">
             <mc:AlternateContent xmlns:mc="http://schemas.openxmlformats.org/markup-compatibility/2006">
               <mc:Choice xmlns:v="urn:schemas-microsoft-com:vml" Requires="v">
-                <p:oleObj spid="_x0000_s3160" name="Equation" r:id="rId9" imgW="622080" imgH="241200" progId="Equation.DSMT4">
+                <p:oleObj spid="_x0000_s3236" name="Equation" r:id="rId9" imgW="622080" imgH="241200" progId="Equation.DSMT4">
                   <p:embed/>
                 </p:oleObj>
               </mc:Choice>
@@ -4843,6 +5811,39 @@
           </a:graphicData>
         </a:graphic>
       </p:graphicFrame>
+      <p:pic>
+        <p:nvPicPr>
+          <p:cNvPr id="18" name="图片 17"/>
+          <p:cNvPicPr/>
+          <p:nvPr/>
+        </p:nvPicPr>
+        <p:blipFill>
+          <a:blip r:embed="rId11">
+            <a:extLst>
+              <a:ext uri="{28A0092B-C50C-407E-A947-70E740481C1C}">
+                <a14:useLocalDpi xmlns:a14="http://schemas.microsoft.com/office/drawing/2010/main" val="0"/>
+              </a:ext>
+            </a:extLst>
+          </a:blip>
+          <a:srcRect/>
+          <a:stretch>
+            <a:fillRect/>
+          </a:stretch>
+        </p:blipFill>
+        <p:spPr bwMode="auto">
+          <a:xfrm>
+            <a:off x="6755765" y="788035"/>
+            <a:ext cx="1455420" cy="1360805"/>
+          </a:xfrm>
+          <a:prstGeom prst="rect">
+            <a:avLst/>
+          </a:prstGeom>
+          <a:noFill/>
+          <a:ln>
+            <a:noFill/>
+          </a:ln>
+        </p:spPr>
+      </p:pic>
     </p:spTree>
     <p:extLst>
       <p:ext uri="{BB962C8B-B14F-4D97-AF65-F5344CB8AC3E}">
@@ -4929,7 +5930,7 @@
           <a:graphicData uri="http://schemas.openxmlformats.org/presentationml/2006/ole">
             <mc:AlternateContent xmlns:mc="http://schemas.openxmlformats.org/markup-compatibility/2006">
               <mc:Choice xmlns:v="urn:schemas-microsoft-com:vml" Requires="v">
-                <p:oleObj spid="_x0000_s4133" name="Equation" r:id="rId3" imgW="1815840" imgH="787320" progId="Equation.DSMT4">
+                <p:oleObj spid="_x0000_s4190" name="Equation" r:id="rId3" imgW="1815840" imgH="787320" progId="Equation.DSMT4">
                   <p:embed/>
                 </p:oleObj>
               </mc:Choice>
@@ -5137,7 +6138,7 @@
           <a:graphicData uri="http://schemas.openxmlformats.org/presentationml/2006/ole">
             <mc:AlternateContent xmlns:mc="http://schemas.openxmlformats.org/markup-compatibility/2006">
               <mc:Choice xmlns:v="urn:schemas-microsoft-com:vml" Requires="v">
-                <p:oleObj spid="_x0000_s4134" name="Equation" r:id="rId5" imgW="1117440" imgH="393480" progId="Equation.DSMT4">
+                <p:oleObj spid="_x0000_s4191" name="Equation" r:id="rId5" imgW="1117440" imgH="393480" progId="Equation.DSMT4">
                   <p:embed/>
                 </p:oleObj>
               </mc:Choice>
@@ -5194,7 +6195,7 @@
           <a:graphicData uri="http://schemas.openxmlformats.org/presentationml/2006/ole">
             <mc:AlternateContent xmlns:mc="http://schemas.openxmlformats.org/markup-compatibility/2006">
               <mc:Choice xmlns:v="urn:schemas-microsoft-com:vml" Requires="v">
-                <p:oleObj spid="_x0000_s4135" name="Equation" r:id="rId7" imgW="3886200" imgH="482400" progId="Equation.DSMT4">
+                <p:oleObj spid="_x0000_s4192" name="Equation" r:id="rId7" imgW="3886200" imgH="482400" progId="Equation.DSMT4">
                   <p:embed/>
                 </p:oleObj>
               </mc:Choice>
@@ -5293,6 +6294,549 @@
           </a:p>
         </p:txBody>
       </p:sp>
+      <p:sp>
+        <p:nvSpPr>
+          <p:cNvPr id="3" name="文本框 2"/>
+          <p:cNvSpPr txBox="1"/>
+          <p:nvPr/>
+        </p:nvSpPr>
+        <p:spPr>
+          <a:xfrm>
+            <a:off x="515391" y="898492"/>
+            <a:ext cx="7233313" cy="707886"/>
+          </a:xfrm>
+          <a:prstGeom prst="rect">
+            <a:avLst/>
+          </a:prstGeom>
+          <a:noFill/>
+        </p:spPr>
+        <p:txBody>
+          <a:bodyPr wrap="square" rtlCol="0">
+            <a:spAutoFit/>
+          </a:bodyPr>
+          <a:lstStyle/>
+          <a:p>
+            <a:pPr marL="342900" indent="-342900">
+              <a:buFont typeface="Arial" panose="020B0604020202020204" pitchFamily="34" charset="0"/>
+              <a:buChar char="•"/>
+            </a:pPr>
+            <a:r>
+              <a:rPr lang="zh-CN" altLang="en-US" sz="2000" dirty="0">
+                <a:latin typeface="Times New Roman" panose="02020603050405020304" pitchFamily="18" charset="0"/>
+                <a:ea typeface="华文细黑" panose="02010600040101010101" pitchFamily="2" charset="-122"/>
+                <a:cs typeface="Times New Roman" panose="02020603050405020304" pitchFamily="18" charset="0"/>
+              </a:rPr>
+              <a:t>边界的处理可以采用启发式格式、动力学格式和外推格式，下面选择外推格式中的非平衡态外推格式进行</a:t>
+            </a:r>
+            <a:r>
+              <a:rPr lang="zh-CN" altLang="en-US" sz="2000" dirty="0" smtClean="0">
+                <a:latin typeface="Times New Roman" panose="02020603050405020304" pitchFamily="18" charset="0"/>
+                <a:ea typeface="华文细黑" panose="02010600040101010101" pitchFamily="2" charset="-122"/>
+                <a:cs typeface="Times New Roman" panose="02020603050405020304" pitchFamily="18" charset="0"/>
+              </a:rPr>
+              <a:t>说明</a:t>
+            </a:r>
+            <a:endParaRPr lang="en-US" altLang="zh-CN" sz="2000" dirty="0">
+              <a:latin typeface="Times New Roman" panose="02020603050405020304" pitchFamily="18" charset="0"/>
+              <a:ea typeface="华文细黑" panose="02010600040101010101" pitchFamily="2" charset="-122"/>
+              <a:cs typeface="Times New Roman" panose="02020603050405020304" pitchFamily="18" charset="0"/>
+            </a:endParaRPr>
+          </a:p>
+        </p:txBody>
+      </p:sp>
+      <p:sp>
+        <p:nvSpPr>
+          <p:cNvPr id="4" name="Rectangle 2"/>
+          <p:cNvSpPr>
+            <a:spLocks noChangeArrowheads="1"/>
+          </p:cNvSpPr>
+          <p:nvPr/>
+        </p:nvSpPr>
+        <p:spPr bwMode="auto">
+          <a:xfrm>
+            <a:off x="0" y="0"/>
+            <a:ext cx="9144000" cy="0"/>
+          </a:xfrm>
+          <a:prstGeom prst="rect">
+            <a:avLst/>
+          </a:prstGeom>
+          <a:noFill/>
+          <a:ln>
+            <a:noFill/>
+          </a:ln>
+          <a:effectLst/>
+          <a:extLst>
+            <a:ext uri="{909E8E84-426E-40DD-AFC4-6F175D3DCCD1}">
+              <a14:hiddenFill xmlns:a14="http://schemas.microsoft.com/office/drawing/2010/main">
+                <a:solidFill>
+                  <a:schemeClr val="accent1"/>
+                </a:solidFill>
+              </a14:hiddenFill>
+            </a:ext>
+            <a:ext uri="{91240B29-F687-4F45-9708-019B960494DF}">
+              <a14:hiddenLine xmlns:a14="http://schemas.microsoft.com/office/drawing/2010/main" w="9525">
+                <a:solidFill>
+                  <a:schemeClr val="tx1"/>
+                </a:solidFill>
+                <a:miter lim="800000"/>
+                <a:headEnd/>
+                <a:tailEnd/>
+              </a14:hiddenLine>
+            </a:ext>
+            <a:ext uri="{AF507438-7753-43E0-B8FC-AC1667EBCBE1}">
+              <a14:hiddenEffects xmlns:a14="http://schemas.microsoft.com/office/drawing/2010/main">
+                <a:effectLst>
+                  <a:outerShdw dist="35921" dir="2700000" algn="ctr" rotWithShape="0">
+                    <a:schemeClr val="bg2"/>
+                  </a:outerShdw>
+                </a:effectLst>
+              </a14:hiddenEffects>
+            </a:ext>
+          </a:extLst>
+        </p:spPr>
+        <p:txBody>
+          <a:bodyPr vert="horz" wrap="none" lIns="91440" tIns="45720" rIns="91440" bIns="45720" numCol="1" anchor="ctr" anchorCtr="0" compatLnSpc="1">
+            <a:prstTxWarp prst="textNoShape">
+              <a:avLst/>
+            </a:prstTxWarp>
+            <a:spAutoFit/>
+          </a:bodyPr>
+          <a:lstStyle/>
+          <a:p>
+            <a:endParaRPr lang="zh-CN" altLang="en-US"/>
+          </a:p>
+        </p:txBody>
+      </p:sp>
+      <p:graphicFrame>
+        <p:nvGraphicFramePr>
+          <p:cNvPr id="5" name="对象 4"/>
+          <p:cNvGraphicFramePr>
+            <a:graphicFrameLocks noChangeAspect="1"/>
+          </p:cNvGraphicFramePr>
+          <p:nvPr>
+            <p:extLst>
+              <p:ext uri="{D42A27DB-BD31-4B8C-83A1-F6EECF244321}">
+                <p14:modId xmlns:p14="http://schemas.microsoft.com/office/powerpoint/2010/main" val="3392380077"/>
+              </p:ext>
+            </p:extLst>
+          </p:nvPr>
+        </p:nvGraphicFramePr>
+        <p:xfrm>
+          <a:off x="2693773" y="1606378"/>
+          <a:ext cx="2876550" cy="2047875"/>
+        </p:xfrm>
+        <a:graphic>
+          <a:graphicData uri="http://schemas.openxmlformats.org/presentationml/2006/ole">
+            <mc:AlternateContent xmlns:mc="http://schemas.openxmlformats.org/markup-compatibility/2006">
+              <mc:Choice xmlns:v="urn:schemas-microsoft-com:vml" Requires="v">
+                <p:oleObj spid="_x0000_s5179" name="Visio" r:id="rId3" imgW="3648145" imgH="2600370" progId="Visio.Drawing.15">
+                  <p:embed/>
+                </p:oleObj>
+              </mc:Choice>
+              <mc:Fallback>
+                <p:oleObj name="Visio" r:id="rId3" imgW="3648145" imgH="2600370" progId="Visio.Drawing.15">
+                  <p:embed/>
+                  <p:pic>
+                    <p:nvPicPr>
+                      <p:cNvPr id="0" name="Object 1"/>
+                      <p:cNvPicPr>
+                        <a:picLocks noChangeAspect="1" noChangeArrowheads="1"/>
+                      </p:cNvPicPr>
+                      <p:nvPr/>
+                    </p:nvPicPr>
+                    <p:blipFill>
+                      <a:blip r:embed="rId4"/>
+                      <a:srcRect/>
+                      <a:stretch>
+                        <a:fillRect/>
+                      </a:stretch>
+                    </p:blipFill>
+                    <p:spPr bwMode="auto">
+                      <a:xfrm>
+                        <a:off x="2693773" y="1606378"/>
+                        <a:ext cx="2876550" cy="2047875"/>
+                      </a:xfrm>
+                      <a:prstGeom prst="rect">
+                        <a:avLst/>
+                      </a:prstGeom>
+                      <a:noFill/>
+                      <a:extLst>
+                        <a:ext uri="{909E8E84-426E-40DD-AFC4-6F175D3DCCD1}">
+                          <a14:hiddenFill xmlns:a14="http://schemas.microsoft.com/office/drawing/2010/main">
+                            <a:solidFill>
+                              <a:srgbClr val="FFFFFF"/>
+                            </a:solidFill>
+                          </a14:hiddenFill>
+                        </a:ext>
+                      </a:extLst>
+                    </p:spPr>
+                  </p:pic>
+                </p:oleObj>
+              </mc:Fallback>
+            </mc:AlternateContent>
+          </a:graphicData>
+        </a:graphic>
+      </p:graphicFrame>
+      <p:sp>
+        <p:nvSpPr>
+          <p:cNvPr id="6" name="文本框 5"/>
+          <p:cNvSpPr txBox="1"/>
+          <p:nvPr/>
+        </p:nvSpPr>
+        <p:spPr>
+          <a:xfrm>
+            <a:off x="646573" y="3931882"/>
+            <a:ext cx="7233313" cy="707886"/>
+          </a:xfrm>
+          <a:prstGeom prst="rect">
+            <a:avLst/>
+          </a:prstGeom>
+          <a:noFill/>
+        </p:spPr>
+        <p:txBody>
+          <a:bodyPr wrap="square" rtlCol="0">
+            <a:spAutoFit/>
+          </a:bodyPr>
+          <a:lstStyle/>
+          <a:p>
+            <a:pPr marL="342900" indent="-342900">
+              <a:buFont typeface="Arial" panose="020B0604020202020204" pitchFamily="34" charset="0"/>
+              <a:buChar char="•"/>
+            </a:pPr>
+            <a:r>
+              <a:rPr lang="zh-CN" altLang="en-US" sz="2000" dirty="0">
+                <a:latin typeface="Times New Roman" panose="02020603050405020304" pitchFamily="18" charset="0"/>
+                <a:ea typeface="华文细黑" panose="02010600040101010101" pitchFamily="2" charset="-122"/>
+                <a:cs typeface="Times New Roman" panose="02020603050405020304" pitchFamily="18" charset="0"/>
+              </a:rPr>
+              <a:t>非平衡外推格式的思想是将边界节点上的分布函数分解为平衡态和非平衡态：</a:t>
+            </a:r>
+            <a:endParaRPr lang="en-US" altLang="zh-CN" sz="2000" dirty="0">
+              <a:latin typeface="Times New Roman" panose="02020603050405020304" pitchFamily="18" charset="0"/>
+              <a:ea typeface="华文细黑" panose="02010600040101010101" pitchFamily="2" charset="-122"/>
+              <a:cs typeface="Times New Roman" panose="02020603050405020304" pitchFamily="18" charset="0"/>
+            </a:endParaRPr>
+          </a:p>
+        </p:txBody>
+      </p:sp>
+      <p:sp>
+        <p:nvSpPr>
+          <p:cNvPr id="7" name="Rectangle 5"/>
+          <p:cNvSpPr>
+            <a:spLocks noChangeArrowheads="1"/>
+          </p:cNvSpPr>
+          <p:nvPr/>
+        </p:nvSpPr>
+        <p:spPr bwMode="auto">
+          <a:xfrm>
+            <a:off x="3113901" y="4268211"/>
+            <a:ext cx="10229679" cy="45719"/>
+          </a:xfrm>
+          <a:prstGeom prst="rect">
+            <a:avLst/>
+          </a:prstGeom>
+          <a:noFill/>
+          <a:ln>
+            <a:noFill/>
+          </a:ln>
+          <a:effectLst/>
+          <a:extLst>
+            <a:ext uri="{909E8E84-426E-40DD-AFC4-6F175D3DCCD1}">
+              <a14:hiddenFill xmlns:a14="http://schemas.microsoft.com/office/drawing/2010/main">
+                <a:solidFill>
+                  <a:schemeClr val="accent1"/>
+                </a:solidFill>
+              </a14:hiddenFill>
+            </a:ext>
+            <a:ext uri="{91240B29-F687-4F45-9708-019B960494DF}">
+              <a14:hiddenLine xmlns:a14="http://schemas.microsoft.com/office/drawing/2010/main" w="9525">
+                <a:solidFill>
+                  <a:schemeClr val="tx1"/>
+                </a:solidFill>
+                <a:miter lim="800000"/>
+                <a:headEnd/>
+                <a:tailEnd/>
+              </a14:hiddenLine>
+            </a:ext>
+            <a:ext uri="{AF507438-7753-43E0-B8FC-AC1667EBCBE1}">
+              <a14:hiddenEffects xmlns:a14="http://schemas.microsoft.com/office/drawing/2010/main">
+                <a:effectLst>
+                  <a:outerShdw dist="35921" dir="2700000" algn="ctr" rotWithShape="0">
+                    <a:schemeClr val="bg2"/>
+                  </a:outerShdw>
+                </a:effectLst>
+              </a14:hiddenEffects>
+            </a:ext>
+          </a:extLst>
+        </p:spPr>
+        <p:txBody>
+          <a:bodyPr vert="horz" wrap="square" lIns="91440" tIns="45720" rIns="91440" bIns="45720" numCol="1" anchor="ctr" anchorCtr="0" compatLnSpc="1">
+            <a:prstTxWarp prst="textNoShape">
+              <a:avLst/>
+            </a:prstTxWarp>
+            <a:spAutoFit/>
+          </a:bodyPr>
+          <a:lstStyle/>
+          <a:p>
+            <a:endParaRPr lang="zh-CN" altLang="en-US"/>
+          </a:p>
+        </p:txBody>
+      </p:sp>
+      <p:graphicFrame>
+        <p:nvGraphicFramePr>
+          <p:cNvPr id="8" name="对象 7"/>
+          <p:cNvGraphicFramePr>
+            <a:graphicFrameLocks noChangeAspect="1"/>
+          </p:cNvGraphicFramePr>
+          <p:nvPr>
+            <p:extLst>
+              <p:ext uri="{D42A27DB-BD31-4B8C-83A1-F6EECF244321}">
+                <p14:modId xmlns:p14="http://schemas.microsoft.com/office/powerpoint/2010/main" val="480089100"/>
+              </p:ext>
+            </p:extLst>
+          </p:nvPr>
+        </p:nvGraphicFramePr>
+        <p:xfrm>
+          <a:off x="3113902" y="4268212"/>
+          <a:ext cx="3575091" cy="444663"/>
+        </p:xfrm>
+        <a:graphic>
+          <a:graphicData uri="http://schemas.openxmlformats.org/presentationml/2006/ole">
+            <mc:AlternateContent xmlns:mc="http://schemas.openxmlformats.org/markup-compatibility/2006">
+              <mc:Choice xmlns:v="urn:schemas-microsoft-com:vml" Requires="v">
+                <p:oleObj spid="_x0000_s5180" name="Equation" r:id="rId5" imgW="1917700" imgH="241300" progId="Equation.DSMT4">
+                  <p:embed/>
+                </p:oleObj>
+              </mc:Choice>
+              <mc:Fallback>
+                <p:oleObj name="Equation" r:id="rId5" imgW="1917700" imgH="241300" progId="Equation.DSMT4">
+                  <p:embed/>
+                  <p:pic>
+                    <p:nvPicPr>
+                      <p:cNvPr id="0" name="Object 4"/>
+                      <p:cNvPicPr>
+                        <a:picLocks noChangeAspect="1" noChangeArrowheads="1"/>
+                      </p:cNvPicPr>
+                      <p:nvPr/>
+                    </p:nvPicPr>
+                    <p:blipFill>
+                      <a:blip r:embed="rId6">
+                        <a:extLst>
+                          <a:ext uri="{28A0092B-C50C-407E-A947-70E740481C1C}">
+                            <a14:useLocalDpi xmlns:a14="http://schemas.microsoft.com/office/drawing/2010/main" val="0"/>
+                          </a:ext>
+                        </a:extLst>
+                      </a:blip>
+                      <a:srcRect/>
+                      <a:stretch>
+                        <a:fillRect/>
+                      </a:stretch>
+                    </p:blipFill>
+                    <p:spPr bwMode="auto">
+                      <a:xfrm>
+                        <a:off x="3113902" y="4268212"/>
+                        <a:ext cx="3575091" cy="444663"/>
+                      </a:xfrm>
+                      <a:prstGeom prst="rect">
+                        <a:avLst/>
+                      </a:prstGeom>
+                      <a:noFill/>
+                    </p:spPr>
+                  </p:pic>
+                </p:oleObj>
+              </mc:Fallback>
+            </mc:AlternateContent>
+          </a:graphicData>
+        </a:graphic>
+      </p:graphicFrame>
+      <p:sp>
+        <p:nvSpPr>
+          <p:cNvPr id="9" name="文本框 8"/>
+          <p:cNvSpPr txBox="1"/>
+          <p:nvPr/>
+        </p:nvSpPr>
+        <p:spPr>
+          <a:xfrm>
+            <a:off x="628650" y="4837001"/>
+            <a:ext cx="7233313" cy="707886"/>
+          </a:xfrm>
+          <a:prstGeom prst="rect">
+            <a:avLst/>
+          </a:prstGeom>
+          <a:noFill/>
+        </p:spPr>
+        <p:txBody>
+          <a:bodyPr wrap="square" rtlCol="0">
+            <a:spAutoFit/>
+          </a:bodyPr>
+          <a:lstStyle/>
+          <a:p>
+            <a:pPr marL="342900" indent="-342900">
+              <a:buFont typeface="Arial" panose="020B0604020202020204" pitchFamily="34" charset="0"/>
+              <a:buChar char="•"/>
+            </a:pPr>
+            <a:r>
+              <a:rPr lang="zh-CN" altLang="en-US" sz="2000" dirty="0">
+                <a:latin typeface="Times New Roman" panose="02020603050405020304" pitchFamily="18" charset="0"/>
+                <a:ea typeface="华文细黑" panose="02010600040101010101" pitchFamily="2" charset="-122"/>
+                <a:cs typeface="Times New Roman" panose="02020603050405020304" pitchFamily="18" charset="0"/>
+              </a:rPr>
+              <a:t>其中平衡态部分由边界的定义近似获得，而非平衡态则采用非平衡态</a:t>
+            </a:r>
+            <a:r>
+              <a:rPr lang="zh-CN" altLang="en-US" sz="2000" dirty="0" smtClean="0">
+                <a:latin typeface="Times New Roman" panose="02020603050405020304" pitchFamily="18" charset="0"/>
+                <a:ea typeface="华文细黑" panose="02010600040101010101" pitchFamily="2" charset="-122"/>
+                <a:cs typeface="Times New Roman" panose="02020603050405020304" pitchFamily="18" charset="0"/>
+              </a:rPr>
+              <a:t>外推</a:t>
+            </a:r>
+            <a:r>
+              <a:rPr lang="en-US" altLang="zh-CN" sz="2000" dirty="0" smtClean="0">
+                <a:latin typeface="Times New Roman" panose="02020603050405020304" pitchFamily="18" charset="0"/>
+                <a:ea typeface="华文细黑" panose="02010600040101010101" pitchFamily="2" charset="-122"/>
+                <a:cs typeface="Times New Roman" panose="02020603050405020304" pitchFamily="18" charset="0"/>
+              </a:rPr>
+              <a:t>:</a:t>
+            </a:r>
+            <a:endParaRPr lang="en-US" altLang="zh-CN" sz="2000" dirty="0">
+              <a:latin typeface="Times New Roman" panose="02020603050405020304" pitchFamily="18" charset="0"/>
+              <a:ea typeface="华文细黑" panose="02010600040101010101" pitchFamily="2" charset="-122"/>
+              <a:cs typeface="Times New Roman" panose="02020603050405020304" pitchFamily="18" charset="0"/>
+            </a:endParaRPr>
+          </a:p>
+        </p:txBody>
+      </p:sp>
+      <p:sp>
+        <p:nvSpPr>
+          <p:cNvPr id="10" name="Rectangle 7"/>
+          <p:cNvSpPr>
+            <a:spLocks noChangeArrowheads="1"/>
+          </p:cNvSpPr>
+          <p:nvPr/>
+        </p:nvSpPr>
+        <p:spPr bwMode="auto">
+          <a:xfrm>
+            <a:off x="3113901" y="5524745"/>
+            <a:ext cx="10345794" cy="45719"/>
+          </a:xfrm>
+          <a:prstGeom prst="rect">
+            <a:avLst/>
+          </a:prstGeom>
+          <a:noFill/>
+          <a:ln>
+            <a:noFill/>
+          </a:ln>
+          <a:effectLst/>
+          <a:extLst>
+            <a:ext uri="{909E8E84-426E-40DD-AFC4-6F175D3DCCD1}">
+              <a14:hiddenFill xmlns:a14="http://schemas.microsoft.com/office/drawing/2010/main">
+                <a:solidFill>
+                  <a:schemeClr val="accent1"/>
+                </a:solidFill>
+              </a14:hiddenFill>
+            </a:ext>
+            <a:ext uri="{91240B29-F687-4F45-9708-019B960494DF}">
+              <a14:hiddenLine xmlns:a14="http://schemas.microsoft.com/office/drawing/2010/main" w="9525">
+                <a:solidFill>
+                  <a:schemeClr val="tx1"/>
+                </a:solidFill>
+                <a:miter lim="800000"/>
+                <a:headEnd/>
+                <a:tailEnd/>
+              </a14:hiddenLine>
+            </a:ext>
+            <a:ext uri="{AF507438-7753-43E0-B8FC-AC1667EBCBE1}">
+              <a14:hiddenEffects xmlns:a14="http://schemas.microsoft.com/office/drawing/2010/main">
+                <a:effectLst>
+                  <a:outerShdw dist="35921" dir="2700000" algn="ctr" rotWithShape="0">
+                    <a:schemeClr val="bg2"/>
+                  </a:outerShdw>
+                </a:effectLst>
+              </a14:hiddenEffects>
+            </a:ext>
+          </a:extLst>
+        </p:spPr>
+        <p:txBody>
+          <a:bodyPr vert="horz" wrap="square" lIns="91440" tIns="45720" rIns="91440" bIns="45720" numCol="1" anchor="ctr" anchorCtr="0" compatLnSpc="1">
+            <a:prstTxWarp prst="textNoShape">
+              <a:avLst/>
+            </a:prstTxWarp>
+            <a:spAutoFit/>
+          </a:bodyPr>
+          <a:lstStyle/>
+          <a:p>
+            <a:endParaRPr lang="zh-CN" altLang="en-US"/>
+          </a:p>
+        </p:txBody>
+      </p:sp>
+      <p:graphicFrame>
+        <p:nvGraphicFramePr>
+          <p:cNvPr id="11" name="对象 10"/>
+          <p:cNvGraphicFramePr>
+            <a:graphicFrameLocks noChangeAspect="1"/>
+          </p:cNvGraphicFramePr>
+          <p:nvPr>
+            <p:extLst>
+              <p:ext uri="{D42A27DB-BD31-4B8C-83A1-F6EECF244321}">
+                <p14:modId xmlns:p14="http://schemas.microsoft.com/office/powerpoint/2010/main" val="2960562781"/>
+              </p:ext>
+            </p:extLst>
+          </p:nvPr>
+        </p:nvGraphicFramePr>
+        <p:xfrm>
+          <a:off x="3113901" y="5524746"/>
+          <a:ext cx="4688889" cy="825385"/>
+        </p:xfrm>
+        <a:graphic>
+          <a:graphicData uri="http://schemas.openxmlformats.org/presentationml/2006/ole">
+            <mc:AlternateContent xmlns:mc="http://schemas.openxmlformats.org/markup-compatibility/2006">
+              <mc:Choice xmlns:v="urn:schemas-microsoft-com:vml" Requires="v">
+                <p:oleObj spid="_x0000_s5181" name="Equation" r:id="rId7" imgW="2590800" imgH="482600" progId="Equation.DSMT4">
+                  <p:embed/>
+                </p:oleObj>
+              </mc:Choice>
+              <mc:Fallback>
+                <p:oleObj name="Equation" r:id="rId7" imgW="2590800" imgH="482600" progId="Equation.DSMT4">
+                  <p:embed/>
+                  <p:pic>
+                    <p:nvPicPr>
+                      <p:cNvPr id="0" name="Object 6"/>
+                      <p:cNvPicPr>
+                        <a:picLocks noChangeAspect="1" noChangeArrowheads="1"/>
+                      </p:cNvPicPr>
+                      <p:nvPr/>
+                    </p:nvPicPr>
+                    <p:blipFill>
+                      <a:blip r:embed="rId8">
+                        <a:extLst>
+                          <a:ext uri="{28A0092B-C50C-407E-A947-70E740481C1C}">
+                            <a14:useLocalDpi xmlns:a14="http://schemas.microsoft.com/office/drawing/2010/main" val="0"/>
+                          </a:ext>
+                        </a:extLst>
+                      </a:blip>
+                      <a:srcRect/>
+                      <a:stretch>
+                        <a:fillRect/>
+                      </a:stretch>
+                    </p:blipFill>
+                    <p:spPr bwMode="auto">
+                      <a:xfrm>
+                        <a:off x="3113901" y="5524746"/>
+                        <a:ext cx="4688889" cy="825385"/>
+                      </a:xfrm>
+                      <a:prstGeom prst="rect">
+                        <a:avLst/>
+                      </a:prstGeom>
+                      <a:noFill/>
+                    </p:spPr>
+                  </p:pic>
+                </p:oleObj>
+              </mc:Fallback>
+            </mc:AlternateContent>
+          </a:graphicData>
+        </a:graphic>
+      </p:graphicFrame>
     </p:spTree>
     <p:extLst>
       <p:ext uri="{BB962C8B-B14F-4D97-AF65-F5344CB8AC3E}">
@@ -5348,14 +6892,7 @@
                 <a:latin typeface="华文细黑" panose="02010600040101010101" pitchFamily="2" charset="-122"/>
                 <a:ea typeface="华文细黑" panose="02010600040101010101" pitchFamily="2" charset="-122"/>
               </a:rPr>
-              <a:t>算</a:t>
-            </a:r>
-            <a:r>
-              <a:rPr lang="zh-CN" altLang="en-US" smtClean="0">
-                <a:latin typeface="华文细黑" panose="02010600040101010101" pitchFamily="2" charset="-122"/>
-                <a:ea typeface="华文细黑" panose="02010600040101010101" pitchFamily="2" charset="-122"/>
-              </a:rPr>
-              <a:t>例：</a:t>
+              <a:t>算例：</a:t>
             </a:r>
             <a:r>
               <a:rPr lang="zh-CN" altLang="en-US" dirty="0" smtClean="0">
@@ -5371,10 +6908,1350 @@
           </a:p>
         </p:txBody>
       </p:sp>
+      <p:sp>
+        <p:nvSpPr>
+          <p:cNvPr id="3" name="Rectangle 2"/>
+          <p:cNvSpPr>
+            <a:spLocks noChangeArrowheads="1"/>
+          </p:cNvSpPr>
+          <p:nvPr/>
+        </p:nvSpPr>
+        <p:spPr bwMode="auto">
+          <a:xfrm>
+            <a:off x="2051220" y="1194486"/>
+            <a:ext cx="12471911" cy="45719"/>
+          </a:xfrm>
+          <a:prstGeom prst="rect">
+            <a:avLst/>
+          </a:prstGeom>
+          <a:noFill/>
+          <a:ln>
+            <a:noFill/>
+          </a:ln>
+          <a:effectLst/>
+          <a:extLst>
+            <a:ext uri="{909E8E84-426E-40DD-AFC4-6F175D3DCCD1}">
+              <a14:hiddenFill xmlns:a14="http://schemas.microsoft.com/office/drawing/2010/main">
+                <a:solidFill>
+                  <a:schemeClr val="accent1"/>
+                </a:solidFill>
+              </a14:hiddenFill>
+            </a:ext>
+            <a:ext uri="{91240B29-F687-4F45-9708-019B960494DF}">
+              <a14:hiddenLine xmlns:a14="http://schemas.microsoft.com/office/drawing/2010/main" w="9525">
+                <a:solidFill>
+                  <a:schemeClr val="tx1"/>
+                </a:solidFill>
+                <a:miter lim="800000"/>
+                <a:headEnd/>
+                <a:tailEnd/>
+              </a14:hiddenLine>
+            </a:ext>
+            <a:ext uri="{AF507438-7753-43E0-B8FC-AC1667EBCBE1}">
+              <a14:hiddenEffects xmlns:a14="http://schemas.microsoft.com/office/drawing/2010/main">
+                <a:effectLst>
+                  <a:outerShdw dist="35921" dir="2700000" algn="ctr" rotWithShape="0">
+                    <a:schemeClr val="bg2"/>
+                  </a:outerShdw>
+                </a:effectLst>
+              </a14:hiddenEffects>
+            </a:ext>
+          </a:extLst>
+        </p:spPr>
+        <p:txBody>
+          <a:bodyPr vert="horz" wrap="square" lIns="91440" tIns="45720" rIns="91440" bIns="45720" numCol="1" anchor="ctr" anchorCtr="0" compatLnSpc="1">
+            <a:prstTxWarp prst="textNoShape">
+              <a:avLst/>
+            </a:prstTxWarp>
+            <a:spAutoFit/>
+          </a:bodyPr>
+          <a:lstStyle/>
+          <a:p>
+            <a:endParaRPr lang="zh-CN" altLang="en-US"/>
+          </a:p>
+        </p:txBody>
+      </p:sp>
+      <p:graphicFrame>
+        <p:nvGraphicFramePr>
+          <p:cNvPr id="4" name="对象 3"/>
+          <p:cNvGraphicFramePr>
+            <a:graphicFrameLocks noChangeAspect="1"/>
+          </p:cNvGraphicFramePr>
+          <p:nvPr>
+            <p:extLst>
+              <p:ext uri="{D42A27DB-BD31-4B8C-83A1-F6EECF244321}">
+                <p14:modId xmlns:p14="http://schemas.microsoft.com/office/powerpoint/2010/main" val="3353811188"/>
+              </p:ext>
+            </p:extLst>
+          </p:nvPr>
+        </p:nvGraphicFramePr>
+        <p:xfrm>
+          <a:off x="1950553" y="909261"/>
+          <a:ext cx="4426835" cy="3649362"/>
+        </p:xfrm>
+        <a:graphic>
+          <a:graphicData uri="http://schemas.openxmlformats.org/presentationml/2006/ole">
+            <mc:AlternateContent xmlns:mc="http://schemas.openxmlformats.org/markup-compatibility/2006">
+              <mc:Choice xmlns:v="urn:schemas-microsoft-com:vml" Requires="v">
+                <p:oleObj spid="_x0000_s6162" name="Visio" r:id="rId3" imgW="2676477" imgH="2200230" progId="Visio.Drawing.15">
+                  <p:embed/>
+                </p:oleObj>
+              </mc:Choice>
+              <mc:Fallback>
+                <p:oleObj name="Visio" r:id="rId3" imgW="2676477" imgH="2200230" progId="Visio.Drawing.15">
+                  <p:embed/>
+                  <p:pic>
+                    <p:nvPicPr>
+                      <p:cNvPr id="0" name="Object 1"/>
+                      <p:cNvPicPr>
+                        <a:picLocks noChangeAspect="1" noChangeArrowheads="1"/>
+                      </p:cNvPicPr>
+                      <p:nvPr/>
+                    </p:nvPicPr>
+                    <p:blipFill>
+                      <a:blip r:embed="rId4">
+                        <a:extLst>
+                          <a:ext uri="{28A0092B-C50C-407E-A947-70E740481C1C}">
+                            <a14:useLocalDpi xmlns:a14="http://schemas.microsoft.com/office/drawing/2010/main" val="0"/>
+                          </a:ext>
+                        </a:extLst>
+                      </a:blip>
+                      <a:srcRect/>
+                      <a:stretch>
+                        <a:fillRect/>
+                      </a:stretch>
+                    </p:blipFill>
+                    <p:spPr bwMode="auto">
+                      <a:xfrm>
+                        <a:off x="1950553" y="909261"/>
+                        <a:ext cx="4426835" cy="3649362"/>
+                      </a:xfrm>
+                      <a:prstGeom prst="rect">
+                        <a:avLst/>
+                      </a:prstGeom>
+                      <a:noFill/>
+                    </p:spPr>
+                  </p:pic>
+                </p:oleObj>
+              </mc:Fallback>
+            </mc:AlternateContent>
+          </a:graphicData>
+        </a:graphic>
+      </p:graphicFrame>
+      <p:sp>
+        <p:nvSpPr>
+          <p:cNvPr id="5" name="矩形 4"/>
+          <p:cNvSpPr/>
+          <p:nvPr/>
+        </p:nvSpPr>
+        <p:spPr>
+          <a:xfrm>
+            <a:off x="440421" y="4558623"/>
+            <a:ext cx="8183461" cy="1323439"/>
+          </a:xfrm>
+          <a:prstGeom prst="rect">
+            <a:avLst/>
+          </a:prstGeom>
+        </p:spPr>
+        <p:txBody>
+          <a:bodyPr wrap="square">
+            <a:spAutoFit/>
+          </a:bodyPr>
+          <a:lstStyle/>
+          <a:p>
+            <a:pPr marL="342900" indent="-342900">
+              <a:buFont typeface="Arial" panose="020B0604020202020204" pitchFamily="34" charset="0"/>
+              <a:buChar char="•"/>
+            </a:pPr>
+            <a:r>
+              <a:rPr lang="zh-CN" altLang="zh-CN" sz="2000" dirty="0">
+                <a:latin typeface="Times New Roman" panose="02020603050405020304" pitchFamily="18" charset="0"/>
+                <a:ea typeface="华文细黑" panose="02010600040101010101" pitchFamily="2" charset="-122"/>
+                <a:cs typeface="Times New Roman" panose="02020603050405020304" pitchFamily="18" charset="0"/>
+              </a:rPr>
+              <a:t>计算采用</a:t>
+            </a:r>
+            <a:r>
+              <a:rPr lang="en-US" altLang="zh-CN" sz="2000" dirty="0">
+                <a:latin typeface="Times New Roman" panose="02020603050405020304" pitchFamily="18" charset="0"/>
+                <a:ea typeface="华文细黑" panose="02010600040101010101" pitchFamily="2" charset="-122"/>
+                <a:cs typeface="Times New Roman" panose="02020603050405020304" pitchFamily="18" charset="0"/>
+              </a:rPr>
+              <a:t>D2Q9</a:t>
+            </a:r>
+            <a:r>
+              <a:rPr lang="zh-CN" altLang="zh-CN" sz="2000" dirty="0">
+                <a:latin typeface="Times New Roman" panose="02020603050405020304" pitchFamily="18" charset="0"/>
+                <a:ea typeface="华文细黑" panose="02010600040101010101" pitchFamily="2" charset="-122"/>
+                <a:cs typeface="Times New Roman" panose="02020603050405020304" pitchFamily="18" charset="0"/>
+              </a:rPr>
+              <a:t>模型</a:t>
+            </a:r>
+            <a:r>
+              <a:rPr lang="en-US" altLang="zh-CN" sz="2000" dirty="0">
+                <a:latin typeface="Times New Roman" panose="02020603050405020304" pitchFamily="18" charset="0"/>
+                <a:ea typeface="华文细黑" panose="02010600040101010101" pitchFamily="2" charset="-122"/>
+                <a:cs typeface="Times New Roman" panose="02020603050405020304" pitchFamily="18" charset="0"/>
+              </a:rPr>
+              <a:t>,</a:t>
+            </a:r>
+            <a:r>
+              <a:rPr lang="zh-CN" altLang="zh-CN" sz="2000" dirty="0">
+                <a:latin typeface="Times New Roman" panose="02020603050405020304" pitchFamily="18" charset="0"/>
+                <a:ea typeface="华文细黑" panose="02010600040101010101" pitchFamily="2" charset="-122"/>
+                <a:cs typeface="Times New Roman" panose="02020603050405020304" pitchFamily="18" charset="0"/>
+              </a:rPr>
+              <a:t>边界采用非平衡外推</a:t>
+            </a:r>
+            <a:r>
+              <a:rPr lang="zh-CN" altLang="zh-CN" sz="2000" dirty="0" smtClean="0">
+                <a:latin typeface="Times New Roman" panose="02020603050405020304" pitchFamily="18" charset="0"/>
+                <a:ea typeface="华文细黑" panose="02010600040101010101" pitchFamily="2" charset="-122"/>
+                <a:cs typeface="Times New Roman" panose="02020603050405020304" pitchFamily="18" charset="0"/>
+              </a:rPr>
+              <a:t>格式</a:t>
+            </a:r>
+            <a:endParaRPr lang="en-US" altLang="zh-CN" sz="2000" dirty="0" smtClean="0">
+              <a:latin typeface="Times New Roman" panose="02020603050405020304" pitchFamily="18" charset="0"/>
+              <a:ea typeface="华文细黑" panose="02010600040101010101" pitchFamily="2" charset="-122"/>
+              <a:cs typeface="Times New Roman" panose="02020603050405020304" pitchFamily="18" charset="0"/>
+            </a:endParaRPr>
+          </a:p>
+          <a:p>
+            <a:pPr marL="342900" indent="-342900">
+              <a:buFont typeface="Arial" panose="020B0604020202020204" pitchFamily="34" charset="0"/>
+              <a:buChar char="•"/>
+            </a:pPr>
+            <a:r>
+              <a:rPr lang="zh-CN" altLang="zh-CN" sz="2000" dirty="0" smtClean="0">
+                <a:latin typeface="Times New Roman" panose="02020603050405020304" pitchFamily="18" charset="0"/>
+                <a:ea typeface="华文细黑" panose="02010600040101010101" pitchFamily="2" charset="-122"/>
+                <a:cs typeface="Times New Roman" panose="02020603050405020304" pitchFamily="18" charset="0"/>
+              </a:rPr>
+              <a:t>流场</a:t>
+            </a:r>
+            <a:r>
+              <a:rPr lang="zh-CN" altLang="zh-CN" sz="2000" dirty="0">
+                <a:latin typeface="Times New Roman" panose="02020603050405020304" pitchFamily="18" charset="0"/>
+                <a:ea typeface="华文细黑" panose="02010600040101010101" pitchFamily="2" charset="-122"/>
+                <a:cs typeface="Times New Roman" panose="02020603050405020304" pitchFamily="18" charset="0"/>
+              </a:rPr>
+              <a:t>的初始密度ρ</a:t>
+            </a:r>
+            <a:r>
+              <a:rPr lang="en-US" altLang="zh-CN" sz="2000" dirty="0">
+                <a:latin typeface="Times New Roman" panose="02020603050405020304" pitchFamily="18" charset="0"/>
+                <a:ea typeface="华文细黑" panose="02010600040101010101" pitchFamily="2" charset="-122"/>
+                <a:cs typeface="Times New Roman" panose="02020603050405020304" pitchFamily="18" charset="0"/>
+              </a:rPr>
+              <a:t>=1</a:t>
+            </a:r>
+            <a:r>
+              <a:rPr lang="zh-CN" altLang="zh-CN" sz="2000" dirty="0">
+                <a:latin typeface="Times New Roman" panose="02020603050405020304" pitchFamily="18" charset="0"/>
+                <a:ea typeface="华文细黑" panose="02010600040101010101" pitchFamily="2" charset="-122"/>
+                <a:cs typeface="Times New Roman" panose="02020603050405020304" pitchFamily="18" charset="0"/>
+              </a:rPr>
+              <a:t>，速度</a:t>
+            </a:r>
+            <a:r>
+              <a:rPr lang="en-US" altLang="zh-CN" sz="2000" dirty="0">
+                <a:latin typeface="Times New Roman" panose="02020603050405020304" pitchFamily="18" charset="0"/>
+                <a:ea typeface="华文细黑" panose="02010600040101010101" pitchFamily="2" charset="-122"/>
+                <a:cs typeface="Times New Roman" panose="02020603050405020304" pitchFamily="18" charset="0"/>
+              </a:rPr>
+              <a:t>U=0.1</a:t>
+            </a:r>
+            <a:r>
+              <a:rPr lang="zh-CN" altLang="zh-CN" sz="2000" dirty="0">
+                <a:latin typeface="Times New Roman" panose="02020603050405020304" pitchFamily="18" charset="0"/>
+                <a:ea typeface="华文细黑" panose="02010600040101010101" pitchFamily="2" charset="-122"/>
+                <a:cs typeface="Times New Roman" panose="02020603050405020304" pitchFamily="18" charset="0"/>
+              </a:rPr>
+              <a:t>，</a:t>
+            </a:r>
+            <a:r>
+              <a:rPr lang="zh-CN" altLang="zh-CN" sz="2000" dirty="0" smtClean="0">
+                <a:latin typeface="Times New Roman" panose="02020603050405020304" pitchFamily="18" charset="0"/>
+                <a:ea typeface="华文细黑" panose="02010600040101010101" pitchFamily="2" charset="-122"/>
+                <a:cs typeface="Times New Roman" panose="02020603050405020304" pitchFamily="18" charset="0"/>
+              </a:rPr>
+              <a:t>网格</a:t>
+            </a:r>
+            <a:r>
+              <a:rPr lang="en-US" altLang="zh-CN" sz="2000" dirty="0" smtClean="0">
+                <a:latin typeface="Times New Roman" panose="02020603050405020304" pitchFamily="18" charset="0"/>
+                <a:ea typeface="华文细黑" panose="02010600040101010101" pitchFamily="2" charset="-122"/>
+                <a:cs typeface="Times New Roman" panose="02020603050405020304" pitchFamily="18" charset="0"/>
+              </a:rPr>
+              <a:t>256</a:t>
+            </a:r>
+            <a:r>
+              <a:rPr lang="zh-CN" altLang="zh-CN" sz="2000" dirty="0">
+                <a:latin typeface="Times New Roman" panose="02020603050405020304" pitchFamily="18" charset="0"/>
+                <a:ea typeface="华文细黑" panose="02010600040101010101" pitchFamily="2" charset="-122"/>
+                <a:cs typeface="Times New Roman" panose="02020603050405020304" pitchFamily="18" charset="0"/>
+              </a:rPr>
+              <a:t>×</a:t>
+            </a:r>
+            <a:r>
+              <a:rPr lang="en-US" altLang="zh-CN" sz="2000" dirty="0">
+                <a:latin typeface="Times New Roman" panose="02020603050405020304" pitchFamily="18" charset="0"/>
+                <a:ea typeface="华文细黑" panose="02010600040101010101" pitchFamily="2" charset="-122"/>
+                <a:cs typeface="Times New Roman" panose="02020603050405020304" pitchFamily="18" charset="0"/>
+              </a:rPr>
+              <a:t>256</a:t>
+            </a:r>
+            <a:r>
+              <a:rPr lang="zh-CN" altLang="zh-CN" sz="2000" dirty="0">
+                <a:latin typeface="Times New Roman" panose="02020603050405020304" pitchFamily="18" charset="0"/>
+                <a:ea typeface="华文细黑" panose="02010600040101010101" pitchFamily="2" charset="-122"/>
+                <a:cs typeface="Times New Roman" panose="02020603050405020304" pitchFamily="18" charset="0"/>
+              </a:rPr>
+              <a:t>，相当于</a:t>
+            </a:r>
+            <a:r>
+              <a:rPr lang="en-US" altLang="zh-CN" sz="2000" dirty="0" smtClean="0">
+                <a:latin typeface="Times New Roman" panose="02020603050405020304" pitchFamily="18" charset="0"/>
+                <a:ea typeface="华文细黑" panose="02010600040101010101" pitchFamily="2" charset="-122"/>
+                <a:cs typeface="Times New Roman" panose="02020603050405020304" pitchFamily="18" charset="0"/>
+              </a:rPr>
+              <a:t>L=256</a:t>
+            </a:r>
+            <a:endParaRPr lang="en-US" altLang="zh-CN" sz="2000" dirty="0">
+              <a:latin typeface="Times New Roman" panose="02020603050405020304" pitchFamily="18" charset="0"/>
+              <a:ea typeface="华文细黑" panose="02010600040101010101" pitchFamily="2" charset="-122"/>
+              <a:cs typeface="Times New Roman" panose="02020603050405020304" pitchFamily="18" charset="0"/>
+            </a:endParaRPr>
+          </a:p>
+          <a:p>
+            <a:pPr marL="342900" indent="-342900">
+              <a:buFont typeface="Arial" panose="020B0604020202020204" pitchFamily="34" charset="0"/>
+              <a:buChar char="•"/>
+            </a:pPr>
+            <a:r>
+              <a:rPr lang="zh-CN" altLang="zh-CN" sz="2000" dirty="0" smtClean="0">
+                <a:latin typeface="Times New Roman" panose="02020603050405020304" pitchFamily="18" charset="0"/>
+                <a:ea typeface="华文细黑" panose="02010600040101010101" pitchFamily="2" charset="-122"/>
+                <a:cs typeface="Times New Roman" panose="02020603050405020304" pitchFamily="18" charset="0"/>
+              </a:rPr>
+              <a:t>运动粘性</a:t>
+            </a:r>
+            <a:r>
+              <a:rPr lang="zh-CN" altLang="zh-CN" sz="2000" dirty="0">
+                <a:latin typeface="Times New Roman" panose="02020603050405020304" pitchFamily="18" charset="0"/>
+                <a:ea typeface="华文细黑" panose="02010600040101010101" pitchFamily="2" charset="-122"/>
+                <a:cs typeface="Times New Roman" panose="02020603050405020304" pitchFamily="18" charset="0"/>
+              </a:rPr>
+              <a:t>系数利用</a:t>
+            </a:r>
+            <a:r>
+              <a:rPr lang="en-US" altLang="zh-CN" sz="2000" dirty="0">
+                <a:latin typeface="Times New Roman" panose="02020603050405020304" pitchFamily="18" charset="0"/>
+                <a:ea typeface="华文细黑" panose="02010600040101010101" pitchFamily="2" charset="-122"/>
+                <a:cs typeface="Times New Roman" panose="02020603050405020304" pitchFamily="18" charset="0"/>
+              </a:rPr>
+              <a:t>Re</a:t>
+            </a:r>
+            <a:r>
+              <a:rPr lang="zh-CN" altLang="zh-CN" sz="2000" dirty="0">
+                <a:latin typeface="Times New Roman" panose="02020603050405020304" pitchFamily="18" charset="0"/>
+                <a:ea typeface="华文细黑" panose="02010600040101010101" pitchFamily="2" charset="-122"/>
+                <a:cs typeface="Times New Roman" panose="02020603050405020304" pitchFamily="18" charset="0"/>
+              </a:rPr>
+              <a:t>反算得</a:t>
+            </a:r>
+            <a:r>
+              <a:rPr lang="zh-CN" altLang="zh-CN" sz="2000" dirty="0" smtClean="0">
+                <a:latin typeface="Times New Roman" panose="02020603050405020304" pitchFamily="18" charset="0"/>
+                <a:ea typeface="华文细黑" panose="02010600040101010101" pitchFamily="2" charset="-122"/>
+                <a:cs typeface="Times New Roman" panose="02020603050405020304" pitchFamily="18" charset="0"/>
+              </a:rPr>
+              <a:t>到</a:t>
+            </a:r>
+            <a:endParaRPr lang="en-US" altLang="zh-CN" sz="2000" dirty="0" smtClean="0">
+              <a:latin typeface="Times New Roman" panose="02020603050405020304" pitchFamily="18" charset="0"/>
+              <a:ea typeface="华文细黑" panose="02010600040101010101" pitchFamily="2" charset="-122"/>
+              <a:cs typeface="Times New Roman" panose="02020603050405020304" pitchFamily="18" charset="0"/>
+            </a:endParaRPr>
+          </a:p>
+          <a:p>
+            <a:pPr marL="342900" indent="-342900">
+              <a:buFont typeface="Arial" panose="020B0604020202020204" pitchFamily="34" charset="0"/>
+              <a:buChar char="•"/>
+            </a:pPr>
+            <a:r>
+              <a:rPr lang="zh-CN" altLang="zh-CN" sz="2000" dirty="0" smtClean="0">
+                <a:latin typeface="Times New Roman" panose="02020603050405020304" pitchFamily="18" charset="0"/>
+                <a:ea typeface="华文细黑" panose="02010600040101010101" pitchFamily="2" charset="-122"/>
+                <a:cs typeface="Times New Roman" panose="02020603050405020304" pitchFamily="18" charset="0"/>
+              </a:rPr>
+              <a:t>针对</a:t>
+            </a:r>
+            <a:r>
+              <a:rPr lang="zh-CN" altLang="zh-CN" sz="2000" dirty="0">
+                <a:latin typeface="Times New Roman" panose="02020603050405020304" pitchFamily="18" charset="0"/>
+                <a:ea typeface="华文细黑" panose="02010600040101010101" pitchFamily="2" charset="-122"/>
+                <a:cs typeface="Times New Roman" panose="02020603050405020304" pitchFamily="18" charset="0"/>
+              </a:rPr>
+              <a:t>不同的雷诺数</a:t>
+            </a:r>
+            <a:r>
+              <a:rPr lang="en-US" altLang="zh-CN" sz="2000" dirty="0">
+                <a:latin typeface="Times New Roman" panose="02020603050405020304" pitchFamily="18" charset="0"/>
+                <a:ea typeface="华文细黑" panose="02010600040101010101" pitchFamily="2" charset="-122"/>
+                <a:cs typeface="Times New Roman" panose="02020603050405020304" pitchFamily="18" charset="0"/>
+              </a:rPr>
+              <a:t>Re=400,1000,2000,5000</a:t>
+            </a:r>
+            <a:r>
+              <a:rPr lang="zh-CN" altLang="zh-CN" sz="2000" dirty="0">
+                <a:latin typeface="Times New Roman" panose="02020603050405020304" pitchFamily="18" charset="0"/>
+                <a:ea typeface="华文细黑" panose="02010600040101010101" pitchFamily="2" charset="-122"/>
+                <a:cs typeface="Times New Roman" panose="02020603050405020304" pitchFamily="18" charset="0"/>
+              </a:rPr>
+              <a:t>进行</a:t>
+            </a:r>
+            <a:r>
+              <a:rPr lang="zh-CN" altLang="zh-CN" sz="2000" dirty="0" smtClean="0">
+                <a:latin typeface="Times New Roman" panose="02020603050405020304" pitchFamily="18" charset="0"/>
+                <a:ea typeface="华文细黑" panose="02010600040101010101" pitchFamily="2" charset="-122"/>
+                <a:cs typeface="Times New Roman" panose="02020603050405020304" pitchFamily="18" charset="0"/>
+              </a:rPr>
+              <a:t>计算</a:t>
+            </a:r>
+            <a:endParaRPr lang="zh-CN" altLang="en-US" sz="2000" dirty="0">
+              <a:latin typeface="Times New Roman" panose="02020603050405020304" pitchFamily="18" charset="0"/>
+              <a:ea typeface="华文细黑" panose="02010600040101010101" pitchFamily="2" charset="-122"/>
+              <a:cs typeface="Times New Roman" panose="02020603050405020304" pitchFamily="18" charset="0"/>
+            </a:endParaRPr>
+          </a:p>
+        </p:txBody>
+      </p:sp>
     </p:spTree>
     <p:extLst>
       <p:ext uri="{BB962C8B-B14F-4D97-AF65-F5344CB8AC3E}">
         <p14:creationId xmlns:p14="http://schemas.microsoft.com/office/powerpoint/2010/main" val="420587860"/>
+      </p:ext>
+    </p:extLst>
+  </p:cSld>
+  <p:clrMapOvr>
+    <a:masterClrMapping/>
+  </p:clrMapOvr>
+</p:sld>
+</file>
+
+<file path=ppt/slides/slide8.xml><?xml version="1.0" encoding="utf-8"?>
+<p:sld xmlns:a="http://schemas.openxmlformats.org/drawingml/2006/main" xmlns:r="http://schemas.openxmlformats.org/officeDocument/2006/relationships" xmlns:p="http://schemas.openxmlformats.org/presentationml/2006/main">
+  <p:cSld>
+    <p:spTree>
+      <p:nvGrpSpPr>
+        <p:cNvPr id="1" name=""/>
+        <p:cNvGrpSpPr/>
+        <p:nvPr/>
+      </p:nvGrpSpPr>
+      <p:grpSpPr>
+        <a:xfrm>
+          <a:off x="0" y="0"/>
+          <a:ext cx="0" cy="0"/>
+          <a:chOff x="0" y="0"/>
+          <a:chExt cx="0" cy="0"/>
+        </a:xfrm>
+      </p:grpSpPr>
+      <p:sp>
+        <p:nvSpPr>
+          <p:cNvPr id="2" name="标题 1"/>
+          <p:cNvSpPr>
+            <a:spLocks noGrp="1"/>
+          </p:cNvSpPr>
+          <p:nvPr>
+            <p:ph type="title"/>
+          </p:nvPr>
+        </p:nvSpPr>
+        <p:spPr>
+          <a:xfrm>
+            <a:off x="628650" y="3186"/>
+            <a:ext cx="6854825" cy="1325563"/>
+          </a:xfrm>
+        </p:spPr>
+        <p:txBody>
+          <a:bodyPr/>
+          <a:lstStyle/>
+          <a:p>
+            <a:r>
+              <a:rPr lang="zh-CN" altLang="en-US" smtClean="0">
+                <a:latin typeface="华文细黑" panose="02010600040101010101" pitchFamily="2" charset="-122"/>
+                <a:ea typeface="华文细黑" panose="02010600040101010101" pitchFamily="2" charset="-122"/>
+              </a:rPr>
+              <a:t>算例：</a:t>
+            </a:r>
+            <a:r>
+              <a:rPr lang="zh-CN" altLang="en-US" dirty="0" smtClean="0">
+                <a:latin typeface="华文细黑" panose="02010600040101010101" pitchFamily="2" charset="-122"/>
+                <a:ea typeface="华文细黑" panose="02010600040101010101" pitchFamily="2" charset="-122"/>
+              </a:rPr>
+              <a:t>顶盖流动</a:t>
+            </a:r>
+            <a:endParaRPr lang="zh-CN" altLang="en-US" dirty="0">
+              <a:latin typeface="华文细黑" panose="02010600040101010101" pitchFamily="2" charset="-122"/>
+              <a:ea typeface="华文细黑" panose="02010600040101010101" pitchFamily="2" charset="-122"/>
+            </a:endParaRPr>
+          </a:p>
+        </p:txBody>
+      </p:sp>
+      <p:sp>
+        <p:nvSpPr>
+          <p:cNvPr id="3" name="Rectangle 2"/>
+          <p:cNvSpPr>
+            <a:spLocks noChangeArrowheads="1"/>
+          </p:cNvSpPr>
+          <p:nvPr/>
+        </p:nvSpPr>
+        <p:spPr bwMode="auto">
+          <a:xfrm>
+            <a:off x="2051220" y="1194486"/>
+            <a:ext cx="12471911" cy="45719"/>
+          </a:xfrm>
+          <a:prstGeom prst="rect">
+            <a:avLst/>
+          </a:prstGeom>
+          <a:noFill/>
+          <a:ln>
+            <a:noFill/>
+          </a:ln>
+          <a:effectLst/>
+          <a:extLst>
+            <a:ext uri="{909E8E84-426E-40DD-AFC4-6F175D3DCCD1}">
+              <a14:hiddenFill xmlns:a14="http://schemas.microsoft.com/office/drawing/2010/main">
+                <a:solidFill>
+                  <a:schemeClr val="accent1"/>
+                </a:solidFill>
+              </a14:hiddenFill>
+            </a:ext>
+            <a:ext uri="{91240B29-F687-4F45-9708-019B960494DF}">
+              <a14:hiddenLine xmlns:a14="http://schemas.microsoft.com/office/drawing/2010/main" w="9525">
+                <a:solidFill>
+                  <a:schemeClr val="tx1"/>
+                </a:solidFill>
+                <a:miter lim="800000"/>
+                <a:headEnd/>
+                <a:tailEnd/>
+              </a14:hiddenLine>
+            </a:ext>
+            <a:ext uri="{AF507438-7753-43E0-B8FC-AC1667EBCBE1}">
+              <a14:hiddenEffects xmlns:a14="http://schemas.microsoft.com/office/drawing/2010/main">
+                <a:effectLst>
+                  <a:outerShdw dist="35921" dir="2700000" algn="ctr" rotWithShape="0">
+                    <a:schemeClr val="bg2"/>
+                  </a:outerShdw>
+                </a:effectLst>
+              </a14:hiddenEffects>
+            </a:ext>
+          </a:extLst>
+        </p:spPr>
+        <p:txBody>
+          <a:bodyPr vert="horz" wrap="square" lIns="91440" tIns="45720" rIns="91440" bIns="45720" numCol="1" anchor="ctr" anchorCtr="0" compatLnSpc="1">
+            <a:prstTxWarp prst="textNoShape">
+              <a:avLst/>
+            </a:prstTxWarp>
+            <a:spAutoFit/>
+          </a:bodyPr>
+          <a:lstStyle/>
+          <a:p>
+            <a:endParaRPr lang="zh-CN" altLang="en-US"/>
+          </a:p>
+        </p:txBody>
+      </p:sp>
+      <p:sp>
+        <p:nvSpPr>
+          <p:cNvPr id="5" name="矩形 4"/>
+          <p:cNvSpPr/>
+          <p:nvPr/>
+        </p:nvSpPr>
+        <p:spPr>
+          <a:xfrm>
+            <a:off x="628650" y="961880"/>
+            <a:ext cx="8183461" cy="707886"/>
+          </a:xfrm>
+          <a:prstGeom prst="rect">
+            <a:avLst/>
+          </a:prstGeom>
+        </p:spPr>
+        <p:txBody>
+          <a:bodyPr wrap="square">
+            <a:spAutoFit/>
+          </a:bodyPr>
+          <a:lstStyle/>
+          <a:p>
+            <a:pPr marL="342900" indent="-342900">
+              <a:buFont typeface="Arial" panose="020B0604020202020204" pitchFamily="34" charset="0"/>
+              <a:buChar char="•"/>
+            </a:pPr>
+            <a:r>
+              <a:rPr lang="zh-CN" altLang="zh-CN" sz="2000" dirty="0" smtClean="0">
+                <a:latin typeface="Times New Roman" panose="02020603050405020304" pitchFamily="18" charset="0"/>
+                <a:ea typeface="华文细黑" panose="02010600040101010101" pitchFamily="2" charset="-122"/>
+                <a:cs typeface="Times New Roman" panose="02020603050405020304" pitchFamily="18" charset="0"/>
+              </a:rPr>
+              <a:t>使用</a:t>
+            </a:r>
+            <a:r>
+              <a:rPr lang="en-US" altLang="zh-CN" sz="2000" dirty="0">
+                <a:latin typeface="Times New Roman" panose="02020603050405020304" pitchFamily="18" charset="0"/>
+                <a:ea typeface="华文细黑" panose="02010600040101010101" pitchFamily="2" charset="-122"/>
+                <a:cs typeface="Times New Roman" panose="02020603050405020304" pitchFamily="18" charset="0"/>
+              </a:rPr>
+              <a:t>python</a:t>
+            </a:r>
+            <a:r>
+              <a:rPr lang="zh-CN" altLang="zh-CN" sz="2000" dirty="0">
+                <a:latin typeface="Times New Roman" panose="02020603050405020304" pitchFamily="18" charset="0"/>
+                <a:ea typeface="华文细黑" panose="02010600040101010101" pitchFamily="2" charset="-122"/>
+                <a:cs typeface="Times New Roman" panose="02020603050405020304" pitchFamily="18" charset="0"/>
+              </a:rPr>
+              <a:t>进行计算，计算中使用</a:t>
+            </a:r>
+            <a:r>
+              <a:rPr lang="en-US" altLang="zh-CN" sz="2000" dirty="0" err="1">
+                <a:latin typeface="Times New Roman" panose="02020603050405020304" pitchFamily="18" charset="0"/>
+                <a:ea typeface="华文细黑" panose="02010600040101010101" pitchFamily="2" charset="-122"/>
+                <a:cs typeface="Times New Roman" panose="02020603050405020304" pitchFamily="18" charset="0"/>
+              </a:rPr>
+              <a:t>numpy</a:t>
+            </a:r>
+            <a:r>
+              <a:rPr lang="zh-CN" altLang="zh-CN" sz="2000" dirty="0">
+                <a:latin typeface="Times New Roman" panose="02020603050405020304" pitchFamily="18" charset="0"/>
+                <a:ea typeface="华文细黑" panose="02010600040101010101" pitchFamily="2" charset="-122"/>
+                <a:cs typeface="Times New Roman" panose="02020603050405020304" pitchFamily="18" charset="0"/>
+              </a:rPr>
+              <a:t>包进行矩阵运算，为了加快计算，使用</a:t>
+            </a:r>
+            <a:r>
+              <a:rPr lang="en-US" altLang="zh-CN" sz="2000" dirty="0" err="1">
+                <a:latin typeface="Times New Roman" panose="02020603050405020304" pitchFamily="18" charset="0"/>
+                <a:ea typeface="华文细黑" panose="02010600040101010101" pitchFamily="2" charset="-122"/>
+                <a:cs typeface="Times New Roman" panose="02020603050405020304" pitchFamily="18" charset="0"/>
+              </a:rPr>
+              <a:t>theano</a:t>
+            </a:r>
+            <a:r>
+              <a:rPr lang="zh-CN" altLang="zh-CN" sz="2000" dirty="0">
+                <a:latin typeface="Times New Roman" panose="02020603050405020304" pitchFamily="18" charset="0"/>
+                <a:ea typeface="华文细黑" panose="02010600040101010101" pitchFamily="2" charset="-122"/>
+                <a:cs typeface="Times New Roman" panose="02020603050405020304" pitchFamily="18" charset="0"/>
+              </a:rPr>
+              <a:t>进行加速，计算流程如下：</a:t>
+            </a:r>
+            <a:endParaRPr lang="zh-CN" altLang="en-US" sz="2000" dirty="0">
+              <a:latin typeface="Times New Roman" panose="02020603050405020304" pitchFamily="18" charset="0"/>
+              <a:ea typeface="华文细黑" panose="02010600040101010101" pitchFamily="2" charset="-122"/>
+              <a:cs typeface="Times New Roman" panose="02020603050405020304" pitchFamily="18" charset="0"/>
+            </a:endParaRPr>
+          </a:p>
+        </p:txBody>
+      </p:sp>
+      <p:sp>
+        <p:nvSpPr>
+          <p:cNvPr id="6" name="Rectangle 2"/>
+          <p:cNvSpPr>
+            <a:spLocks noChangeArrowheads="1"/>
+          </p:cNvSpPr>
+          <p:nvPr/>
+        </p:nvSpPr>
+        <p:spPr bwMode="auto">
+          <a:xfrm>
+            <a:off x="1593907" y="1902371"/>
+            <a:ext cx="12397713" cy="45719"/>
+          </a:xfrm>
+          <a:prstGeom prst="rect">
+            <a:avLst/>
+          </a:prstGeom>
+          <a:noFill/>
+          <a:ln>
+            <a:noFill/>
+          </a:ln>
+          <a:effectLst/>
+          <a:extLst>
+            <a:ext uri="{909E8E84-426E-40DD-AFC4-6F175D3DCCD1}">
+              <a14:hiddenFill xmlns:a14="http://schemas.microsoft.com/office/drawing/2010/main">
+                <a:solidFill>
+                  <a:schemeClr val="accent1"/>
+                </a:solidFill>
+              </a14:hiddenFill>
+            </a:ext>
+            <a:ext uri="{91240B29-F687-4F45-9708-019B960494DF}">
+              <a14:hiddenLine xmlns:a14="http://schemas.microsoft.com/office/drawing/2010/main" w="9525">
+                <a:solidFill>
+                  <a:schemeClr val="tx1"/>
+                </a:solidFill>
+                <a:miter lim="800000"/>
+                <a:headEnd/>
+                <a:tailEnd/>
+              </a14:hiddenLine>
+            </a:ext>
+            <a:ext uri="{AF507438-7753-43E0-B8FC-AC1667EBCBE1}">
+              <a14:hiddenEffects xmlns:a14="http://schemas.microsoft.com/office/drawing/2010/main">
+                <a:effectLst>
+                  <a:outerShdw dist="35921" dir="2700000" algn="ctr" rotWithShape="0">
+                    <a:schemeClr val="bg2"/>
+                  </a:outerShdw>
+                </a:effectLst>
+              </a14:hiddenEffects>
+            </a:ext>
+          </a:extLst>
+        </p:spPr>
+        <p:txBody>
+          <a:bodyPr vert="horz" wrap="square" lIns="91440" tIns="45720" rIns="91440" bIns="45720" numCol="1" anchor="ctr" anchorCtr="0" compatLnSpc="1">
+            <a:prstTxWarp prst="textNoShape">
+              <a:avLst/>
+            </a:prstTxWarp>
+            <a:spAutoFit/>
+          </a:bodyPr>
+          <a:lstStyle/>
+          <a:p>
+            <a:endParaRPr lang="zh-CN" altLang="en-US"/>
+          </a:p>
+        </p:txBody>
+      </p:sp>
+      <p:graphicFrame>
+        <p:nvGraphicFramePr>
+          <p:cNvPr id="7" name="对象 6"/>
+          <p:cNvGraphicFramePr>
+            <a:graphicFrameLocks noChangeAspect="1"/>
+          </p:cNvGraphicFramePr>
+          <p:nvPr>
+            <p:extLst>
+              <p:ext uri="{D42A27DB-BD31-4B8C-83A1-F6EECF244321}">
+                <p14:modId xmlns:p14="http://schemas.microsoft.com/office/powerpoint/2010/main" val="3375518621"/>
+              </p:ext>
+            </p:extLst>
+          </p:nvPr>
+        </p:nvGraphicFramePr>
+        <p:xfrm>
+          <a:off x="490868" y="1669766"/>
+          <a:ext cx="4093828" cy="4726628"/>
+        </p:xfrm>
+        <a:graphic>
+          <a:graphicData uri="http://schemas.openxmlformats.org/presentationml/2006/ole">
+            <mc:AlternateContent xmlns:mc="http://schemas.openxmlformats.org/markup-compatibility/2006">
+              <mc:Choice xmlns:v="urn:schemas-microsoft-com:vml" Requires="v">
+                <p:oleObj spid="_x0000_s7212" name="Visio" r:id="rId3" imgW="3362345" imgH="3876660" progId="Visio.Drawing.15">
+                  <p:embed/>
+                </p:oleObj>
+              </mc:Choice>
+              <mc:Fallback>
+                <p:oleObj name="Visio" r:id="rId3" imgW="3362345" imgH="3876660" progId="Visio.Drawing.15">
+                  <p:embed/>
+                  <p:pic>
+                    <p:nvPicPr>
+                      <p:cNvPr id="0" name="Object 1"/>
+                      <p:cNvPicPr>
+                        <a:picLocks noChangeAspect="1" noChangeArrowheads="1"/>
+                      </p:cNvPicPr>
+                      <p:nvPr/>
+                    </p:nvPicPr>
+                    <p:blipFill>
+                      <a:blip r:embed="rId4"/>
+                      <a:srcRect/>
+                      <a:stretch>
+                        <a:fillRect/>
+                      </a:stretch>
+                    </p:blipFill>
+                    <p:spPr bwMode="auto">
+                      <a:xfrm>
+                        <a:off x="490868" y="1669766"/>
+                        <a:ext cx="4093828" cy="4726628"/>
+                      </a:xfrm>
+                      <a:prstGeom prst="rect">
+                        <a:avLst/>
+                      </a:prstGeom>
+                      <a:noFill/>
+                    </p:spPr>
+                  </p:pic>
+                </p:oleObj>
+              </mc:Fallback>
+            </mc:AlternateContent>
+          </a:graphicData>
+        </a:graphic>
+      </p:graphicFrame>
+      <p:graphicFrame>
+        <p:nvGraphicFramePr>
+          <p:cNvPr id="8" name="对象 7"/>
+          <p:cNvGraphicFramePr>
+            <a:graphicFrameLocks noChangeAspect="1"/>
+          </p:cNvGraphicFramePr>
+          <p:nvPr>
+            <p:extLst>
+              <p:ext uri="{D42A27DB-BD31-4B8C-83A1-F6EECF244321}">
+                <p14:modId xmlns:p14="http://schemas.microsoft.com/office/powerpoint/2010/main" val="3613742755"/>
+              </p:ext>
+            </p:extLst>
+          </p:nvPr>
+        </p:nvGraphicFramePr>
+        <p:xfrm>
+          <a:off x="4333087" y="2250553"/>
+          <a:ext cx="4889239" cy="575933"/>
+        </p:xfrm>
+        <a:graphic>
+          <a:graphicData uri="http://schemas.openxmlformats.org/presentationml/2006/ole">
+            <mc:AlternateContent xmlns:mc="http://schemas.openxmlformats.org/markup-compatibility/2006">
+              <mc:Choice xmlns:v="urn:schemas-microsoft-com:vml" Requires="v">
+                <p:oleObj spid="_x0000_s7213" name="Equation" r:id="rId5" imgW="2506293" imgH="295110" progId="Equation.DSMT4">
+                  <p:embed/>
+                </p:oleObj>
+              </mc:Choice>
+              <mc:Fallback>
+                <p:oleObj name="Equation" r:id="rId5" imgW="2506293" imgH="295110" progId="Equation.DSMT4">
+                  <p:embed/>
+                  <p:pic>
+                    <p:nvPicPr>
+                      <p:cNvPr id="0" name=""/>
+                      <p:cNvPicPr/>
+                      <p:nvPr/>
+                    </p:nvPicPr>
+                    <p:blipFill>
+                      <a:blip r:embed="rId6"/>
+                      <a:stretch>
+                        <a:fillRect/>
+                      </a:stretch>
+                    </p:blipFill>
+                    <p:spPr>
+                      <a:xfrm>
+                        <a:off x="4333087" y="2250553"/>
+                        <a:ext cx="4889239" cy="575933"/>
+                      </a:xfrm>
+                      <a:prstGeom prst="rect">
+                        <a:avLst/>
+                      </a:prstGeom>
+                    </p:spPr>
+                  </p:pic>
+                </p:oleObj>
+              </mc:Fallback>
+            </mc:AlternateContent>
+          </a:graphicData>
+        </a:graphic>
+      </p:graphicFrame>
+      <p:graphicFrame>
+        <p:nvGraphicFramePr>
+          <p:cNvPr id="9" name="对象 8"/>
+          <p:cNvGraphicFramePr>
+            <a:graphicFrameLocks noChangeAspect="1"/>
+          </p:cNvGraphicFramePr>
+          <p:nvPr>
+            <p:extLst>
+              <p:ext uri="{D42A27DB-BD31-4B8C-83A1-F6EECF244321}">
+                <p14:modId xmlns:p14="http://schemas.microsoft.com/office/powerpoint/2010/main" val="2242502198"/>
+              </p:ext>
+            </p:extLst>
+          </p:nvPr>
+        </p:nvGraphicFramePr>
+        <p:xfrm>
+          <a:off x="4391811" y="4071218"/>
+          <a:ext cx="2801149" cy="1080443"/>
+        </p:xfrm>
+        <a:graphic>
+          <a:graphicData uri="http://schemas.openxmlformats.org/presentationml/2006/ole">
+            <mc:AlternateContent xmlns:mc="http://schemas.openxmlformats.org/markup-compatibility/2006">
+              <mc:Choice xmlns:v="urn:schemas-microsoft-com:vml" Requires="v">
+                <p:oleObj spid="_x0000_s7214" name="Equation" r:id="rId7" imgW="1333916" imgH="514350" progId="Equation.DSMT4">
+                  <p:embed/>
+                </p:oleObj>
+              </mc:Choice>
+              <mc:Fallback>
+                <p:oleObj name="Equation" r:id="rId7" imgW="1333916" imgH="514350" progId="Equation.DSMT4">
+                  <p:embed/>
+                  <p:pic>
+                    <p:nvPicPr>
+                      <p:cNvPr id="0" name=""/>
+                      <p:cNvPicPr/>
+                      <p:nvPr/>
+                    </p:nvPicPr>
+                    <p:blipFill>
+                      <a:blip r:embed="rId8"/>
+                      <a:stretch>
+                        <a:fillRect/>
+                      </a:stretch>
+                    </p:blipFill>
+                    <p:spPr>
+                      <a:xfrm>
+                        <a:off x="4391811" y="4071218"/>
+                        <a:ext cx="2801149" cy="1080443"/>
+                      </a:xfrm>
+                      <a:prstGeom prst="rect">
+                        <a:avLst/>
+                      </a:prstGeom>
+                    </p:spPr>
+                  </p:pic>
+                </p:oleObj>
+              </mc:Fallback>
+            </mc:AlternateContent>
+          </a:graphicData>
+        </a:graphic>
+      </p:graphicFrame>
+      <p:cxnSp>
+        <p:nvCxnSpPr>
+          <p:cNvPr id="11" name="直接箭头连接符 10"/>
+          <p:cNvCxnSpPr/>
+          <p:nvPr/>
+        </p:nvCxnSpPr>
+        <p:spPr>
+          <a:xfrm flipH="1">
+            <a:off x="3330429" y="2610256"/>
+            <a:ext cx="1002658" cy="313879"/>
+          </a:xfrm>
+          <a:prstGeom prst="straightConnector1">
+            <a:avLst/>
+          </a:prstGeom>
+          <a:ln>
+            <a:tailEnd type="triangle"/>
+          </a:ln>
+        </p:spPr>
+        <p:style>
+          <a:lnRef idx="1">
+            <a:schemeClr val="accent1"/>
+          </a:lnRef>
+          <a:fillRef idx="0">
+            <a:schemeClr val="accent1"/>
+          </a:fillRef>
+          <a:effectRef idx="0">
+            <a:schemeClr val="accent1"/>
+          </a:effectRef>
+          <a:fontRef idx="minor">
+            <a:schemeClr val="tx1"/>
+          </a:fontRef>
+        </p:style>
+      </p:cxnSp>
+      <p:cxnSp>
+        <p:nvCxnSpPr>
+          <p:cNvPr id="12" name="直接箭头连接符 11"/>
+          <p:cNvCxnSpPr/>
+          <p:nvPr/>
+        </p:nvCxnSpPr>
+        <p:spPr>
+          <a:xfrm flipH="1" flipV="1">
+            <a:off x="3239549" y="4015302"/>
+            <a:ext cx="1093538" cy="254694"/>
+          </a:xfrm>
+          <a:prstGeom prst="straightConnector1">
+            <a:avLst/>
+          </a:prstGeom>
+          <a:ln>
+            <a:tailEnd type="triangle"/>
+          </a:ln>
+        </p:spPr>
+        <p:style>
+          <a:lnRef idx="1">
+            <a:schemeClr val="accent1"/>
+          </a:lnRef>
+          <a:fillRef idx="0">
+            <a:schemeClr val="accent1"/>
+          </a:fillRef>
+          <a:effectRef idx="0">
+            <a:schemeClr val="accent1"/>
+          </a:effectRef>
+          <a:fontRef idx="minor">
+            <a:schemeClr val="tx1"/>
+          </a:fontRef>
+        </p:style>
+      </p:cxnSp>
+    </p:spTree>
+    <p:extLst>
+      <p:ext uri="{BB962C8B-B14F-4D97-AF65-F5344CB8AC3E}">
+        <p14:creationId xmlns:p14="http://schemas.microsoft.com/office/powerpoint/2010/main" val="663793767"/>
+      </p:ext>
+    </p:extLst>
+  </p:cSld>
+  <p:clrMapOvr>
+    <a:masterClrMapping/>
+  </p:clrMapOvr>
+</p:sld>
+</file>
+
+<file path=ppt/slides/slide9.xml><?xml version="1.0" encoding="utf-8"?>
+<p:sld xmlns:a="http://schemas.openxmlformats.org/drawingml/2006/main" xmlns:r="http://schemas.openxmlformats.org/officeDocument/2006/relationships" xmlns:p="http://schemas.openxmlformats.org/presentationml/2006/main">
+  <p:cSld>
+    <p:spTree>
+      <p:nvGrpSpPr>
+        <p:cNvPr id="1" name=""/>
+        <p:cNvGrpSpPr/>
+        <p:nvPr/>
+      </p:nvGrpSpPr>
+      <p:grpSpPr>
+        <a:xfrm>
+          <a:off x="0" y="0"/>
+          <a:ext cx="0" cy="0"/>
+          <a:chOff x="0" y="0"/>
+          <a:chExt cx="0" cy="0"/>
+        </a:xfrm>
+      </p:grpSpPr>
+      <p:sp>
+        <p:nvSpPr>
+          <p:cNvPr id="2" name="标题 1"/>
+          <p:cNvSpPr>
+            <a:spLocks noGrp="1"/>
+          </p:cNvSpPr>
+          <p:nvPr>
+            <p:ph type="title"/>
+          </p:nvPr>
+        </p:nvSpPr>
+        <p:spPr>
+          <a:xfrm>
+            <a:off x="628650" y="3186"/>
+            <a:ext cx="6854825" cy="1325563"/>
+          </a:xfrm>
+        </p:spPr>
+        <p:txBody>
+          <a:bodyPr/>
+          <a:lstStyle/>
+          <a:p>
+            <a:r>
+              <a:rPr lang="zh-CN" altLang="en-US" dirty="0" smtClean="0">
+                <a:latin typeface="华文细黑" panose="02010600040101010101" pitchFamily="2" charset="-122"/>
+                <a:ea typeface="华文细黑" panose="02010600040101010101" pitchFamily="2" charset="-122"/>
+              </a:rPr>
+              <a:t>算例</a:t>
+            </a:r>
+            <a:r>
+              <a:rPr lang="zh-CN" altLang="en-US" dirty="0">
+                <a:latin typeface="华文细黑" panose="02010600040101010101" pitchFamily="2" charset="-122"/>
+                <a:ea typeface="华文细黑" panose="02010600040101010101" pitchFamily="2" charset="-122"/>
+              </a:rPr>
+              <a:t>结果</a:t>
+            </a:r>
+          </a:p>
+        </p:txBody>
+      </p:sp>
+      <p:sp>
+        <p:nvSpPr>
+          <p:cNvPr id="3" name="Rectangle 2"/>
+          <p:cNvSpPr>
+            <a:spLocks noChangeArrowheads="1"/>
+          </p:cNvSpPr>
+          <p:nvPr/>
+        </p:nvSpPr>
+        <p:spPr bwMode="auto">
+          <a:xfrm>
+            <a:off x="2051220" y="1194486"/>
+            <a:ext cx="12471911" cy="45719"/>
+          </a:xfrm>
+          <a:prstGeom prst="rect">
+            <a:avLst/>
+          </a:prstGeom>
+          <a:noFill/>
+          <a:ln>
+            <a:noFill/>
+          </a:ln>
+          <a:effectLst/>
+          <a:extLst>
+            <a:ext uri="{909E8E84-426E-40DD-AFC4-6F175D3DCCD1}">
+              <a14:hiddenFill xmlns:a14="http://schemas.microsoft.com/office/drawing/2010/main">
+                <a:solidFill>
+                  <a:schemeClr val="accent1"/>
+                </a:solidFill>
+              </a14:hiddenFill>
+            </a:ext>
+            <a:ext uri="{91240B29-F687-4F45-9708-019B960494DF}">
+              <a14:hiddenLine xmlns:a14="http://schemas.microsoft.com/office/drawing/2010/main" w="9525">
+                <a:solidFill>
+                  <a:schemeClr val="tx1"/>
+                </a:solidFill>
+                <a:miter lim="800000"/>
+                <a:headEnd/>
+                <a:tailEnd/>
+              </a14:hiddenLine>
+            </a:ext>
+            <a:ext uri="{AF507438-7753-43E0-B8FC-AC1667EBCBE1}">
+              <a14:hiddenEffects xmlns:a14="http://schemas.microsoft.com/office/drawing/2010/main">
+                <a:effectLst>
+                  <a:outerShdw dist="35921" dir="2700000" algn="ctr" rotWithShape="0">
+                    <a:schemeClr val="bg2"/>
+                  </a:outerShdw>
+                </a:effectLst>
+              </a14:hiddenEffects>
+            </a:ext>
+          </a:extLst>
+        </p:spPr>
+        <p:txBody>
+          <a:bodyPr vert="horz" wrap="square" lIns="91440" tIns="45720" rIns="91440" bIns="45720" numCol="1" anchor="ctr" anchorCtr="0" compatLnSpc="1">
+            <a:prstTxWarp prst="textNoShape">
+              <a:avLst/>
+            </a:prstTxWarp>
+            <a:spAutoFit/>
+          </a:bodyPr>
+          <a:lstStyle/>
+          <a:p>
+            <a:endParaRPr lang="zh-CN" altLang="en-US"/>
+          </a:p>
+        </p:txBody>
+      </p:sp>
+      <p:sp>
+        <p:nvSpPr>
+          <p:cNvPr id="5" name="矩形 4"/>
+          <p:cNvSpPr/>
+          <p:nvPr/>
+        </p:nvSpPr>
+        <p:spPr>
+          <a:xfrm>
+            <a:off x="628650" y="961880"/>
+            <a:ext cx="8183461" cy="1323439"/>
+          </a:xfrm>
+          <a:prstGeom prst="rect">
+            <a:avLst/>
+          </a:prstGeom>
+        </p:spPr>
+        <p:txBody>
+          <a:bodyPr wrap="square">
+            <a:spAutoFit/>
+          </a:bodyPr>
+          <a:lstStyle/>
+          <a:p>
+            <a:pPr marL="342900" indent="-342900">
+              <a:buFont typeface="Arial" panose="020B0604020202020204" pitchFamily="34" charset="0"/>
+              <a:buChar char="•"/>
+            </a:pPr>
+            <a:r>
+              <a:rPr lang="zh-CN" altLang="en-US" sz="2000" dirty="0" smtClean="0">
+                <a:latin typeface="Times New Roman" panose="02020603050405020304" pitchFamily="18" charset="0"/>
+                <a:ea typeface="华文细黑" panose="02010600040101010101" pitchFamily="2" charset="-122"/>
+                <a:cs typeface="Times New Roman" panose="02020603050405020304" pitchFamily="18" charset="0"/>
+              </a:rPr>
+              <a:t>雷诺数</a:t>
+            </a:r>
+            <a:r>
+              <a:rPr lang="zh-CN" altLang="en-US" sz="2000" dirty="0">
+                <a:latin typeface="Times New Roman" panose="02020603050405020304" pitchFamily="18" charset="0"/>
+                <a:ea typeface="华文细黑" panose="02010600040101010101" pitchFamily="2" charset="-122"/>
+                <a:cs typeface="Times New Roman" panose="02020603050405020304" pitchFamily="18" charset="0"/>
+              </a:rPr>
+              <a:t>较小时，方腔只出现三个涡：一个位于方腔中央的一级涡和一对位于左下角和右下角附近的二级</a:t>
+            </a:r>
+            <a:r>
+              <a:rPr lang="zh-CN" altLang="en-US" sz="2000" dirty="0" smtClean="0">
+                <a:latin typeface="Times New Roman" panose="02020603050405020304" pitchFamily="18" charset="0"/>
+                <a:ea typeface="华文细黑" panose="02010600040101010101" pitchFamily="2" charset="-122"/>
+                <a:cs typeface="Times New Roman" panose="02020603050405020304" pitchFamily="18" charset="0"/>
+              </a:rPr>
+              <a:t>涡</a:t>
+            </a:r>
+            <a:endParaRPr lang="en-US" altLang="zh-CN" sz="2000" dirty="0" smtClean="0">
+              <a:latin typeface="Times New Roman" panose="02020603050405020304" pitchFamily="18" charset="0"/>
+              <a:ea typeface="华文细黑" panose="02010600040101010101" pitchFamily="2" charset="-122"/>
+              <a:cs typeface="Times New Roman" panose="02020603050405020304" pitchFamily="18" charset="0"/>
+            </a:endParaRPr>
+          </a:p>
+          <a:p>
+            <a:pPr marL="342900" indent="-342900">
+              <a:buFont typeface="Arial" panose="020B0604020202020204" pitchFamily="34" charset="0"/>
+              <a:buChar char="•"/>
+            </a:pPr>
+            <a:r>
+              <a:rPr lang="zh-CN" altLang="en-US" sz="2000" dirty="0" smtClean="0">
+                <a:latin typeface="Times New Roman" panose="02020603050405020304" pitchFamily="18" charset="0"/>
+                <a:ea typeface="华文细黑" panose="02010600040101010101" pitchFamily="2" charset="-122"/>
+                <a:cs typeface="Times New Roman" panose="02020603050405020304" pitchFamily="18" charset="0"/>
+              </a:rPr>
+              <a:t>当</a:t>
+            </a:r>
+            <a:r>
+              <a:rPr lang="zh-CN" altLang="en-US" sz="2000" dirty="0">
+                <a:latin typeface="Times New Roman" panose="02020603050405020304" pitchFamily="18" charset="0"/>
+                <a:ea typeface="华文细黑" panose="02010600040101010101" pitchFamily="2" charset="-122"/>
+                <a:cs typeface="Times New Roman" panose="02020603050405020304" pitchFamily="18" charset="0"/>
+              </a:rPr>
+              <a:t>雷诺数增大时，左上角会出现第三个二级</a:t>
+            </a:r>
+            <a:r>
+              <a:rPr lang="zh-CN" altLang="en-US" sz="2000" dirty="0" smtClean="0">
+                <a:latin typeface="Times New Roman" panose="02020603050405020304" pitchFamily="18" charset="0"/>
+                <a:ea typeface="华文细黑" panose="02010600040101010101" pitchFamily="2" charset="-122"/>
+                <a:cs typeface="Times New Roman" panose="02020603050405020304" pitchFamily="18" charset="0"/>
+              </a:rPr>
+              <a:t>涡</a:t>
+            </a:r>
+            <a:endParaRPr lang="en-US" altLang="zh-CN" sz="2000" dirty="0" smtClean="0">
+              <a:latin typeface="Times New Roman" panose="02020603050405020304" pitchFamily="18" charset="0"/>
+              <a:ea typeface="华文细黑" panose="02010600040101010101" pitchFamily="2" charset="-122"/>
+              <a:cs typeface="Times New Roman" panose="02020603050405020304" pitchFamily="18" charset="0"/>
+            </a:endParaRPr>
+          </a:p>
+          <a:p>
+            <a:pPr marL="342900" indent="-342900">
+              <a:buFont typeface="Arial" panose="020B0604020202020204" pitchFamily="34" charset="0"/>
+              <a:buChar char="•"/>
+            </a:pPr>
+            <a:r>
+              <a:rPr lang="zh-CN" altLang="en-US" sz="2000" dirty="0" smtClean="0">
+                <a:latin typeface="Times New Roman" panose="02020603050405020304" pitchFamily="18" charset="0"/>
+                <a:ea typeface="华文细黑" panose="02010600040101010101" pitchFamily="2" charset="-122"/>
+                <a:cs typeface="Times New Roman" panose="02020603050405020304" pitchFamily="18" charset="0"/>
+              </a:rPr>
+              <a:t>一级</a:t>
+            </a:r>
+            <a:r>
+              <a:rPr lang="zh-CN" altLang="en-US" sz="2000" dirty="0">
+                <a:latin typeface="Times New Roman" panose="02020603050405020304" pitchFamily="18" charset="0"/>
+                <a:ea typeface="华文细黑" panose="02010600040101010101" pitchFamily="2" charset="-122"/>
+                <a:cs typeface="Times New Roman" panose="02020603050405020304" pitchFamily="18" charset="0"/>
+              </a:rPr>
+              <a:t>涡的中心会向方腔中心</a:t>
+            </a:r>
+            <a:r>
+              <a:rPr lang="zh-CN" altLang="en-US" sz="2000" dirty="0" smtClean="0">
+                <a:latin typeface="Times New Roman" panose="02020603050405020304" pitchFamily="18" charset="0"/>
+                <a:ea typeface="华文细黑" panose="02010600040101010101" pitchFamily="2" charset="-122"/>
+                <a:cs typeface="Times New Roman" panose="02020603050405020304" pitchFamily="18" charset="0"/>
+              </a:rPr>
+              <a:t>移动</a:t>
+            </a:r>
+            <a:endParaRPr lang="zh-CN" altLang="en-US" sz="2000" dirty="0">
+              <a:latin typeface="Times New Roman" panose="02020603050405020304" pitchFamily="18" charset="0"/>
+              <a:ea typeface="华文细黑" panose="02010600040101010101" pitchFamily="2" charset="-122"/>
+              <a:cs typeface="Times New Roman" panose="02020603050405020304" pitchFamily="18" charset="0"/>
+            </a:endParaRPr>
+          </a:p>
+        </p:txBody>
+      </p:sp>
+      <p:sp>
+        <p:nvSpPr>
+          <p:cNvPr id="6" name="Rectangle 2"/>
+          <p:cNvSpPr>
+            <a:spLocks noChangeArrowheads="1"/>
+          </p:cNvSpPr>
+          <p:nvPr/>
+        </p:nvSpPr>
+        <p:spPr bwMode="auto">
+          <a:xfrm>
+            <a:off x="1593907" y="1902371"/>
+            <a:ext cx="12397713" cy="45719"/>
+          </a:xfrm>
+          <a:prstGeom prst="rect">
+            <a:avLst/>
+          </a:prstGeom>
+          <a:noFill/>
+          <a:ln>
+            <a:noFill/>
+          </a:ln>
+          <a:effectLst/>
+          <a:extLst>
+            <a:ext uri="{909E8E84-426E-40DD-AFC4-6F175D3DCCD1}">
+              <a14:hiddenFill xmlns:a14="http://schemas.microsoft.com/office/drawing/2010/main">
+                <a:solidFill>
+                  <a:schemeClr val="accent1"/>
+                </a:solidFill>
+              </a14:hiddenFill>
+            </a:ext>
+            <a:ext uri="{91240B29-F687-4F45-9708-019B960494DF}">
+              <a14:hiddenLine xmlns:a14="http://schemas.microsoft.com/office/drawing/2010/main" w="9525">
+                <a:solidFill>
+                  <a:schemeClr val="tx1"/>
+                </a:solidFill>
+                <a:miter lim="800000"/>
+                <a:headEnd/>
+                <a:tailEnd/>
+              </a14:hiddenLine>
+            </a:ext>
+            <a:ext uri="{AF507438-7753-43E0-B8FC-AC1667EBCBE1}">
+              <a14:hiddenEffects xmlns:a14="http://schemas.microsoft.com/office/drawing/2010/main">
+                <a:effectLst>
+                  <a:outerShdw dist="35921" dir="2700000" algn="ctr" rotWithShape="0">
+                    <a:schemeClr val="bg2"/>
+                  </a:outerShdw>
+                </a:effectLst>
+              </a14:hiddenEffects>
+            </a:ext>
+          </a:extLst>
+        </p:spPr>
+        <p:txBody>
+          <a:bodyPr vert="horz" wrap="square" lIns="91440" tIns="45720" rIns="91440" bIns="45720" numCol="1" anchor="ctr" anchorCtr="0" compatLnSpc="1">
+            <a:prstTxWarp prst="textNoShape">
+              <a:avLst/>
+            </a:prstTxWarp>
+            <a:spAutoFit/>
+          </a:bodyPr>
+          <a:lstStyle/>
+          <a:p>
+            <a:endParaRPr lang="zh-CN" altLang="en-US"/>
+          </a:p>
+        </p:txBody>
+      </p:sp>
+      <p:pic>
+        <p:nvPicPr>
+          <p:cNvPr id="13" name="图片 12" descr="D:\study\lerning\gitlearning\homework\NO2\re1000.png"/>
+          <p:cNvPicPr/>
+          <p:nvPr/>
+        </p:nvPicPr>
+        <p:blipFill rotWithShape="1">
+          <a:blip r:embed="rId2">
+            <a:extLst>
+              <a:ext uri="{28A0092B-C50C-407E-A947-70E740481C1C}">
+                <a14:useLocalDpi xmlns:a14="http://schemas.microsoft.com/office/drawing/2010/main" val="0"/>
+              </a:ext>
+            </a:extLst>
+          </a:blip>
+          <a:srcRect l="12040" t="8337" r="8466" b="8806"/>
+          <a:stretch/>
+        </p:blipFill>
+        <p:spPr bwMode="auto">
+          <a:xfrm>
+            <a:off x="2549728" y="2709992"/>
+            <a:ext cx="3272231" cy="3266691"/>
+          </a:xfrm>
+          <a:prstGeom prst="rect">
+            <a:avLst/>
+          </a:prstGeom>
+          <a:noFill/>
+          <a:ln>
+            <a:noFill/>
+          </a:ln>
+          <a:extLst>
+            <a:ext uri="{53640926-AAD7-44D8-BBD7-CCE9431645EC}">
+              <a14:shadowObscured xmlns:a14="http://schemas.microsoft.com/office/drawing/2010/main"/>
+            </a:ext>
+          </a:extLst>
+        </p:spPr>
+      </p:pic>
+      <p:sp>
+        <p:nvSpPr>
+          <p:cNvPr id="14" name="矩形 13"/>
+          <p:cNvSpPr/>
+          <p:nvPr/>
+        </p:nvSpPr>
+        <p:spPr>
+          <a:xfrm>
+            <a:off x="3521628" y="6093580"/>
+            <a:ext cx="1198752" cy="400110"/>
+          </a:xfrm>
+          <a:prstGeom prst="rect">
+            <a:avLst/>
+          </a:prstGeom>
+        </p:spPr>
+        <p:txBody>
+          <a:bodyPr wrap="square">
+            <a:spAutoFit/>
+          </a:bodyPr>
+          <a:lstStyle/>
+          <a:p>
+            <a:r>
+              <a:rPr lang="en-US" altLang="zh-CN" sz="2000" dirty="0" smtClean="0">
+                <a:latin typeface="Times New Roman" panose="02020603050405020304" pitchFamily="18" charset="0"/>
+                <a:ea typeface="华文细黑" panose="02010600040101010101" pitchFamily="2" charset="-122"/>
+                <a:cs typeface="Times New Roman" panose="02020603050405020304" pitchFamily="18" charset="0"/>
+              </a:rPr>
+              <a:t>Re=1000</a:t>
+            </a:r>
+            <a:endParaRPr lang="zh-CN" altLang="en-US" sz="2000" dirty="0">
+              <a:latin typeface="Times New Roman" panose="02020603050405020304" pitchFamily="18" charset="0"/>
+              <a:ea typeface="华文细黑" panose="02010600040101010101" pitchFamily="2" charset="-122"/>
+              <a:cs typeface="Times New Roman" panose="02020603050405020304" pitchFamily="18" charset="0"/>
+            </a:endParaRPr>
+          </a:p>
+        </p:txBody>
+      </p:sp>
+    </p:spTree>
+    <p:extLst>
+      <p:ext uri="{BB962C8B-B14F-4D97-AF65-F5344CB8AC3E}">
+        <p14:creationId xmlns:p14="http://schemas.microsoft.com/office/powerpoint/2010/main" val="3428125324"/>
       </p:ext>
     </p:extLst>
   </p:cSld>
@@ -5643,4 +8520,265 @@
     </a:ext>
   </a:extLst>
 </a:theme>
+</file>
+
+<file path=ppt/theme/theme2.xml><?xml version="1.0" encoding="utf-8"?>
+<a:theme xmlns:a="http://schemas.openxmlformats.org/drawingml/2006/main" name="Office 主题">
+  <a:themeElements>
+    <a:clrScheme name="Office">
+      <a:dk1>
+        <a:sysClr val="windowText" lastClr="000000"/>
+      </a:dk1>
+      <a:lt1>
+        <a:sysClr val="window" lastClr="FFFFFF"/>
+      </a:lt1>
+      <a:dk2>
+        <a:srgbClr val="44546A"/>
+      </a:dk2>
+      <a:lt2>
+        <a:srgbClr val="E7E6E6"/>
+      </a:lt2>
+      <a:accent1>
+        <a:srgbClr val="5B9BD5"/>
+      </a:accent1>
+      <a:accent2>
+        <a:srgbClr val="ED7D31"/>
+      </a:accent2>
+      <a:accent3>
+        <a:srgbClr val="A5A5A5"/>
+      </a:accent3>
+      <a:accent4>
+        <a:srgbClr val="FFC000"/>
+      </a:accent4>
+      <a:accent5>
+        <a:srgbClr val="4472C4"/>
+      </a:accent5>
+      <a:accent6>
+        <a:srgbClr val="70AD47"/>
+      </a:accent6>
+      <a:hlink>
+        <a:srgbClr val="0563C1"/>
+      </a:hlink>
+      <a:folHlink>
+        <a:srgbClr val="954F72"/>
+      </a:folHlink>
+    </a:clrScheme>
+    <a:fontScheme name="Office">
+      <a:majorFont>
+        <a:latin typeface="Calibri Light" panose="020F0302020204030204"/>
+        <a:ea typeface=""/>
+        <a:cs typeface=""/>
+        <a:font script="Jpan" typeface="ＭＳ Ｐゴシック"/>
+        <a:font script="Hang" typeface="맑은 고딕"/>
+        <a:font script="Hans" typeface="宋体"/>
+        <a:font script="Hant" typeface="新細明體"/>
+        <a:font script="Arab" typeface="Times New Roman"/>
+        <a:font script="Hebr" typeface="Times New Roman"/>
+        <a:font script="Thai" typeface="Angsana New"/>
+        <a:font script="Ethi" typeface="Nyala"/>
+        <a:font script="Beng" typeface="Vrinda"/>
+        <a:font script="Gujr" typeface="Shruti"/>
+        <a:font script="Khmr" typeface="MoolBoran"/>
+        <a:font script="Knda" typeface="Tunga"/>
+        <a:font script="Guru" typeface="Raavi"/>
+        <a:font script="Cans" typeface="Euphemia"/>
+        <a:font script="Cher" typeface="Plantagenet Cherokee"/>
+        <a:font script="Yiii" typeface="Microsoft Yi Baiti"/>
+        <a:font script="Tibt" typeface="Microsoft Himalaya"/>
+        <a:font script="Thaa" typeface="MV Boli"/>
+        <a:font script="Deva" typeface="Mangal"/>
+        <a:font script="Telu" typeface="Gautami"/>
+        <a:font script="Taml" typeface="Latha"/>
+        <a:font script="Syrc" typeface="Estrangelo Edessa"/>
+        <a:font script="Orya" typeface="Kalinga"/>
+        <a:font script="Mlym" typeface="Kartika"/>
+        <a:font script="Laoo" typeface="DokChampa"/>
+        <a:font script="Sinh" typeface="Iskoola Pota"/>
+        <a:font script="Mong" typeface="Mongolian Baiti"/>
+        <a:font script="Viet" typeface="Times New Roman"/>
+        <a:font script="Uigh" typeface="Microsoft Uighur"/>
+        <a:font script="Geor" typeface="Sylfaen"/>
+      </a:majorFont>
+      <a:minorFont>
+        <a:latin typeface="Calibri" panose="020F0502020204030204"/>
+        <a:ea typeface=""/>
+        <a:cs typeface=""/>
+        <a:font script="Jpan" typeface="ＭＳ Ｐゴシック"/>
+        <a:font script="Hang" typeface="맑은 고딕"/>
+        <a:font script="Hans" typeface="宋体"/>
+        <a:font script="Hant" typeface="新細明體"/>
+        <a:font script="Arab" typeface="Arial"/>
+        <a:font script="Hebr" typeface="Arial"/>
+        <a:font script="Thai" typeface="Cordia New"/>
+        <a:font script="Ethi" typeface="Nyala"/>
+        <a:font script="Beng" typeface="Vrinda"/>
+        <a:font script="Gujr" typeface="Shruti"/>
+        <a:font script="Khmr" typeface="DaunPenh"/>
+        <a:font script="Knda" typeface="Tunga"/>
+        <a:font script="Guru" typeface="Raavi"/>
+        <a:font script="Cans" typeface="Euphemia"/>
+        <a:font script="Cher" typeface="Plantagenet Cherokee"/>
+        <a:font script="Yiii" typeface="Microsoft Yi Baiti"/>
+        <a:font script="Tibt" typeface="Microsoft Himalaya"/>
+        <a:font script="Thaa" typeface="MV Boli"/>
+        <a:font script="Deva" typeface="Mangal"/>
+        <a:font script="Telu" typeface="Gautami"/>
+        <a:font script="Taml" typeface="Latha"/>
+        <a:font script="Syrc" typeface="Estrangelo Edessa"/>
+        <a:font script="Orya" typeface="Kalinga"/>
+        <a:font script="Mlym" typeface="Kartika"/>
+        <a:font script="Laoo" typeface="DokChampa"/>
+        <a:font script="Sinh" typeface="Iskoola Pota"/>
+        <a:font script="Mong" typeface="Mongolian Baiti"/>
+        <a:font script="Viet" typeface="Arial"/>
+        <a:font script="Uigh" typeface="Microsoft Uighur"/>
+        <a:font script="Geor" typeface="Sylfaen"/>
+      </a:minorFont>
+    </a:fontScheme>
+    <a:fmtScheme name="Office">
+      <a:fillStyleLst>
+        <a:solidFill>
+          <a:schemeClr val="phClr"/>
+        </a:solidFill>
+        <a:gradFill rotWithShape="1">
+          <a:gsLst>
+            <a:gs pos="0">
+              <a:schemeClr val="phClr">
+                <a:lumMod val="110000"/>
+                <a:satMod val="105000"/>
+                <a:tint val="67000"/>
+              </a:schemeClr>
+            </a:gs>
+            <a:gs pos="50000">
+              <a:schemeClr val="phClr">
+                <a:lumMod val="105000"/>
+                <a:satMod val="103000"/>
+                <a:tint val="73000"/>
+              </a:schemeClr>
+            </a:gs>
+            <a:gs pos="100000">
+              <a:schemeClr val="phClr">
+                <a:lumMod val="105000"/>
+                <a:satMod val="109000"/>
+                <a:tint val="81000"/>
+              </a:schemeClr>
+            </a:gs>
+          </a:gsLst>
+          <a:lin ang="5400000" scaled="0"/>
+        </a:gradFill>
+        <a:gradFill rotWithShape="1">
+          <a:gsLst>
+            <a:gs pos="0">
+              <a:schemeClr val="phClr">
+                <a:satMod val="103000"/>
+                <a:lumMod val="102000"/>
+                <a:tint val="94000"/>
+              </a:schemeClr>
+            </a:gs>
+            <a:gs pos="50000">
+              <a:schemeClr val="phClr">
+                <a:satMod val="110000"/>
+                <a:lumMod val="100000"/>
+                <a:shade val="100000"/>
+              </a:schemeClr>
+            </a:gs>
+            <a:gs pos="100000">
+              <a:schemeClr val="phClr">
+                <a:lumMod val="99000"/>
+                <a:satMod val="120000"/>
+                <a:shade val="78000"/>
+              </a:schemeClr>
+            </a:gs>
+          </a:gsLst>
+          <a:lin ang="5400000" scaled="0"/>
+        </a:gradFill>
+      </a:fillStyleLst>
+      <a:lnStyleLst>
+        <a:ln w="6350" cap="flat" cmpd="sng" algn="ctr">
+          <a:solidFill>
+            <a:schemeClr val="phClr"/>
+          </a:solidFill>
+          <a:prstDash val="solid"/>
+          <a:miter lim="800000"/>
+        </a:ln>
+        <a:ln w="12700" cap="flat" cmpd="sng" algn="ctr">
+          <a:solidFill>
+            <a:schemeClr val="phClr"/>
+          </a:solidFill>
+          <a:prstDash val="solid"/>
+          <a:miter lim="800000"/>
+        </a:ln>
+        <a:ln w="19050" cap="flat" cmpd="sng" algn="ctr">
+          <a:solidFill>
+            <a:schemeClr val="phClr"/>
+          </a:solidFill>
+          <a:prstDash val="solid"/>
+          <a:miter lim="800000"/>
+        </a:ln>
+      </a:lnStyleLst>
+      <a:effectStyleLst>
+        <a:effectStyle>
+          <a:effectLst/>
+        </a:effectStyle>
+        <a:effectStyle>
+          <a:effectLst/>
+        </a:effectStyle>
+        <a:effectStyle>
+          <a:effectLst>
+            <a:outerShdw blurRad="57150" dist="19050" dir="5400000" algn="ctr" rotWithShape="0">
+              <a:srgbClr val="000000">
+                <a:alpha val="63000"/>
+              </a:srgbClr>
+            </a:outerShdw>
+          </a:effectLst>
+        </a:effectStyle>
+      </a:effectStyleLst>
+      <a:bgFillStyleLst>
+        <a:solidFill>
+          <a:schemeClr val="phClr"/>
+        </a:solidFill>
+        <a:solidFill>
+          <a:schemeClr val="phClr">
+            <a:tint val="95000"/>
+            <a:satMod val="170000"/>
+          </a:schemeClr>
+        </a:solidFill>
+        <a:gradFill rotWithShape="1">
+          <a:gsLst>
+            <a:gs pos="0">
+              <a:schemeClr val="phClr">
+                <a:tint val="93000"/>
+                <a:satMod val="150000"/>
+                <a:shade val="98000"/>
+                <a:lumMod val="102000"/>
+              </a:schemeClr>
+            </a:gs>
+            <a:gs pos="50000">
+              <a:schemeClr val="phClr">
+                <a:tint val="98000"/>
+                <a:satMod val="130000"/>
+                <a:shade val="90000"/>
+                <a:lumMod val="103000"/>
+              </a:schemeClr>
+            </a:gs>
+            <a:gs pos="100000">
+              <a:schemeClr val="phClr">
+                <a:shade val="63000"/>
+                <a:satMod val="120000"/>
+              </a:schemeClr>
+            </a:gs>
+          </a:gsLst>
+          <a:lin ang="5400000" scaled="0"/>
+        </a:gradFill>
+      </a:bgFillStyleLst>
+    </a:fmtScheme>
+  </a:themeElements>
+  <a:objectDefaults/>
+  <a:extraClrSchemeLst/>
+  <a:extLst>
+    <a:ext uri="{05A4C25C-085E-4340-85A3-A5531E510DB2}">
+      <thm15:themeFamily xmlns:thm15="http://schemas.microsoft.com/office/thememl/2012/main" name="Office Theme" id="{62F939B6-93AF-4DB8-9C6B-D6C7DFDC589F}" vid="{4A3C46E8-61CC-4603-A589-7422A47A8E4A}"/>
+    </a:ext>
+  </a:extLst>
+</a:theme>
 </file>
--- a/NO2/bolzmann.pptx
+++ b/NO2/bolzmann.pptx
@@ -5,7 +5,7 @@
     <p:sldMasterId id="2147483660" r:id="rId1"/>
   </p:sldMasterIdLst>
   <p:notesMasterIdLst>
-    <p:notesMasterId r:id="rId12"/>
+    <p:notesMasterId r:id="rId15"/>
   </p:notesMasterIdLst>
   <p:sldIdLst>
     <p:sldId id="256" r:id="rId2"/>
@@ -13,11 +13,14 @@
     <p:sldId id="258" r:id="rId4"/>
     <p:sldId id="259" r:id="rId5"/>
     <p:sldId id="260" r:id="rId6"/>
-    <p:sldId id="261" r:id="rId7"/>
-    <p:sldId id="262" r:id="rId8"/>
-    <p:sldId id="263" r:id="rId9"/>
-    <p:sldId id="264" r:id="rId10"/>
-    <p:sldId id="265" r:id="rId11"/>
+    <p:sldId id="266" r:id="rId7"/>
+    <p:sldId id="261" r:id="rId8"/>
+    <p:sldId id="262" r:id="rId9"/>
+    <p:sldId id="263" r:id="rId10"/>
+    <p:sldId id="267" r:id="rId11"/>
+    <p:sldId id="268" r:id="rId12"/>
+    <p:sldId id="264" r:id="rId13"/>
+    <p:sldId id="265" r:id="rId14"/>
   </p:sldIdLst>
   <p:sldSz cx="9144000" cy="6858000" type="screen4x3"/>
   <p:notesSz cx="6858000" cy="9144000"/>
@@ -206,7 +209,7 @@
           <a:p>
             <a:fld id="{8F490A24-180A-488A-98CF-CFE985FD5838}" type="datetimeFigureOut">
               <a:rPr lang="zh-CN" altLang="en-US" smtClean="0"/>
-              <a:t>2016/6/19</a:t>
+              <a:t>2016/6/24</a:t>
             </a:fld>
             <a:endParaRPr lang="zh-CN" altLang="en-US"/>
           </a:p>
@@ -610,7 +613,7 @@
           <a:p>
             <a:fld id="{8FDB17F5-4496-4822-A32F-39FC699C3720}" type="slidenum">
               <a:rPr lang="zh-CN" altLang="en-US" smtClean="0"/>
-              <a:t>10</a:t>
+              <a:t>13</a:t>
             </a:fld>
             <a:endParaRPr lang="zh-CN" altLang="en-US"/>
           </a:p>
@@ -760,7 +763,7 @@
           <a:p>
             <a:fld id="{EBA620A5-9386-4FF6-B9A9-E5DCD921E0DD}" type="datetimeFigureOut">
               <a:rPr lang="zh-CN" altLang="en-US" smtClean="0"/>
-              <a:t>2016/6/19</a:t>
+              <a:t>2016/6/24</a:t>
             </a:fld>
             <a:endParaRPr lang="zh-CN" altLang="en-US"/>
           </a:p>
@@ -930,7 +933,7 @@
           <a:p>
             <a:fld id="{EBA620A5-9386-4FF6-B9A9-E5DCD921E0DD}" type="datetimeFigureOut">
               <a:rPr lang="zh-CN" altLang="en-US" smtClean="0"/>
-              <a:t>2016/6/19</a:t>
+              <a:t>2016/6/24</a:t>
             </a:fld>
             <a:endParaRPr lang="zh-CN" altLang="en-US"/>
           </a:p>
@@ -1110,7 +1113,7 @@
           <a:p>
             <a:fld id="{EBA620A5-9386-4FF6-B9A9-E5DCD921E0DD}" type="datetimeFigureOut">
               <a:rPr lang="zh-CN" altLang="en-US" smtClean="0"/>
-              <a:t>2016/6/19</a:t>
+              <a:t>2016/6/24</a:t>
             </a:fld>
             <a:endParaRPr lang="zh-CN" altLang="en-US"/>
           </a:p>
@@ -1280,7 +1283,7 @@
           <a:p>
             <a:fld id="{EBA620A5-9386-4FF6-B9A9-E5DCD921E0DD}" type="datetimeFigureOut">
               <a:rPr lang="zh-CN" altLang="en-US" smtClean="0"/>
-              <a:t>2016/6/19</a:t>
+              <a:t>2016/6/24</a:t>
             </a:fld>
             <a:endParaRPr lang="zh-CN" altLang="en-US"/>
           </a:p>
@@ -1524,7 +1527,7 @@
           <a:p>
             <a:fld id="{EBA620A5-9386-4FF6-B9A9-E5DCD921E0DD}" type="datetimeFigureOut">
               <a:rPr lang="zh-CN" altLang="en-US" smtClean="0"/>
-              <a:t>2016/6/19</a:t>
+              <a:t>2016/6/24</a:t>
             </a:fld>
             <a:endParaRPr lang="zh-CN" altLang="en-US"/>
           </a:p>
@@ -1756,7 +1759,7 @@
           <a:p>
             <a:fld id="{EBA620A5-9386-4FF6-B9A9-E5DCD921E0DD}" type="datetimeFigureOut">
               <a:rPr lang="zh-CN" altLang="en-US" smtClean="0"/>
-              <a:t>2016/6/19</a:t>
+              <a:t>2016/6/24</a:t>
             </a:fld>
             <a:endParaRPr lang="zh-CN" altLang="en-US"/>
           </a:p>
@@ -2123,7 +2126,7 @@
           <a:p>
             <a:fld id="{EBA620A5-9386-4FF6-B9A9-E5DCD921E0DD}" type="datetimeFigureOut">
               <a:rPr lang="zh-CN" altLang="en-US" smtClean="0"/>
-              <a:t>2016/6/19</a:t>
+              <a:t>2016/6/24</a:t>
             </a:fld>
             <a:endParaRPr lang="zh-CN" altLang="en-US"/>
           </a:p>
@@ -2241,7 +2244,7 @@
           <a:p>
             <a:fld id="{EBA620A5-9386-4FF6-B9A9-E5DCD921E0DD}" type="datetimeFigureOut">
               <a:rPr lang="zh-CN" altLang="en-US" smtClean="0"/>
-              <a:t>2016/6/19</a:t>
+              <a:t>2016/6/24</a:t>
             </a:fld>
             <a:endParaRPr lang="zh-CN" altLang="en-US"/>
           </a:p>
@@ -2336,7 +2339,7 @@
           <a:p>
             <a:fld id="{EBA620A5-9386-4FF6-B9A9-E5DCD921E0DD}" type="datetimeFigureOut">
               <a:rPr lang="zh-CN" altLang="en-US" smtClean="0"/>
-              <a:t>2016/6/19</a:t>
+              <a:t>2016/6/24</a:t>
             </a:fld>
             <a:endParaRPr lang="zh-CN" altLang="en-US"/>
           </a:p>
@@ -2613,7 +2616,7 @@
           <a:p>
             <a:fld id="{EBA620A5-9386-4FF6-B9A9-E5DCD921E0DD}" type="datetimeFigureOut">
               <a:rPr lang="zh-CN" altLang="en-US" smtClean="0"/>
-              <a:t>2016/6/19</a:t>
+              <a:t>2016/6/24</a:t>
             </a:fld>
             <a:endParaRPr lang="zh-CN" altLang="en-US"/>
           </a:p>
@@ -2870,7 +2873,7 @@
           <a:p>
             <a:fld id="{EBA620A5-9386-4FF6-B9A9-E5DCD921E0DD}" type="datetimeFigureOut">
               <a:rPr lang="zh-CN" altLang="en-US" smtClean="0"/>
-              <a:t>2016/6/19</a:t>
+              <a:t>2016/6/24</a:t>
             </a:fld>
             <a:endParaRPr lang="zh-CN" altLang="en-US"/>
           </a:p>
@@ -3083,7 +3086,7 @@
           <a:p>
             <a:fld id="{EBA620A5-9386-4FF6-B9A9-E5DCD921E0DD}" type="datetimeFigureOut">
               <a:rPr lang="zh-CN" altLang="en-US" smtClean="0"/>
-              <a:t>2016/6/19</a:t>
+              <a:t>2016/6/24</a:t>
             </a:fld>
             <a:endParaRPr lang="zh-CN" altLang="en-US"/>
           </a:p>
@@ -3566,19 +3569,23 @@
           <a:lstStyle/>
           <a:p>
             <a:r>
+              <a:rPr lang="zh-CN" altLang="en-US" smtClean="0">
+                <a:latin typeface="华文细黑" panose="02010600040101010101" pitchFamily="2" charset="-122"/>
+                <a:ea typeface="华文细黑" panose="02010600040101010101" pitchFamily="2" charset="-122"/>
+              </a:rPr>
+              <a:t>算例：</a:t>
+            </a:r>
+            <a:r>
               <a:rPr lang="zh-CN" altLang="en-US" dirty="0" smtClean="0">
                 <a:latin typeface="华文细黑" panose="02010600040101010101" pitchFamily="2" charset="-122"/>
                 <a:ea typeface="华文细黑" panose="02010600040101010101" pitchFamily="2" charset="-122"/>
               </a:rPr>
-              <a:t>算例</a:t>
-            </a:r>
-            <a:r>
-              <a:rPr lang="zh-CN" altLang="en-US" dirty="0">
-                <a:latin typeface="华文细黑" panose="02010600040101010101" pitchFamily="2" charset="-122"/>
-                <a:ea typeface="华文细黑" panose="02010600040101010101" pitchFamily="2" charset="-122"/>
-              </a:rPr>
-              <a:t>结果</a:t>
-            </a:r>
+              <a:t>顶盖流动</a:t>
+            </a:r>
+            <a:endParaRPr lang="zh-CN" altLang="en-US" dirty="0">
+              <a:latin typeface="华文细黑" panose="02010600040101010101" pitchFamily="2" charset="-122"/>
+              <a:ea typeface="华文细黑" panose="02010600040101010101" pitchFamily="2" charset="-122"/>
+            </a:endParaRPr>
           </a:p>
         </p:txBody>
       </p:sp>
@@ -3708,6 +3715,2065 @@
           </a:p>
         </p:txBody>
       </p:sp>
+      <p:sp>
+        <p:nvSpPr>
+          <p:cNvPr id="18" name="矩形 17"/>
+          <p:cNvSpPr/>
+          <p:nvPr/>
+        </p:nvSpPr>
+        <p:spPr>
+          <a:xfrm>
+            <a:off x="416257" y="1194486"/>
+            <a:ext cx="7881582" cy="707886"/>
+          </a:xfrm>
+          <a:prstGeom prst="rect">
+            <a:avLst/>
+          </a:prstGeom>
+        </p:spPr>
+        <p:txBody>
+          <a:bodyPr wrap="square">
+            <a:spAutoFit/>
+          </a:bodyPr>
+          <a:lstStyle/>
+          <a:p>
+            <a:r>
+              <a:rPr lang="zh-CN" altLang="en-US" sz="2000" dirty="0" smtClean="0">
+                <a:latin typeface="Times New Roman" panose="02020603050405020304" pitchFamily="18" charset="0"/>
+                <a:ea typeface="华文细黑" panose="02010600040101010101" pitchFamily="2" charset="-122"/>
+                <a:cs typeface="Times New Roman" panose="02020603050405020304" pitchFamily="18" charset="0"/>
+              </a:rPr>
+              <a:t>（</a:t>
+            </a:r>
+            <a:r>
+              <a:rPr lang="en-US" altLang="zh-CN" sz="2000" dirty="0" smtClean="0">
+                <a:latin typeface="Times New Roman" panose="02020603050405020304" pitchFamily="18" charset="0"/>
+                <a:ea typeface="华文细黑" panose="02010600040101010101" pitchFamily="2" charset="-122"/>
+                <a:cs typeface="Times New Roman" panose="02020603050405020304" pitchFamily="18" charset="0"/>
+              </a:rPr>
+              <a:t>1</a:t>
+            </a:r>
+            <a:r>
+              <a:rPr lang="zh-CN" altLang="en-US" sz="2000" dirty="0" smtClean="0">
+                <a:latin typeface="Times New Roman" panose="02020603050405020304" pitchFamily="18" charset="0"/>
+                <a:ea typeface="华文细黑" panose="02010600040101010101" pitchFamily="2" charset="-122"/>
+                <a:cs typeface="Times New Roman" panose="02020603050405020304" pitchFamily="18" charset="0"/>
+              </a:rPr>
+              <a:t>）给定</a:t>
+            </a:r>
+            <a:r>
+              <a:rPr lang="zh-CN" altLang="en-US" sz="2000" dirty="0">
+                <a:latin typeface="Times New Roman" panose="02020603050405020304" pitchFamily="18" charset="0"/>
+                <a:ea typeface="华文细黑" panose="02010600040101010101" pitchFamily="2" charset="-122"/>
+                <a:cs typeface="Times New Roman" panose="02020603050405020304" pitchFamily="18" charset="0"/>
+              </a:rPr>
+              <a:t>初始场，根据</a:t>
+            </a:r>
+            <a:r>
+              <a:rPr lang="en-US" altLang="zh-CN" sz="2000" dirty="0">
+                <a:latin typeface="Times New Roman" panose="02020603050405020304" pitchFamily="18" charset="0"/>
+                <a:ea typeface="华文细黑" panose="02010600040101010101" pitchFamily="2" charset="-122"/>
+                <a:cs typeface="Times New Roman" panose="02020603050405020304" pitchFamily="18" charset="0"/>
+              </a:rPr>
+              <a:t>Re</a:t>
+            </a:r>
+            <a:r>
+              <a:rPr lang="zh-CN" altLang="en-US" sz="2000" dirty="0">
+                <a:latin typeface="Times New Roman" panose="02020603050405020304" pitchFamily="18" charset="0"/>
+                <a:ea typeface="华文细黑" panose="02010600040101010101" pitchFamily="2" charset="-122"/>
+                <a:cs typeface="Times New Roman" panose="02020603050405020304" pitchFamily="18" charset="0"/>
+              </a:rPr>
+              <a:t>计算弛豫时间 </a:t>
+            </a:r>
+            <a:endParaRPr lang="en-US" altLang="zh-CN" sz="2000" dirty="0" smtClean="0">
+              <a:latin typeface="Times New Roman" panose="02020603050405020304" pitchFamily="18" charset="0"/>
+              <a:ea typeface="华文细黑" panose="02010600040101010101" pitchFamily="2" charset="-122"/>
+              <a:cs typeface="Times New Roman" panose="02020603050405020304" pitchFamily="18" charset="0"/>
+            </a:endParaRPr>
+          </a:p>
+          <a:p>
+            <a:endParaRPr lang="zh-CN" altLang="en-US" sz="2000" dirty="0">
+              <a:latin typeface="Times New Roman" panose="02020603050405020304" pitchFamily="18" charset="0"/>
+              <a:ea typeface="华文细黑" panose="02010600040101010101" pitchFamily="2" charset="-122"/>
+              <a:cs typeface="Times New Roman" panose="02020603050405020304" pitchFamily="18" charset="0"/>
+            </a:endParaRPr>
+          </a:p>
+        </p:txBody>
+      </p:sp>
+      <p:graphicFrame>
+        <p:nvGraphicFramePr>
+          <p:cNvPr id="19" name="对象 18"/>
+          <p:cNvGraphicFramePr>
+            <a:graphicFrameLocks noChangeAspect="1"/>
+          </p:cNvGraphicFramePr>
+          <p:nvPr>
+            <p:extLst>
+              <p:ext uri="{D42A27DB-BD31-4B8C-83A1-F6EECF244321}">
+                <p14:modId xmlns:p14="http://schemas.microsoft.com/office/powerpoint/2010/main" val="3096394075"/>
+              </p:ext>
+            </p:extLst>
+          </p:nvPr>
+        </p:nvGraphicFramePr>
+        <p:xfrm>
+          <a:off x="628650" y="1591745"/>
+          <a:ext cx="6854825" cy="553632"/>
+        </p:xfrm>
+        <a:graphic>
+          <a:graphicData uri="http://schemas.openxmlformats.org/presentationml/2006/ole">
+            <mc:AlternateContent xmlns:mc="http://schemas.openxmlformats.org/markup-compatibility/2006">
+              <mc:Choice xmlns:v="urn:schemas-microsoft-com:vml" Requires="v">
+                <p:oleObj spid="_x0000_s9306" name="Equation" r:id="rId3" imgW="2831760" imgH="228600" progId="Equation.DSMT4">
+                  <p:embed/>
+                </p:oleObj>
+              </mc:Choice>
+              <mc:Fallback>
+                <p:oleObj name="Equation" r:id="rId3" imgW="2831760" imgH="228600" progId="Equation.DSMT4">
+                  <p:embed/>
+                  <p:pic>
+                    <p:nvPicPr>
+                      <p:cNvPr id="0" name=""/>
+                      <p:cNvPicPr/>
+                      <p:nvPr/>
+                    </p:nvPicPr>
+                    <p:blipFill>
+                      <a:blip r:embed="rId4"/>
+                      <a:stretch>
+                        <a:fillRect/>
+                      </a:stretch>
+                    </p:blipFill>
+                    <p:spPr>
+                      <a:xfrm>
+                        <a:off x="628650" y="1591745"/>
+                        <a:ext cx="6854825" cy="553632"/>
+                      </a:xfrm>
+                      <a:prstGeom prst="rect">
+                        <a:avLst/>
+                      </a:prstGeom>
+                    </p:spPr>
+                  </p:pic>
+                </p:oleObj>
+              </mc:Fallback>
+            </mc:AlternateContent>
+          </a:graphicData>
+        </a:graphic>
+      </p:graphicFrame>
+      <p:sp>
+        <p:nvSpPr>
+          <p:cNvPr id="20" name="矩形 19"/>
+          <p:cNvSpPr/>
+          <p:nvPr/>
+        </p:nvSpPr>
+        <p:spPr>
+          <a:xfrm>
+            <a:off x="416257" y="4324216"/>
+            <a:ext cx="4572000" cy="646331"/>
+          </a:xfrm>
+          <a:prstGeom prst="rect">
+            <a:avLst/>
+          </a:prstGeom>
+        </p:spPr>
+        <p:txBody>
+          <a:bodyPr>
+            <a:spAutoFit/>
+          </a:bodyPr>
+          <a:lstStyle/>
+          <a:p>
+            <a:r>
+              <a:rPr lang="zh-CN" altLang="en-US" dirty="0" smtClean="0">
+                <a:latin typeface="Times New Roman" panose="02020603050405020304" pitchFamily="18" charset="0"/>
+                <a:ea typeface="华文细黑" panose="02010600040101010101" pitchFamily="2" charset="-122"/>
+                <a:cs typeface="Times New Roman" panose="02020603050405020304" pitchFamily="18" charset="0"/>
+              </a:rPr>
+              <a:t>（</a:t>
+            </a:r>
+            <a:r>
+              <a:rPr lang="en-US" altLang="zh-CN" dirty="0" smtClean="0">
+                <a:latin typeface="Times New Roman" panose="02020603050405020304" pitchFamily="18" charset="0"/>
+                <a:ea typeface="华文细黑" panose="02010600040101010101" pitchFamily="2" charset="-122"/>
+                <a:cs typeface="Times New Roman" panose="02020603050405020304" pitchFamily="18" charset="0"/>
+              </a:rPr>
+              <a:t>3</a:t>
+            </a:r>
+            <a:r>
+              <a:rPr lang="zh-CN" altLang="en-US" dirty="0" smtClean="0">
+                <a:latin typeface="Times New Roman" panose="02020603050405020304" pitchFamily="18" charset="0"/>
+                <a:ea typeface="华文细黑" panose="02010600040101010101" pitchFamily="2" charset="-122"/>
+                <a:cs typeface="Times New Roman" panose="02020603050405020304" pitchFamily="18" charset="0"/>
+              </a:rPr>
+              <a:t>）</a:t>
+            </a:r>
+            <a:r>
+              <a:rPr lang="zh-CN" altLang="en-US" dirty="0">
+                <a:latin typeface="Times New Roman" panose="02020603050405020304" pitchFamily="18" charset="0"/>
+                <a:ea typeface="华文细黑" panose="02010600040101010101" pitchFamily="2" charset="-122"/>
+                <a:cs typeface="Times New Roman" panose="02020603050405020304" pitchFamily="18" charset="0"/>
+              </a:rPr>
+              <a:t>计算平衡态分布函数 </a:t>
+            </a:r>
+            <a:endParaRPr lang="en-US" altLang="zh-CN" dirty="0" smtClean="0">
+              <a:latin typeface="Times New Roman" panose="02020603050405020304" pitchFamily="18" charset="0"/>
+              <a:ea typeface="华文细黑" panose="02010600040101010101" pitchFamily="2" charset="-122"/>
+              <a:cs typeface="Times New Roman" panose="02020603050405020304" pitchFamily="18" charset="0"/>
+            </a:endParaRPr>
+          </a:p>
+          <a:p>
+            <a:endParaRPr lang="zh-CN" altLang="en-US" dirty="0">
+              <a:latin typeface="Times New Roman" panose="02020603050405020304" pitchFamily="18" charset="0"/>
+              <a:ea typeface="华文细黑" panose="02010600040101010101" pitchFamily="2" charset="-122"/>
+              <a:cs typeface="Times New Roman" panose="02020603050405020304" pitchFamily="18" charset="0"/>
+            </a:endParaRPr>
+          </a:p>
+        </p:txBody>
+      </p:sp>
+      <p:sp>
+        <p:nvSpPr>
+          <p:cNvPr id="21" name="矩形 20"/>
+          <p:cNvSpPr/>
+          <p:nvPr/>
+        </p:nvSpPr>
+        <p:spPr>
+          <a:xfrm>
+            <a:off x="416257" y="2523967"/>
+            <a:ext cx="9011134" cy="369332"/>
+          </a:xfrm>
+          <a:prstGeom prst="rect">
+            <a:avLst/>
+          </a:prstGeom>
+        </p:spPr>
+        <p:txBody>
+          <a:bodyPr wrap="square">
+            <a:spAutoFit/>
+          </a:bodyPr>
+          <a:lstStyle/>
+          <a:p>
+            <a:r>
+              <a:rPr lang="zh-CN" altLang="en-US" dirty="0" smtClean="0">
+                <a:latin typeface="Times New Roman" panose="02020603050405020304" pitchFamily="18" charset="0"/>
+                <a:ea typeface="华文细黑" panose="02010600040101010101" pitchFamily="2" charset="-122"/>
+                <a:cs typeface="Times New Roman" panose="02020603050405020304" pitchFamily="18" charset="0"/>
+              </a:rPr>
+              <a:t>（</a:t>
+            </a:r>
+            <a:r>
+              <a:rPr lang="en-US" altLang="zh-CN" dirty="0" smtClean="0">
+                <a:latin typeface="Times New Roman" panose="02020603050405020304" pitchFamily="18" charset="0"/>
+                <a:ea typeface="华文细黑" panose="02010600040101010101" pitchFamily="2" charset="-122"/>
+                <a:cs typeface="Times New Roman" panose="02020603050405020304" pitchFamily="18" charset="0"/>
+              </a:rPr>
+              <a:t>2</a:t>
+            </a:r>
+            <a:r>
+              <a:rPr lang="zh-CN" altLang="en-US" dirty="0" smtClean="0">
+                <a:latin typeface="Times New Roman" panose="02020603050405020304" pitchFamily="18" charset="0"/>
+                <a:ea typeface="华文细黑" panose="02010600040101010101" pitchFamily="2" charset="-122"/>
+                <a:cs typeface="Times New Roman" panose="02020603050405020304" pitchFamily="18" charset="0"/>
+              </a:rPr>
+              <a:t>）初始化分布函数</a:t>
+            </a:r>
+            <a:endParaRPr lang="zh-CN" altLang="en-US" dirty="0">
+              <a:latin typeface="Times New Roman" panose="02020603050405020304" pitchFamily="18" charset="0"/>
+              <a:ea typeface="华文细黑" panose="02010600040101010101" pitchFamily="2" charset="-122"/>
+              <a:cs typeface="Times New Roman" panose="02020603050405020304" pitchFamily="18" charset="0"/>
+            </a:endParaRPr>
+          </a:p>
+        </p:txBody>
+      </p:sp>
+      <p:graphicFrame>
+        <p:nvGraphicFramePr>
+          <p:cNvPr id="22" name="对象 21"/>
+          <p:cNvGraphicFramePr>
+            <a:graphicFrameLocks noChangeAspect="1"/>
+          </p:cNvGraphicFramePr>
+          <p:nvPr>
+            <p:extLst>
+              <p:ext uri="{D42A27DB-BD31-4B8C-83A1-F6EECF244321}">
+                <p14:modId xmlns:p14="http://schemas.microsoft.com/office/powerpoint/2010/main" val="4268710897"/>
+              </p:ext>
+            </p:extLst>
+          </p:nvPr>
+        </p:nvGraphicFramePr>
+        <p:xfrm>
+          <a:off x="534193" y="4575219"/>
+          <a:ext cx="5946775" cy="835025"/>
+        </p:xfrm>
+        <a:graphic>
+          <a:graphicData uri="http://schemas.openxmlformats.org/presentationml/2006/ole">
+            <mc:AlternateContent xmlns:mc="http://schemas.openxmlformats.org/markup-compatibility/2006">
+              <mc:Choice xmlns:v="urn:schemas-microsoft-com:vml" Requires="v">
+                <p:oleObj spid="_x0000_s9307" name="Equation" r:id="rId5" imgW="2806560" imgH="393480" progId="Equation.DSMT4">
+                  <p:embed/>
+                </p:oleObj>
+              </mc:Choice>
+              <mc:Fallback>
+                <p:oleObj name="Equation" r:id="rId5" imgW="2806560" imgH="393480" progId="Equation.DSMT4">
+                  <p:embed/>
+                  <p:pic>
+                    <p:nvPicPr>
+                      <p:cNvPr id="0" name=""/>
+                      <p:cNvPicPr/>
+                      <p:nvPr/>
+                    </p:nvPicPr>
+                    <p:blipFill>
+                      <a:blip r:embed="rId6"/>
+                      <a:stretch>
+                        <a:fillRect/>
+                      </a:stretch>
+                    </p:blipFill>
+                    <p:spPr>
+                      <a:xfrm>
+                        <a:off x="534193" y="4575219"/>
+                        <a:ext cx="5946775" cy="835025"/>
+                      </a:xfrm>
+                      <a:prstGeom prst="rect">
+                        <a:avLst/>
+                      </a:prstGeom>
+                    </p:spPr>
+                  </p:pic>
+                </p:oleObj>
+              </mc:Fallback>
+            </mc:AlternateContent>
+          </a:graphicData>
+        </a:graphic>
+      </p:graphicFrame>
+      <p:graphicFrame>
+        <p:nvGraphicFramePr>
+          <p:cNvPr id="26" name="对象 25"/>
+          <p:cNvGraphicFramePr>
+            <a:graphicFrameLocks noChangeAspect="1"/>
+          </p:cNvGraphicFramePr>
+          <p:nvPr>
+            <p:extLst>
+              <p:ext uri="{D42A27DB-BD31-4B8C-83A1-F6EECF244321}">
+                <p14:modId xmlns:p14="http://schemas.microsoft.com/office/powerpoint/2010/main" val="3373763865"/>
+              </p:ext>
+            </p:extLst>
+          </p:nvPr>
+        </p:nvGraphicFramePr>
+        <p:xfrm>
+          <a:off x="484601" y="5192446"/>
+          <a:ext cx="8423275" cy="808037"/>
+        </p:xfrm>
+        <a:graphic>
+          <a:graphicData uri="http://schemas.openxmlformats.org/presentationml/2006/ole">
+            <mc:AlternateContent xmlns:mc="http://schemas.openxmlformats.org/markup-compatibility/2006">
+              <mc:Choice xmlns:v="urn:schemas-microsoft-com:vml" Requires="v">
+                <p:oleObj spid="_x0000_s9308" name="Equation" r:id="rId7" imgW="4114800" imgH="393480" progId="Equation.DSMT4">
+                  <p:embed/>
+                </p:oleObj>
+              </mc:Choice>
+              <mc:Fallback>
+                <p:oleObj name="Equation" r:id="rId7" imgW="4114800" imgH="393480" progId="Equation.DSMT4">
+                  <p:embed/>
+                  <p:pic>
+                    <p:nvPicPr>
+                      <p:cNvPr id="0" name=""/>
+                      <p:cNvPicPr/>
+                      <p:nvPr/>
+                    </p:nvPicPr>
+                    <p:blipFill>
+                      <a:blip r:embed="rId8"/>
+                      <a:stretch>
+                        <a:fillRect/>
+                      </a:stretch>
+                    </p:blipFill>
+                    <p:spPr>
+                      <a:xfrm>
+                        <a:off x="484601" y="5192446"/>
+                        <a:ext cx="8423275" cy="808037"/>
+                      </a:xfrm>
+                      <a:prstGeom prst="rect">
+                        <a:avLst/>
+                      </a:prstGeom>
+                    </p:spPr>
+                  </p:pic>
+                </p:oleObj>
+              </mc:Fallback>
+            </mc:AlternateContent>
+          </a:graphicData>
+        </a:graphic>
+      </p:graphicFrame>
+      <p:graphicFrame>
+        <p:nvGraphicFramePr>
+          <p:cNvPr id="27" name="对象 26"/>
+          <p:cNvGraphicFramePr>
+            <a:graphicFrameLocks noChangeAspect="1"/>
+          </p:cNvGraphicFramePr>
+          <p:nvPr>
+            <p:extLst>
+              <p:ext uri="{D42A27DB-BD31-4B8C-83A1-F6EECF244321}">
+                <p14:modId xmlns:p14="http://schemas.microsoft.com/office/powerpoint/2010/main" val="1923454730"/>
+              </p:ext>
+            </p:extLst>
+          </p:nvPr>
+        </p:nvGraphicFramePr>
+        <p:xfrm>
+          <a:off x="628650" y="2029472"/>
+          <a:ext cx="1799485" cy="480850"/>
+        </p:xfrm>
+        <a:graphic>
+          <a:graphicData uri="http://schemas.openxmlformats.org/presentationml/2006/ole">
+            <mc:AlternateContent xmlns:mc="http://schemas.openxmlformats.org/markup-compatibility/2006">
+              <mc:Choice xmlns:v="urn:schemas-microsoft-com:vml" Requires="v">
+                <p:oleObj spid="_x0000_s9309" name="Equation" r:id="rId9" imgW="761760" imgH="203040" progId="Equation.DSMT4">
+                  <p:embed/>
+                </p:oleObj>
+              </mc:Choice>
+              <mc:Fallback>
+                <p:oleObj name="Equation" r:id="rId9" imgW="761760" imgH="203040" progId="Equation.DSMT4">
+                  <p:embed/>
+                  <p:pic>
+                    <p:nvPicPr>
+                      <p:cNvPr id="0" name=""/>
+                      <p:cNvPicPr/>
+                      <p:nvPr/>
+                    </p:nvPicPr>
+                    <p:blipFill>
+                      <a:blip r:embed="rId10"/>
+                      <a:stretch>
+                        <a:fillRect/>
+                      </a:stretch>
+                    </p:blipFill>
+                    <p:spPr>
+                      <a:xfrm>
+                        <a:off x="628650" y="2029472"/>
+                        <a:ext cx="1799485" cy="480850"/>
+                      </a:xfrm>
+                      <a:prstGeom prst="rect">
+                        <a:avLst/>
+                      </a:prstGeom>
+                    </p:spPr>
+                  </p:pic>
+                </p:oleObj>
+              </mc:Fallback>
+            </mc:AlternateContent>
+          </a:graphicData>
+        </a:graphic>
+      </p:graphicFrame>
+      <p:sp>
+        <p:nvSpPr>
+          <p:cNvPr id="28" name="矩形 27"/>
+          <p:cNvSpPr/>
+          <p:nvPr/>
+        </p:nvSpPr>
+        <p:spPr>
+          <a:xfrm>
+            <a:off x="628650" y="5945618"/>
+            <a:ext cx="4572000" cy="646331"/>
+          </a:xfrm>
+          <a:prstGeom prst="rect">
+            <a:avLst/>
+          </a:prstGeom>
+        </p:spPr>
+        <p:txBody>
+          <a:bodyPr>
+            <a:spAutoFit/>
+          </a:bodyPr>
+          <a:lstStyle/>
+          <a:p>
+            <a:r>
+              <a:rPr lang="en-US" altLang="zh-CN" dirty="0" smtClean="0">
+                <a:latin typeface="Times New Roman" panose="02020603050405020304" pitchFamily="18" charset="0"/>
+                <a:ea typeface="华文细黑" panose="02010600040101010101" pitchFamily="2" charset="-122"/>
+                <a:cs typeface="Times New Roman" panose="02020603050405020304" pitchFamily="18" charset="0"/>
+              </a:rPr>
+              <a:t>...</a:t>
+            </a:r>
+          </a:p>
+          <a:p>
+            <a:r>
+              <a:rPr lang="en-US" altLang="zh-CN" dirty="0" smtClean="0">
+                <a:latin typeface="Times New Roman" panose="02020603050405020304" pitchFamily="18" charset="0"/>
+                <a:ea typeface="华文细黑" panose="02010600040101010101" pitchFamily="2" charset="-122"/>
+                <a:cs typeface="Times New Roman" panose="02020603050405020304" pitchFamily="18" charset="0"/>
+              </a:rPr>
+              <a:t>…</a:t>
+            </a:r>
+          </a:p>
+        </p:txBody>
+      </p:sp>
+      <p:graphicFrame>
+        <p:nvGraphicFramePr>
+          <p:cNvPr id="32" name="对象 31"/>
+          <p:cNvGraphicFramePr>
+            <a:graphicFrameLocks noChangeAspect="1"/>
+          </p:cNvGraphicFramePr>
+          <p:nvPr>
+            <p:extLst>
+              <p:ext uri="{D42A27DB-BD31-4B8C-83A1-F6EECF244321}">
+                <p14:modId xmlns:p14="http://schemas.microsoft.com/office/powerpoint/2010/main" val="2173382021"/>
+              </p:ext>
+            </p:extLst>
+          </p:nvPr>
+        </p:nvGraphicFramePr>
+        <p:xfrm>
+          <a:off x="2363788" y="3021013"/>
+          <a:ext cx="2474912" cy="511175"/>
+        </p:xfrm>
+        <a:graphic>
+          <a:graphicData uri="http://schemas.openxmlformats.org/presentationml/2006/ole">
+            <mc:AlternateContent xmlns:mc="http://schemas.openxmlformats.org/markup-compatibility/2006">
+              <mc:Choice xmlns:v="urn:schemas-microsoft-com:vml" Requires="v">
+                <p:oleObj spid="_x0000_s9310" name="Equation" r:id="rId11" imgW="1168200" imgH="241200" progId="Equation.DSMT4">
+                  <p:embed/>
+                </p:oleObj>
+              </mc:Choice>
+              <mc:Fallback>
+                <p:oleObj name="Equation" r:id="rId11" imgW="1168200" imgH="241200" progId="Equation.DSMT4">
+                  <p:embed/>
+                  <p:pic>
+                    <p:nvPicPr>
+                      <p:cNvPr id="0" name=""/>
+                      <p:cNvPicPr/>
+                      <p:nvPr/>
+                    </p:nvPicPr>
+                    <p:blipFill>
+                      <a:blip r:embed="rId12"/>
+                      <a:stretch>
+                        <a:fillRect/>
+                      </a:stretch>
+                    </p:blipFill>
+                    <p:spPr>
+                      <a:xfrm>
+                        <a:off x="2363788" y="3021013"/>
+                        <a:ext cx="2474912" cy="511175"/>
+                      </a:xfrm>
+                      <a:prstGeom prst="rect">
+                        <a:avLst/>
+                      </a:prstGeom>
+                    </p:spPr>
+                  </p:pic>
+                </p:oleObj>
+              </mc:Fallback>
+            </mc:AlternateContent>
+          </a:graphicData>
+        </a:graphic>
+      </p:graphicFrame>
+      <p:graphicFrame>
+        <p:nvGraphicFramePr>
+          <p:cNvPr id="33" name="对象 32"/>
+          <p:cNvGraphicFramePr>
+            <a:graphicFrameLocks noChangeAspect="1"/>
+          </p:cNvGraphicFramePr>
+          <p:nvPr>
+            <p:extLst>
+              <p:ext uri="{D42A27DB-BD31-4B8C-83A1-F6EECF244321}">
+                <p14:modId xmlns:p14="http://schemas.microsoft.com/office/powerpoint/2010/main" val="2824751375"/>
+              </p:ext>
+            </p:extLst>
+          </p:nvPr>
+        </p:nvGraphicFramePr>
+        <p:xfrm>
+          <a:off x="628650" y="3608121"/>
+          <a:ext cx="1209675" cy="511175"/>
+        </p:xfrm>
+        <a:graphic>
+          <a:graphicData uri="http://schemas.openxmlformats.org/presentationml/2006/ole">
+            <mc:AlternateContent xmlns:mc="http://schemas.openxmlformats.org/markup-compatibility/2006">
+              <mc:Choice xmlns:v="urn:schemas-microsoft-com:vml" Requires="v">
+                <p:oleObj spid="_x0000_s9311" name="Equation" r:id="rId13" imgW="571320" imgH="241200" progId="Equation.DSMT4">
+                  <p:embed/>
+                </p:oleObj>
+              </mc:Choice>
+              <mc:Fallback>
+                <p:oleObj name="Equation" r:id="rId13" imgW="571320" imgH="241200" progId="Equation.DSMT4">
+                  <p:embed/>
+                  <p:pic>
+                    <p:nvPicPr>
+                      <p:cNvPr id="0" name=""/>
+                      <p:cNvPicPr/>
+                      <p:nvPr/>
+                    </p:nvPicPr>
+                    <p:blipFill>
+                      <a:blip r:embed="rId14"/>
+                      <a:stretch>
+                        <a:fillRect/>
+                      </a:stretch>
+                    </p:blipFill>
+                    <p:spPr>
+                      <a:xfrm>
+                        <a:off x="628650" y="3608121"/>
+                        <a:ext cx="1209675" cy="511175"/>
+                      </a:xfrm>
+                      <a:prstGeom prst="rect">
+                        <a:avLst/>
+                      </a:prstGeom>
+                    </p:spPr>
+                  </p:pic>
+                </p:oleObj>
+              </mc:Fallback>
+            </mc:AlternateContent>
+          </a:graphicData>
+        </a:graphic>
+      </p:graphicFrame>
+      <p:sp>
+        <p:nvSpPr>
+          <p:cNvPr id="34" name="矩形 33"/>
+          <p:cNvSpPr/>
+          <p:nvPr/>
+        </p:nvSpPr>
+        <p:spPr>
+          <a:xfrm>
+            <a:off x="1796215" y="3669516"/>
+            <a:ext cx="9011134" cy="369332"/>
+          </a:xfrm>
+          <a:prstGeom prst="rect">
+            <a:avLst/>
+          </a:prstGeom>
+        </p:spPr>
+        <p:txBody>
+          <a:bodyPr wrap="square">
+            <a:spAutoFit/>
+          </a:bodyPr>
+          <a:lstStyle/>
+          <a:p>
+            <a:r>
+              <a:rPr lang="zh-CN" altLang="en-US" dirty="0" smtClean="0">
+                <a:latin typeface="Times New Roman" panose="02020603050405020304" pitchFamily="18" charset="0"/>
+                <a:ea typeface="华文细黑" panose="02010600040101010101" pitchFamily="2" charset="-122"/>
+                <a:cs typeface="Times New Roman" panose="02020603050405020304" pitchFamily="18" charset="0"/>
+              </a:rPr>
+              <a:t>由（</a:t>
+            </a:r>
+            <a:r>
+              <a:rPr lang="en-US" altLang="zh-CN" dirty="0" smtClean="0">
+                <a:latin typeface="Times New Roman" panose="02020603050405020304" pitchFamily="18" charset="0"/>
+                <a:ea typeface="华文细黑" panose="02010600040101010101" pitchFamily="2" charset="-122"/>
+                <a:cs typeface="Times New Roman" panose="02020603050405020304" pitchFamily="18" charset="0"/>
+              </a:rPr>
+              <a:t>3</a:t>
+            </a:r>
+            <a:r>
+              <a:rPr lang="zh-CN" altLang="en-US" dirty="0" smtClean="0">
+                <a:latin typeface="Times New Roman" panose="02020603050405020304" pitchFamily="18" charset="0"/>
+                <a:ea typeface="华文细黑" panose="02010600040101010101" pitchFamily="2" charset="-122"/>
+                <a:cs typeface="Times New Roman" panose="02020603050405020304" pitchFamily="18" charset="0"/>
+              </a:rPr>
+              <a:t>）确定</a:t>
+            </a:r>
+            <a:endParaRPr lang="zh-CN" altLang="en-US" dirty="0">
+              <a:latin typeface="Times New Roman" panose="02020603050405020304" pitchFamily="18" charset="0"/>
+              <a:ea typeface="华文细黑" panose="02010600040101010101" pitchFamily="2" charset="-122"/>
+              <a:cs typeface="Times New Roman" panose="02020603050405020304" pitchFamily="18" charset="0"/>
+            </a:endParaRPr>
+          </a:p>
+        </p:txBody>
+      </p:sp>
+    </p:spTree>
+    <p:extLst>
+      <p:ext uri="{BB962C8B-B14F-4D97-AF65-F5344CB8AC3E}">
+        <p14:creationId xmlns:p14="http://schemas.microsoft.com/office/powerpoint/2010/main" val="3188704509"/>
+      </p:ext>
+    </p:extLst>
+  </p:cSld>
+  <p:clrMapOvr>
+    <a:masterClrMapping/>
+  </p:clrMapOvr>
+</p:sld>
+</file>
+
+<file path=ppt/slides/slide11.xml><?xml version="1.0" encoding="utf-8"?>
+<p:sld xmlns:a="http://schemas.openxmlformats.org/drawingml/2006/main" xmlns:r="http://schemas.openxmlformats.org/officeDocument/2006/relationships" xmlns:p="http://schemas.openxmlformats.org/presentationml/2006/main">
+  <p:cSld>
+    <p:spTree>
+      <p:nvGrpSpPr>
+        <p:cNvPr id="1" name=""/>
+        <p:cNvGrpSpPr/>
+        <p:nvPr/>
+      </p:nvGrpSpPr>
+      <p:grpSpPr>
+        <a:xfrm>
+          <a:off x="0" y="0"/>
+          <a:ext cx="0" cy="0"/>
+          <a:chOff x="0" y="0"/>
+          <a:chExt cx="0" cy="0"/>
+        </a:xfrm>
+      </p:grpSpPr>
+      <p:sp>
+        <p:nvSpPr>
+          <p:cNvPr id="2" name="标题 1"/>
+          <p:cNvSpPr>
+            <a:spLocks noGrp="1"/>
+          </p:cNvSpPr>
+          <p:nvPr>
+            <p:ph type="title"/>
+          </p:nvPr>
+        </p:nvSpPr>
+        <p:spPr>
+          <a:xfrm>
+            <a:off x="628650" y="3186"/>
+            <a:ext cx="6854825" cy="1325563"/>
+          </a:xfrm>
+        </p:spPr>
+        <p:txBody>
+          <a:bodyPr/>
+          <a:lstStyle/>
+          <a:p>
+            <a:r>
+              <a:rPr lang="zh-CN" altLang="en-US" smtClean="0">
+                <a:latin typeface="华文细黑" panose="02010600040101010101" pitchFamily="2" charset="-122"/>
+                <a:ea typeface="华文细黑" panose="02010600040101010101" pitchFamily="2" charset="-122"/>
+              </a:rPr>
+              <a:t>算例：</a:t>
+            </a:r>
+            <a:r>
+              <a:rPr lang="zh-CN" altLang="en-US" dirty="0" smtClean="0">
+                <a:latin typeface="华文细黑" panose="02010600040101010101" pitchFamily="2" charset="-122"/>
+                <a:ea typeface="华文细黑" panose="02010600040101010101" pitchFamily="2" charset="-122"/>
+              </a:rPr>
+              <a:t>顶盖流动</a:t>
+            </a:r>
+            <a:endParaRPr lang="zh-CN" altLang="en-US" dirty="0">
+              <a:latin typeface="华文细黑" panose="02010600040101010101" pitchFamily="2" charset="-122"/>
+              <a:ea typeface="华文细黑" panose="02010600040101010101" pitchFamily="2" charset="-122"/>
+            </a:endParaRPr>
+          </a:p>
+        </p:txBody>
+      </p:sp>
+      <p:sp>
+        <p:nvSpPr>
+          <p:cNvPr id="3" name="Rectangle 2"/>
+          <p:cNvSpPr>
+            <a:spLocks noChangeArrowheads="1"/>
+          </p:cNvSpPr>
+          <p:nvPr/>
+        </p:nvSpPr>
+        <p:spPr bwMode="auto">
+          <a:xfrm>
+            <a:off x="2051220" y="1194486"/>
+            <a:ext cx="12471911" cy="45719"/>
+          </a:xfrm>
+          <a:prstGeom prst="rect">
+            <a:avLst/>
+          </a:prstGeom>
+          <a:noFill/>
+          <a:ln>
+            <a:noFill/>
+          </a:ln>
+          <a:effectLst/>
+          <a:extLst>
+            <a:ext uri="{909E8E84-426E-40DD-AFC4-6F175D3DCCD1}">
+              <a14:hiddenFill xmlns:a14="http://schemas.microsoft.com/office/drawing/2010/main">
+                <a:solidFill>
+                  <a:schemeClr val="accent1"/>
+                </a:solidFill>
+              </a14:hiddenFill>
+            </a:ext>
+            <a:ext uri="{91240B29-F687-4F45-9708-019B960494DF}">
+              <a14:hiddenLine xmlns:a14="http://schemas.microsoft.com/office/drawing/2010/main" w="9525">
+                <a:solidFill>
+                  <a:schemeClr val="tx1"/>
+                </a:solidFill>
+                <a:miter lim="800000"/>
+                <a:headEnd/>
+                <a:tailEnd/>
+              </a14:hiddenLine>
+            </a:ext>
+            <a:ext uri="{AF507438-7753-43E0-B8FC-AC1667EBCBE1}">
+              <a14:hiddenEffects xmlns:a14="http://schemas.microsoft.com/office/drawing/2010/main">
+                <a:effectLst>
+                  <a:outerShdw dist="35921" dir="2700000" algn="ctr" rotWithShape="0">
+                    <a:schemeClr val="bg2"/>
+                  </a:outerShdw>
+                </a:effectLst>
+              </a14:hiddenEffects>
+            </a:ext>
+          </a:extLst>
+        </p:spPr>
+        <p:txBody>
+          <a:bodyPr vert="horz" wrap="square" lIns="91440" tIns="45720" rIns="91440" bIns="45720" numCol="1" anchor="ctr" anchorCtr="0" compatLnSpc="1">
+            <a:prstTxWarp prst="textNoShape">
+              <a:avLst/>
+            </a:prstTxWarp>
+            <a:spAutoFit/>
+          </a:bodyPr>
+          <a:lstStyle/>
+          <a:p>
+            <a:endParaRPr lang="zh-CN" altLang="en-US"/>
+          </a:p>
+        </p:txBody>
+      </p:sp>
+      <p:sp>
+        <p:nvSpPr>
+          <p:cNvPr id="6" name="Rectangle 2"/>
+          <p:cNvSpPr>
+            <a:spLocks noChangeArrowheads="1"/>
+          </p:cNvSpPr>
+          <p:nvPr/>
+        </p:nvSpPr>
+        <p:spPr bwMode="auto">
+          <a:xfrm>
+            <a:off x="1593907" y="1902371"/>
+            <a:ext cx="12397713" cy="45719"/>
+          </a:xfrm>
+          <a:prstGeom prst="rect">
+            <a:avLst/>
+          </a:prstGeom>
+          <a:noFill/>
+          <a:ln>
+            <a:noFill/>
+          </a:ln>
+          <a:effectLst/>
+          <a:extLst>
+            <a:ext uri="{909E8E84-426E-40DD-AFC4-6F175D3DCCD1}">
+              <a14:hiddenFill xmlns:a14="http://schemas.microsoft.com/office/drawing/2010/main">
+                <a:solidFill>
+                  <a:schemeClr val="accent1"/>
+                </a:solidFill>
+              </a14:hiddenFill>
+            </a:ext>
+            <a:ext uri="{91240B29-F687-4F45-9708-019B960494DF}">
+              <a14:hiddenLine xmlns:a14="http://schemas.microsoft.com/office/drawing/2010/main" w="9525">
+                <a:solidFill>
+                  <a:schemeClr val="tx1"/>
+                </a:solidFill>
+                <a:miter lim="800000"/>
+                <a:headEnd/>
+                <a:tailEnd/>
+              </a14:hiddenLine>
+            </a:ext>
+            <a:ext uri="{AF507438-7753-43E0-B8FC-AC1667EBCBE1}">
+              <a14:hiddenEffects xmlns:a14="http://schemas.microsoft.com/office/drawing/2010/main">
+                <a:effectLst>
+                  <a:outerShdw dist="35921" dir="2700000" algn="ctr" rotWithShape="0">
+                    <a:schemeClr val="bg2"/>
+                  </a:outerShdw>
+                </a:effectLst>
+              </a14:hiddenEffects>
+            </a:ext>
+          </a:extLst>
+        </p:spPr>
+        <p:txBody>
+          <a:bodyPr vert="horz" wrap="square" lIns="91440" tIns="45720" rIns="91440" bIns="45720" numCol="1" anchor="ctr" anchorCtr="0" compatLnSpc="1">
+            <a:prstTxWarp prst="textNoShape">
+              <a:avLst/>
+            </a:prstTxWarp>
+            <a:spAutoFit/>
+          </a:bodyPr>
+          <a:lstStyle/>
+          <a:p>
+            <a:endParaRPr lang="zh-CN" altLang="en-US"/>
+          </a:p>
+        </p:txBody>
+      </p:sp>
+      <p:sp>
+        <p:nvSpPr>
+          <p:cNvPr id="29" name="矩形 28"/>
+          <p:cNvSpPr/>
+          <p:nvPr/>
+        </p:nvSpPr>
+        <p:spPr>
+          <a:xfrm>
+            <a:off x="391185" y="4385821"/>
+            <a:ext cx="5422348" cy="369332"/>
+          </a:xfrm>
+          <a:prstGeom prst="rect">
+            <a:avLst/>
+          </a:prstGeom>
+        </p:spPr>
+        <p:txBody>
+          <a:bodyPr wrap="square">
+            <a:spAutoFit/>
+          </a:bodyPr>
+          <a:lstStyle/>
+          <a:p>
+            <a:r>
+              <a:rPr lang="zh-CN" altLang="en-US" dirty="0" smtClean="0">
+                <a:latin typeface="Times New Roman" panose="02020603050405020304" pitchFamily="18" charset="0"/>
+                <a:ea typeface="华文细黑" panose="02010600040101010101" pitchFamily="2" charset="-122"/>
+                <a:cs typeface="Times New Roman" panose="02020603050405020304" pitchFamily="18" charset="0"/>
+              </a:rPr>
+              <a:t>（</a:t>
+            </a:r>
+            <a:r>
+              <a:rPr lang="en-US" altLang="zh-CN" dirty="0" smtClean="0">
+                <a:latin typeface="Times New Roman" panose="02020603050405020304" pitchFamily="18" charset="0"/>
+                <a:ea typeface="华文细黑" panose="02010600040101010101" pitchFamily="2" charset="-122"/>
+                <a:cs typeface="Times New Roman" panose="02020603050405020304" pitchFamily="18" charset="0"/>
+              </a:rPr>
+              <a:t>6</a:t>
+            </a:r>
+            <a:r>
+              <a:rPr lang="zh-CN" altLang="en-US" dirty="0" smtClean="0">
+                <a:latin typeface="Times New Roman" panose="02020603050405020304" pitchFamily="18" charset="0"/>
+                <a:ea typeface="华文细黑" panose="02010600040101010101" pitchFamily="2" charset="-122"/>
+                <a:cs typeface="Times New Roman" panose="02020603050405020304" pitchFamily="18" charset="0"/>
+              </a:rPr>
+              <a:t>）</a:t>
+            </a:r>
+            <a:r>
+              <a:rPr lang="zh-CN" altLang="en-US" dirty="0">
+                <a:latin typeface="Times New Roman" panose="02020603050405020304" pitchFamily="18" charset="0"/>
+                <a:ea typeface="华文细黑" panose="02010600040101010101" pitchFamily="2" charset="-122"/>
+                <a:cs typeface="Times New Roman" panose="02020603050405020304" pitchFamily="18" charset="0"/>
+              </a:rPr>
+              <a:t>根据新的概率分布函数更新密度场和</a:t>
+            </a:r>
+            <a:r>
+              <a:rPr lang="zh-CN" altLang="en-US" dirty="0" smtClean="0">
+                <a:latin typeface="Times New Roman" panose="02020603050405020304" pitchFamily="18" charset="0"/>
+                <a:ea typeface="华文细黑" panose="02010600040101010101" pitchFamily="2" charset="-122"/>
+                <a:cs typeface="Times New Roman" panose="02020603050405020304" pitchFamily="18" charset="0"/>
+              </a:rPr>
+              <a:t>速度场</a:t>
+            </a:r>
+            <a:endParaRPr lang="en-US" altLang="zh-CN" dirty="0" smtClean="0">
+              <a:latin typeface="Times New Roman" panose="02020603050405020304" pitchFamily="18" charset="0"/>
+              <a:ea typeface="华文细黑" panose="02010600040101010101" pitchFamily="2" charset="-122"/>
+              <a:cs typeface="Times New Roman" panose="02020603050405020304" pitchFamily="18" charset="0"/>
+            </a:endParaRPr>
+          </a:p>
+        </p:txBody>
+      </p:sp>
+      <p:sp>
+        <p:nvSpPr>
+          <p:cNvPr id="4" name="矩形 3"/>
+          <p:cNvSpPr/>
+          <p:nvPr/>
+        </p:nvSpPr>
+        <p:spPr>
+          <a:xfrm>
+            <a:off x="470278" y="6388201"/>
+            <a:ext cx="3647152" cy="369332"/>
+          </a:xfrm>
+          <a:prstGeom prst="rect">
+            <a:avLst/>
+          </a:prstGeom>
+        </p:spPr>
+        <p:txBody>
+          <a:bodyPr wrap="none">
+            <a:spAutoFit/>
+          </a:bodyPr>
+          <a:lstStyle/>
+          <a:p>
+            <a:r>
+              <a:rPr lang="zh-CN" altLang="en-US" dirty="0" smtClean="0">
+                <a:latin typeface="Times New Roman" panose="02020603050405020304" pitchFamily="18" charset="0"/>
+                <a:ea typeface="华文细黑" panose="02010600040101010101" pitchFamily="2" charset="-122"/>
+                <a:cs typeface="Times New Roman" panose="02020603050405020304" pitchFamily="18" charset="0"/>
+              </a:rPr>
+              <a:t>（</a:t>
+            </a:r>
+            <a:r>
+              <a:rPr lang="en-US" altLang="zh-CN" dirty="0" smtClean="0">
+                <a:latin typeface="Times New Roman" panose="02020603050405020304" pitchFamily="18" charset="0"/>
+                <a:ea typeface="华文细黑" panose="02010600040101010101" pitchFamily="2" charset="-122"/>
+                <a:cs typeface="Times New Roman" panose="02020603050405020304" pitchFamily="18" charset="0"/>
+              </a:rPr>
+              <a:t>7</a:t>
+            </a:r>
+            <a:r>
+              <a:rPr lang="zh-CN" altLang="en-US" dirty="0" smtClean="0">
+                <a:latin typeface="Times New Roman" panose="02020603050405020304" pitchFamily="18" charset="0"/>
+                <a:ea typeface="华文细黑" panose="02010600040101010101" pitchFamily="2" charset="-122"/>
+                <a:cs typeface="Times New Roman" panose="02020603050405020304" pitchFamily="18" charset="0"/>
+              </a:rPr>
+              <a:t>）</a:t>
+            </a:r>
+            <a:r>
+              <a:rPr lang="zh-CN" altLang="en-US" dirty="0">
+                <a:latin typeface="Times New Roman" panose="02020603050405020304" pitchFamily="18" charset="0"/>
+                <a:ea typeface="华文细黑" panose="02010600040101010101" pitchFamily="2" charset="-122"/>
+                <a:cs typeface="Times New Roman" panose="02020603050405020304" pitchFamily="18" charset="0"/>
+              </a:rPr>
+              <a:t>返回第</a:t>
+            </a:r>
+            <a:r>
+              <a:rPr lang="zh-CN" altLang="en-US" dirty="0" smtClean="0">
+                <a:latin typeface="Times New Roman" panose="02020603050405020304" pitchFamily="18" charset="0"/>
+                <a:ea typeface="华文细黑" panose="02010600040101010101" pitchFamily="2" charset="-122"/>
+                <a:cs typeface="Times New Roman" panose="02020603050405020304" pitchFamily="18" charset="0"/>
+              </a:rPr>
+              <a:t>（</a:t>
+            </a:r>
+            <a:r>
+              <a:rPr lang="en-US" altLang="zh-CN" dirty="0" smtClean="0">
+                <a:latin typeface="Times New Roman" panose="02020603050405020304" pitchFamily="18" charset="0"/>
+                <a:ea typeface="华文细黑" panose="02010600040101010101" pitchFamily="2" charset="-122"/>
+                <a:cs typeface="Times New Roman" panose="02020603050405020304" pitchFamily="18" charset="0"/>
+              </a:rPr>
+              <a:t>3</a:t>
+            </a:r>
+            <a:r>
+              <a:rPr lang="zh-CN" altLang="en-US" dirty="0" smtClean="0">
+                <a:latin typeface="Times New Roman" panose="02020603050405020304" pitchFamily="18" charset="0"/>
+                <a:ea typeface="华文细黑" panose="02010600040101010101" pitchFamily="2" charset="-122"/>
+                <a:cs typeface="Times New Roman" panose="02020603050405020304" pitchFamily="18" charset="0"/>
+              </a:rPr>
+              <a:t>）</a:t>
+            </a:r>
+            <a:r>
+              <a:rPr lang="zh-CN" altLang="en-US" dirty="0">
+                <a:latin typeface="Times New Roman" panose="02020603050405020304" pitchFamily="18" charset="0"/>
+                <a:ea typeface="华文细黑" panose="02010600040101010101" pitchFamily="2" charset="-122"/>
+                <a:cs typeface="Times New Roman" panose="02020603050405020304" pitchFamily="18" charset="0"/>
+              </a:rPr>
+              <a:t>步</a:t>
+            </a:r>
+            <a:r>
+              <a:rPr lang="zh-CN" altLang="en-US" dirty="0" smtClean="0">
+                <a:latin typeface="Times New Roman" panose="02020603050405020304" pitchFamily="18" charset="0"/>
+                <a:ea typeface="华文细黑" panose="02010600040101010101" pitchFamily="2" charset="-122"/>
+                <a:cs typeface="Times New Roman" panose="02020603050405020304" pitchFamily="18" charset="0"/>
+              </a:rPr>
+              <a:t>继续推进</a:t>
+            </a:r>
+            <a:r>
+              <a:rPr lang="zh-CN" altLang="en-US" dirty="0">
+                <a:latin typeface="Times New Roman" panose="02020603050405020304" pitchFamily="18" charset="0"/>
+                <a:ea typeface="华文细黑" panose="02010600040101010101" pitchFamily="2" charset="-122"/>
+                <a:cs typeface="Times New Roman" panose="02020603050405020304" pitchFamily="18" charset="0"/>
+              </a:rPr>
+              <a:t>计算</a:t>
+            </a:r>
+            <a:endParaRPr lang="zh-CN" altLang="en-US" dirty="0">
+              <a:latin typeface="Times New Roman" panose="02020603050405020304" pitchFamily="18" charset="0"/>
+              <a:ea typeface="华文细黑" panose="02010600040101010101" pitchFamily="2" charset="-122"/>
+              <a:cs typeface="Times New Roman" panose="02020603050405020304" pitchFamily="18" charset="0"/>
+            </a:endParaRPr>
+          </a:p>
+        </p:txBody>
+      </p:sp>
+      <p:graphicFrame>
+        <p:nvGraphicFramePr>
+          <p:cNvPr id="15" name="对象 14"/>
+          <p:cNvGraphicFramePr>
+            <a:graphicFrameLocks noChangeAspect="1"/>
+          </p:cNvGraphicFramePr>
+          <p:nvPr>
+            <p:extLst>
+              <p:ext uri="{D42A27DB-BD31-4B8C-83A1-F6EECF244321}">
+                <p14:modId xmlns:p14="http://schemas.microsoft.com/office/powerpoint/2010/main" val="1880468984"/>
+              </p:ext>
+            </p:extLst>
+          </p:nvPr>
+        </p:nvGraphicFramePr>
+        <p:xfrm>
+          <a:off x="1900823" y="4638705"/>
+          <a:ext cx="3652837" cy="1778000"/>
+        </p:xfrm>
+        <a:graphic>
+          <a:graphicData uri="http://schemas.openxmlformats.org/presentationml/2006/ole">
+            <mc:AlternateContent xmlns:mc="http://schemas.openxmlformats.org/markup-compatibility/2006">
+              <mc:Choice xmlns:v="urn:schemas-microsoft-com:vml" Requires="v">
+                <p:oleObj spid="_x0000_s10274" name="Equation" r:id="rId3" imgW="1828800" imgH="888840" progId="Equation.DSMT4">
+                  <p:embed/>
+                </p:oleObj>
+              </mc:Choice>
+              <mc:Fallback>
+                <p:oleObj name="Equation" r:id="rId3" imgW="1828800" imgH="888840" progId="Equation.DSMT4">
+                  <p:embed/>
+                  <p:pic>
+                    <p:nvPicPr>
+                      <p:cNvPr id="0" name=""/>
+                      <p:cNvPicPr/>
+                      <p:nvPr/>
+                    </p:nvPicPr>
+                    <p:blipFill>
+                      <a:blip r:embed="rId4"/>
+                      <a:stretch>
+                        <a:fillRect/>
+                      </a:stretch>
+                    </p:blipFill>
+                    <p:spPr>
+                      <a:xfrm>
+                        <a:off x="1900823" y="4638705"/>
+                        <a:ext cx="3652837" cy="1778000"/>
+                      </a:xfrm>
+                      <a:prstGeom prst="rect">
+                        <a:avLst/>
+                      </a:prstGeom>
+                    </p:spPr>
+                  </p:pic>
+                </p:oleObj>
+              </mc:Fallback>
+            </mc:AlternateContent>
+          </a:graphicData>
+        </a:graphic>
+      </p:graphicFrame>
+      <p:graphicFrame>
+        <p:nvGraphicFramePr>
+          <p:cNvPr id="16" name="对象 15"/>
+          <p:cNvGraphicFramePr>
+            <a:graphicFrameLocks noChangeAspect="1"/>
+          </p:cNvGraphicFramePr>
+          <p:nvPr>
+            <p:extLst>
+              <p:ext uri="{D42A27DB-BD31-4B8C-83A1-F6EECF244321}">
+                <p14:modId xmlns:p14="http://schemas.microsoft.com/office/powerpoint/2010/main" val="4072798103"/>
+              </p:ext>
+            </p:extLst>
+          </p:nvPr>
+        </p:nvGraphicFramePr>
+        <p:xfrm>
+          <a:off x="628650" y="1595949"/>
+          <a:ext cx="5707063" cy="592138"/>
+        </p:xfrm>
+        <a:graphic>
+          <a:graphicData uri="http://schemas.openxmlformats.org/presentationml/2006/ole">
+            <mc:AlternateContent xmlns:mc="http://schemas.openxmlformats.org/markup-compatibility/2006">
+              <mc:Choice xmlns:v="urn:schemas-microsoft-com:vml" Requires="v">
+                <p:oleObj spid="_x0000_s10275" name="Equation" r:id="rId5" imgW="2692080" imgH="279360" progId="Equation.DSMT4">
+                  <p:embed/>
+                </p:oleObj>
+              </mc:Choice>
+              <mc:Fallback>
+                <p:oleObj name="Equation" r:id="rId5" imgW="2692080" imgH="279360" progId="Equation.DSMT4">
+                  <p:embed/>
+                  <p:pic>
+                    <p:nvPicPr>
+                      <p:cNvPr id="0" name=""/>
+                      <p:cNvPicPr/>
+                      <p:nvPr/>
+                    </p:nvPicPr>
+                    <p:blipFill>
+                      <a:blip r:embed="rId6"/>
+                      <a:stretch>
+                        <a:fillRect/>
+                      </a:stretch>
+                    </p:blipFill>
+                    <p:spPr>
+                      <a:xfrm>
+                        <a:off x="628650" y="1595949"/>
+                        <a:ext cx="5707063" cy="592138"/>
+                      </a:xfrm>
+                      <a:prstGeom prst="rect">
+                        <a:avLst/>
+                      </a:prstGeom>
+                    </p:spPr>
+                  </p:pic>
+                </p:oleObj>
+              </mc:Fallback>
+            </mc:AlternateContent>
+          </a:graphicData>
+        </a:graphic>
+      </p:graphicFrame>
+      <p:sp>
+        <p:nvSpPr>
+          <p:cNvPr id="17" name="矩形 16"/>
+          <p:cNvSpPr/>
+          <p:nvPr/>
+        </p:nvSpPr>
+        <p:spPr>
+          <a:xfrm>
+            <a:off x="391186" y="1159747"/>
+            <a:ext cx="9011134" cy="369332"/>
+          </a:xfrm>
+          <a:prstGeom prst="rect">
+            <a:avLst/>
+          </a:prstGeom>
+        </p:spPr>
+        <p:txBody>
+          <a:bodyPr wrap="square">
+            <a:spAutoFit/>
+          </a:bodyPr>
+          <a:lstStyle/>
+          <a:p>
+            <a:r>
+              <a:rPr lang="zh-CN" altLang="en-US" dirty="0" smtClean="0">
+                <a:latin typeface="Times New Roman" panose="02020603050405020304" pitchFamily="18" charset="0"/>
+                <a:ea typeface="华文细黑" panose="02010600040101010101" pitchFamily="2" charset="-122"/>
+                <a:cs typeface="Times New Roman" panose="02020603050405020304" pitchFamily="18" charset="0"/>
+              </a:rPr>
+              <a:t>（</a:t>
+            </a:r>
+            <a:r>
+              <a:rPr lang="en-US" altLang="zh-CN" dirty="0" smtClean="0">
+                <a:latin typeface="Times New Roman" panose="02020603050405020304" pitchFamily="18" charset="0"/>
+                <a:ea typeface="华文细黑" panose="02010600040101010101" pitchFamily="2" charset="-122"/>
+                <a:cs typeface="Times New Roman" panose="02020603050405020304" pitchFamily="18" charset="0"/>
+              </a:rPr>
+              <a:t>4</a:t>
+            </a:r>
+            <a:r>
+              <a:rPr lang="zh-CN" altLang="en-US" dirty="0" smtClean="0">
+                <a:latin typeface="Times New Roman" panose="02020603050405020304" pitchFamily="18" charset="0"/>
+                <a:ea typeface="华文细黑" panose="02010600040101010101" pitchFamily="2" charset="-122"/>
+                <a:cs typeface="Times New Roman" panose="02020603050405020304" pitchFamily="18" charset="0"/>
+              </a:rPr>
+              <a:t>）</a:t>
+            </a:r>
+            <a:r>
+              <a:rPr lang="zh-CN" altLang="en-US" dirty="0">
+                <a:latin typeface="Times New Roman" panose="02020603050405020304" pitchFamily="18" charset="0"/>
+                <a:ea typeface="华文细黑" panose="02010600040101010101" pitchFamily="2" charset="-122"/>
+                <a:cs typeface="Times New Roman" panose="02020603050405020304" pitchFamily="18" charset="0"/>
+              </a:rPr>
+              <a:t>求解</a:t>
+            </a:r>
+            <a:r>
+              <a:rPr lang="en-US" altLang="zh-CN" dirty="0">
+                <a:latin typeface="Times New Roman" panose="02020603050405020304" pitchFamily="18" charset="0"/>
+                <a:ea typeface="华文细黑" panose="02010600040101010101" pitchFamily="2" charset="-122"/>
+                <a:cs typeface="Times New Roman" panose="02020603050405020304" pitchFamily="18" charset="0"/>
+              </a:rPr>
+              <a:t>LBGK</a:t>
+            </a:r>
+            <a:r>
+              <a:rPr lang="zh-CN" altLang="en-US" dirty="0">
+                <a:latin typeface="Times New Roman" panose="02020603050405020304" pitchFamily="18" charset="0"/>
+                <a:ea typeface="华文细黑" panose="02010600040101010101" pitchFamily="2" charset="-122"/>
+                <a:cs typeface="Times New Roman" panose="02020603050405020304" pitchFamily="18" charset="0"/>
+              </a:rPr>
+              <a:t>方程，得到 </a:t>
+            </a:r>
+            <a:r>
+              <a:rPr lang="zh-CN" altLang="en-US" dirty="0" smtClean="0">
+                <a:latin typeface="Times New Roman" panose="02020603050405020304" pitchFamily="18" charset="0"/>
+                <a:ea typeface="华文细黑" panose="02010600040101010101" pitchFamily="2" charset="-122"/>
+                <a:cs typeface="Times New Roman" panose="02020603050405020304" pitchFamily="18" charset="0"/>
+              </a:rPr>
+              <a:t>各</a:t>
+            </a:r>
+            <a:r>
+              <a:rPr lang="zh-CN" altLang="en-US" dirty="0">
+                <a:latin typeface="Times New Roman" panose="02020603050405020304" pitchFamily="18" charset="0"/>
+                <a:ea typeface="华文细黑" panose="02010600040101010101" pitchFamily="2" charset="-122"/>
+                <a:cs typeface="Times New Roman" panose="02020603050405020304" pitchFamily="18" charset="0"/>
+              </a:rPr>
+              <a:t>点的概率分布</a:t>
+            </a:r>
+            <a:r>
+              <a:rPr lang="zh-CN" altLang="en-US" dirty="0" smtClean="0">
+                <a:latin typeface="Times New Roman" panose="02020603050405020304" pitchFamily="18" charset="0"/>
+                <a:ea typeface="华文细黑" panose="02010600040101010101" pitchFamily="2" charset="-122"/>
+                <a:cs typeface="Times New Roman" panose="02020603050405020304" pitchFamily="18" charset="0"/>
+              </a:rPr>
+              <a:t>；</a:t>
+            </a:r>
+            <a:endParaRPr lang="zh-CN" altLang="en-US" dirty="0">
+              <a:latin typeface="Times New Roman" panose="02020603050405020304" pitchFamily="18" charset="0"/>
+              <a:ea typeface="华文细黑" panose="02010600040101010101" pitchFamily="2" charset="-122"/>
+              <a:cs typeface="Times New Roman" panose="02020603050405020304" pitchFamily="18" charset="0"/>
+            </a:endParaRPr>
+          </a:p>
+        </p:txBody>
+      </p:sp>
+      <p:sp>
+        <p:nvSpPr>
+          <p:cNvPr id="23" name="矩形 22"/>
+          <p:cNvSpPr/>
+          <p:nvPr/>
+        </p:nvSpPr>
+        <p:spPr>
+          <a:xfrm>
+            <a:off x="391185" y="2240924"/>
+            <a:ext cx="5422348" cy="369332"/>
+          </a:xfrm>
+          <a:prstGeom prst="rect">
+            <a:avLst/>
+          </a:prstGeom>
+        </p:spPr>
+        <p:txBody>
+          <a:bodyPr wrap="square">
+            <a:spAutoFit/>
+          </a:bodyPr>
+          <a:lstStyle/>
+          <a:p>
+            <a:r>
+              <a:rPr lang="zh-CN" altLang="en-US" dirty="0" smtClean="0">
+                <a:latin typeface="Times New Roman" panose="02020603050405020304" pitchFamily="18" charset="0"/>
+                <a:ea typeface="华文细黑" panose="02010600040101010101" pitchFamily="2" charset="-122"/>
+                <a:cs typeface="Times New Roman" panose="02020603050405020304" pitchFamily="18" charset="0"/>
+              </a:rPr>
+              <a:t>（</a:t>
+            </a:r>
+            <a:r>
+              <a:rPr lang="en-US" altLang="zh-CN" dirty="0" smtClean="0">
+                <a:latin typeface="Times New Roman" panose="02020603050405020304" pitchFamily="18" charset="0"/>
+                <a:ea typeface="华文细黑" panose="02010600040101010101" pitchFamily="2" charset="-122"/>
+                <a:cs typeface="Times New Roman" panose="02020603050405020304" pitchFamily="18" charset="0"/>
+              </a:rPr>
+              <a:t>5</a:t>
+            </a:r>
+            <a:r>
+              <a:rPr lang="zh-CN" altLang="en-US" dirty="0" smtClean="0">
+                <a:latin typeface="Times New Roman" panose="02020603050405020304" pitchFamily="18" charset="0"/>
+                <a:ea typeface="华文细黑" panose="02010600040101010101" pitchFamily="2" charset="-122"/>
+                <a:cs typeface="Times New Roman" panose="02020603050405020304" pitchFamily="18" charset="0"/>
+              </a:rPr>
+              <a:t>）计算边界的概率分布函数</a:t>
+            </a:r>
+            <a:endParaRPr lang="en-US" altLang="zh-CN" dirty="0" smtClean="0">
+              <a:latin typeface="Times New Roman" panose="02020603050405020304" pitchFamily="18" charset="0"/>
+              <a:ea typeface="华文细黑" panose="02010600040101010101" pitchFamily="2" charset="-122"/>
+              <a:cs typeface="Times New Roman" panose="02020603050405020304" pitchFamily="18" charset="0"/>
+            </a:endParaRPr>
+          </a:p>
+        </p:txBody>
+      </p:sp>
+      <p:sp>
+        <p:nvSpPr>
+          <p:cNvPr id="24" name="矩形 23"/>
+          <p:cNvSpPr/>
+          <p:nvPr/>
+        </p:nvSpPr>
+        <p:spPr>
+          <a:xfrm>
+            <a:off x="888866" y="2578508"/>
+            <a:ext cx="5422348" cy="369332"/>
+          </a:xfrm>
+          <a:prstGeom prst="rect">
+            <a:avLst/>
+          </a:prstGeom>
+        </p:spPr>
+        <p:txBody>
+          <a:bodyPr wrap="square">
+            <a:spAutoFit/>
+          </a:bodyPr>
+          <a:lstStyle/>
+          <a:p>
+            <a:r>
+              <a:rPr lang="zh-CN" altLang="en-US" dirty="0" smtClean="0">
+                <a:latin typeface="Times New Roman" panose="02020603050405020304" pitchFamily="18" charset="0"/>
+                <a:ea typeface="华文细黑" panose="02010600040101010101" pitchFamily="2" charset="-122"/>
+                <a:cs typeface="Times New Roman" panose="02020603050405020304" pitchFamily="18" charset="0"/>
+              </a:rPr>
+              <a:t>左边界：</a:t>
+            </a:r>
+            <a:endParaRPr lang="en-US" altLang="zh-CN" dirty="0" smtClean="0">
+              <a:latin typeface="Times New Roman" panose="02020603050405020304" pitchFamily="18" charset="0"/>
+              <a:ea typeface="华文细黑" panose="02010600040101010101" pitchFamily="2" charset="-122"/>
+              <a:cs typeface="Times New Roman" panose="02020603050405020304" pitchFamily="18" charset="0"/>
+            </a:endParaRPr>
+          </a:p>
+        </p:txBody>
+      </p:sp>
+      <p:graphicFrame>
+        <p:nvGraphicFramePr>
+          <p:cNvPr id="25" name="对象 24"/>
+          <p:cNvGraphicFramePr>
+            <a:graphicFrameLocks noChangeAspect="1"/>
+          </p:cNvGraphicFramePr>
+          <p:nvPr>
+            <p:extLst>
+              <p:ext uri="{D42A27DB-BD31-4B8C-83A1-F6EECF244321}">
+                <p14:modId xmlns:p14="http://schemas.microsoft.com/office/powerpoint/2010/main" val="2716154117"/>
+              </p:ext>
+            </p:extLst>
+          </p:nvPr>
+        </p:nvGraphicFramePr>
+        <p:xfrm>
+          <a:off x="888866" y="2893180"/>
+          <a:ext cx="7539037" cy="512763"/>
+        </p:xfrm>
+        <a:graphic>
+          <a:graphicData uri="http://schemas.openxmlformats.org/presentationml/2006/ole">
+            <mc:AlternateContent xmlns:mc="http://schemas.openxmlformats.org/markup-compatibility/2006">
+              <mc:Choice xmlns:v="urn:schemas-microsoft-com:vml" Requires="v">
+                <p:oleObj spid="_x0000_s10276" name="Equation" r:id="rId7" imgW="3555720" imgH="241200" progId="Equation.DSMT4">
+                  <p:embed/>
+                </p:oleObj>
+              </mc:Choice>
+              <mc:Fallback>
+                <p:oleObj name="Equation" r:id="rId7" imgW="3555720" imgH="241200" progId="Equation.DSMT4">
+                  <p:embed/>
+                  <p:pic>
+                    <p:nvPicPr>
+                      <p:cNvPr id="0" name=""/>
+                      <p:cNvPicPr/>
+                      <p:nvPr/>
+                    </p:nvPicPr>
+                    <p:blipFill>
+                      <a:blip r:embed="rId8"/>
+                      <a:stretch>
+                        <a:fillRect/>
+                      </a:stretch>
+                    </p:blipFill>
+                    <p:spPr>
+                      <a:xfrm>
+                        <a:off x="888866" y="2893180"/>
+                        <a:ext cx="7539037" cy="512763"/>
+                      </a:xfrm>
+                      <a:prstGeom prst="rect">
+                        <a:avLst/>
+                      </a:prstGeom>
+                    </p:spPr>
+                  </p:pic>
+                </p:oleObj>
+              </mc:Fallback>
+            </mc:AlternateContent>
+          </a:graphicData>
+        </a:graphic>
+      </p:graphicFrame>
+      <p:sp>
+        <p:nvSpPr>
+          <p:cNvPr id="30" name="矩形 29"/>
+          <p:cNvSpPr/>
+          <p:nvPr/>
+        </p:nvSpPr>
+        <p:spPr>
+          <a:xfrm>
+            <a:off x="888866" y="3406113"/>
+            <a:ext cx="5422348" cy="369332"/>
+          </a:xfrm>
+          <a:prstGeom prst="rect">
+            <a:avLst/>
+          </a:prstGeom>
+        </p:spPr>
+        <p:txBody>
+          <a:bodyPr wrap="square">
+            <a:spAutoFit/>
+          </a:bodyPr>
+          <a:lstStyle/>
+          <a:p>
+            <a:r>
+              <a:rPr lang="zh-CN" altLang="en-US" dirty="0" smtClean="0">
+                <a:latin typeface="Times New Roman" panose="02020603050405020304" pitchFamily="18" charset="0"/>
+                <a:ea typeface="华文细黑" panose="02010600040101010101" pitchFamily="2" charset="-122"/>
+                <a:cs typeface="Times New Roman" panose="02020603050405020304" pitchFamily="18" charset="0"/>
+              </a:rPr>
+              <a:t>右边界与下边界同理，对于上边界：</a:t>
+            </a:r>
+            <a:endParaRPr lang="en-US" altLang="zh-CN" dirty="0" smtClean="0">
+              <a:latin typeface="Times New Roman" panose="02020603050405020304" pitchFamily="18" charset="0"/>
+              <a:ea typeface="华文细黑" panose="02010600040101010101" pitchFamily="2" charset="-122"/>
+              <a:cs typeface="Times New Roman" panose="02020603050405020304" pitchFamily="18" charset="0"/>
+            </a:endParaRPr>
+          </a:p>
+        </p:txBody>
+      </p:sp>
+      <p:graphicFrame>
+        <p:nvGraphicFramePr>
+          <p:cNvPr id="31" name="对象 30"/>
+          <p:cNvGraphicFramePr>
+            <a:graphicFrameLocks noChangeAspect="1"/>
+          </p:cNvGraphicFramePr>
+          <p:nvPr>
+            <p:extLst>
+              <p:ext uri="{D42A27DB-BD31-4B8C-83A1-F6EECF244321}">
+                <p14:modId xmlns:p14="http://schemas.microsoft.com/office/powerpoint/2010/main" val="3697526253"/>
+              </p:ext>
+            </p:extLst>
+          </p:nvPr>
+        </p:nvGraphicFramePr>
+        <p:xfrm>
+          <a:off x="391185" y="3824252"/>
+          <a:ext cx="8534400" cy="512762"/>
+        </p:xfrm>
+        <a:graphic>
+          <a:graphicData uri="http://schemas.openxmlformats.org/presentationml/2006/ole">
+            <mc:AlternateContent xmlns:mc="http://schemas.openxmlformats.org/markup-compatibility/2006">
+              <mc:Choice xmlns:v="urn:schemas-microsoft-com:vml" Requires="v">
+                <p:oleObj spid="_x0000_s10277" name="Equation" r:id="rId9" imgW="4025880" imgH="241200" progId="Equation.DSMT4">
+                  <p:embed/>
+                </p:oleObj>
+              </mc:Choice>
+              <mc:Fallback>
+                <p:oleObj name="Equation" r:id="rId9" imgW="4025880" imgH="241200" progId="Equation.DSMT4">
+                  <p:embed/>
+                  <p:pic>
+                    <p:nvPicPr>
+                      <p:cNvPr id="0" name=""/>
+                      <p:cNvPicPr/>
+                      <p:nvPr/>
+                    </p:nvPicPr>
+                    <p:blipFill>
+                      <a:blip r:embed="rId10"/>
+                      <a:stretch>
+                        <a:fillRect/>
+                      </a:stretch>
+                    </p:blipFill>
+                    <p:spPr>
+                      <a:xfrm>
+                        <a:off x="391185" y="3824252"/>
+                        <a:ext cx="8534400" cy="512762"/>
+                      </a:xfrm>
+                      <a:prstGeom prst="rect">
+                        <a:avLst/>
+                      </a:prstGeom>
+                    </p:spPr>
+                  </p:pic>
+                </p:oleObj>
+              </mc:Fallback>
+            </mc:AlternateContent>
+          </a:graphicData>
+        </a:graphic>
+      </p:graphicFrame>
+    </p:spTree>
+    <p:extLst>
+      <p:ext uri="{BB962C8B-B14F-4D97-AF65-F5344CB8AC3E}">
+        <p14:creationId xmlns:p14="http://schemas.microsoft.com/office/powerpoint/2010/main" val="1835060582"/>
+      </p:ext>
+    </p:extLst>
+  </p:cSld>
+  <p:clrMapOvr>
+    <a:masterClrMapping/>
+  </p:clrMapOvr>
+</p:sld>
+</file>
+
+<file path=ppt/slides/slide12.xml><?xml version="1.0" encoding="utf-8"?>
+<p:sld xmlns:a="http://schemas.openxmlformats.org/drawingml/2006/main" xmlns:r="http://schemas.openxmlformats.org/officeDocument/2006/relationships" xmlns:p="http://schemas.openxmlformats.org/presentationml/2006/main">
+  <p:cSld>
+    <p:spTree>
+      <p:nvGrpSpPr>
+        <p:cNvPr id="1" name=""/>
+        <p:cNvGrpSpPr/>
+        <p:nvPr/>
+      </p:nvGrpSpPr>
+      <p:grpSpPr>
+        <a:xfrm>
+          <a:off x="0" y="0"/>
+          <a:ext cx="0" cy="0"/>
+          <a:chOff x="0" y="0"/>
+          <a:chExt cx="0" cy="0"/>
+        </a:xfrm>
+      </p:grpSpPr>
+      <p:sp>
+        <p:nvSpPr>
+          <p:cNvPr id="2" name="标题 1"/>
+          <p:cNvSpPr>
+            <a:spLocks noGrp="1"/>
+          </p:cNvSpPr>
+          <p:nvPr>
+            <p:ph type="title"/>
+          </p:nvPr>
+        </p:nvSpPr>
+        <p:spPr>
+          <a:xfrm>
+            <a:off x="628650" y="3186"/>
+            <a:ext cx="6854825" cy="1325563"/>
+          </a:xfrm>
+        </p:spPr>
+        <p:txBody>
+          <a:bodyPr/>
+          <a:lstStyle/>
+          <a:p>
+            <a:r>
+              <a:rPr lang="zh-CN" altLang="en-US" dirty="0" smtClean="0">
+                <a:latin typeface="华文细黑" panose="02010600040101010101" pitchFamily="2" charset="-122"/>
+                <a:ea typeface="华文细黑" panose="02010600040101010101" pitchFamily="2" charset="-122"/>
+              </a:rPr>
+              <a:t>算例</a:t>
+            </a:r>
+            <a:r>
+              <a:rPr lang="zh-CN" altLang="en-US" dirty="0">
+                <a:latin typeface="华文细黑" panose="02010600040101010101" pitchFamily="2" charset="-122"/>
+                <a:ea typeface="华文细黑" panose="02010600040101010101" pitchFamily="2" charset="-122"/>
+              </a:rPr>
+              <a:t>结果</a:t>
+            </a:r>
+          </a:p>
+        </p:txBody>
+      </p:sp>
+      <p:sp>
+        <p:nvSpPr>
+          <p:cNvPr id="3" name="Rectangle 2"/>
+          <p:cNvSpPr>
+            <a:spLocks noChangeArrowheads="1"/>
+          </p:cNvSpPr>
+          <p:nvPr/>
+        </p:nvSpPr>
+        <p:spPr bwMode="auto">
+          <a:xfrm>
+            <a:off x="2051220" y="1194486"/>
+            <a:ext cx="12471911" cy="45719"/>
+          </a:xfrm>
+          <a:prstGeom prst="rect">
+            <a:avLst/>
+          </a:prstGeom>
+          <a:noFill/>
+          <a:ln>
+            <a:noFill/>
+          </a:ln>
+          <a:effectLst/>
+          <a:extLst>
+            <a:ext uri="{909E8E84-426E-40DD-AFC4-6F175D3DCCD1}">
+              <a14:hiddenFill xmlns:a14="http://schemas.microsoft.com/office/drawing/2010/main">
+                <a:solidFill>
+                  <a:schemeClr val="accent1"/>
+                </a:solidFill>
+              </a14:hiddenFill>
+            </a:ext>
+            <a:ext uri="{91240B29-F687-4F45-9708-019B960494DF}">
+              <a14:hiddenLine xmlns:a14="http://schemas.microsoft.com/office/drawing/2010/main" w="9525">
+                <a:solidFill>
+                  <a:schemeClr val="tx1"/>
+                </a:solidFill>
+                <a:miter lim="800000"/>
+                <a:headEnd/>
+                <a:tailEnd/>
+              </a14:hiddenLine>
+            </a:ext>
+            <a:ext uri="{AF507438-7753-43E0-B8FC-AC1667EBCBE1}">
+              <a14:hiddenEffects xmlns:a14="http://schemas.microsoft.com/office/drawing/2010/main">
+                <a:effectLst>
+                  <a:outerShdw dist="35921" dir="2700000" algn="ctr" rotWithShape="0">
+                    <a:schemeClr val="bg2"/>
+                  </a:outerShdw>
+                </a:effectLst>
+              </a14:hiddenEffects>
+            </a:ext>
+          </a:extLst>
+        </p:spPr>
+        <p:txBody>
+          <a:bodyPr vert="horz" wrap="square" lIns="91440" tIns="45720" rIns="91440" bIns="45720" numCol="1" anchor="ctr" anchorCtr="0" compatLnSpc="1">
+            <a:prstTxWarp prst="textNoShape">
+              <a:avLst/>
+            </a:prstTxWarp>
+            <a:spAutoFit/>
+          </a:bodyPr>
+          <a:lstStyle/>
+          <a:p>
+            <a:endParaRPr lang="zh-CN" altLang="en-US"/>
+          </a:p>
+        </p:txBody>
+      </p:sp>
+      <p:sp>
+        <p:nvSpPr>
+          <p:cNvPr id="5" name="矩形 4"/>
+          <p:cNvSpPr/>
+          <p:nvPr/>
+        </p:nvSpPr>
+        <p:spPr>
+          <a:xfrm>
+            <a:off x="628650" y="961880"/>
+            <a:ext cx="8183461" cy="1323439"/>
+          </a:xfrm>
+          <a:prstGeom prst="rect">
+            <a:avLst/>
+          </a:prstGeom>
+        </p:spPr>
+        <p:txBody>
+          <a:bodyPr wrap="square">
+            <a:spAutoFit/>
+          </a:bodyPr>
+          <a:lstStyle/>
+          <a:p>
+            <a:pPr marL="342900" indent="-342900">
+              <a:buFont typeface="Arial" panose="020B0604020202020204" pitchFamily="34" charset="0"/>
+              <a:buChar char="•"/>
+            </a:pPr>
+            <a:r>
+              <a:rPr lang="zh-CN" altLang="en-US" sz="2000" dirty="0" smtClean="0">
+                <a:latin typeface="Times New Roman" panose="02020603050405020304" pitchFamily="18" charset="0"/>
+                <a:ea typeface="华文细黑" panose="02010600040101010101" pitchFamily="2" charset="-122"/>
+                <a:cs typeface="Times New Roman" panose="02020603050405020304" pitchFamily="18" charset="0"/>
+              </a:rPr>
+              <a:t>雷诺数</a:t>
+            </a:r>
+            <a:r>
+              <a:rPr lang="zh-CN" altLang="en-US" sz="2000" dirty="0">
+                <a:latin typeface="Times New Roman" panose="02020603050405020304" pitchFamily="18" charset="0"/>
+                <a:ea typeface="华文细黑" panose="02010600040101010101" pitchFamily="2" charset="-122"/>
+                <a:cs typeface="Times New Roman" panose="02020603050405020304" pitchFamily="18" charset="0"/>
+              </a:rPr>
+              <a:t>较小时，方腔只出现三个涡：一个位于方腔中央的一级涡和一对位于左下角和右下角附近的二级</a:t>
+            </a:r>
+            <a:r>
+              <a:rPr lang="zh-CN" altLang="en-US" sz="2000" dirty="0" smtClean="0">
+                <a:latin typeface="Times New Roman" panose="02020603050405020304" pitchFamily="18" charset="0"/>
+                <a:ea typeface="华文细黑" panose="02010600040101010101" pitchFamily="2" charset="-122"/>
+                <a:cs typeface="Times New Roman" panose="02020603050405020304" pitchFamily="18" charset="0"/>
+              </a:rPr>
+              <a:t>涡</a:t>
+            </a:r>
+            <a:endParaRPr lang="en-US" altLang="zh-CN" sz="2000" dirty="0" smtClean="0">
+              <a:latin typeface="Times New Roman" panose="02020603050405020304" pitchFamily="18" charset="0"/>
+              <a:ea typeface="华文细黑" panose="02010600040101010101" pitchFamily="2" charset="-122"/>
+              <a:cs typeface="Times New Roman" panose="02020603050405020304" pitchFamily="18" charset="0"/>
+            </a:endParaRPr>
+          </a:p>
+          <a:p>
+            <a:pPr marL="342900" indent="-342900">
+              <a:buFont typeface="Arial" panose="020B0604020202020204" pitchFamily="34" charset="0"/>
+              <a:buChar char="•"/>
+            </a:pPr>
+            <a:r>
+              <a:rPr lang="zh-CN" altLang="en-US" sz="2000" dirty="0" smtClean="0">
+                <a:latin typeface="Times New Roman" panose="02020603050405020304" pitchFamily="18" charset="0"/>
+                <a:ea typeface="华文细黑" panose="02010600040101010101" pitchFamily="2" charset="-122"/>
+                <a:cs typeface="Times New Roman" panose="02020603050405020304" pitchFamily="18" charset="0"/>
+              </a:rPr>
+              <a:t>当</a:t>
+            </a:r>
+            <a:r>
+              <a:rPr lang="zh-CN" altLang="en-US" sz="2000" dirty="0">
+                <a:latin typeface="Times New Roman" panose="02020603050405020304" pitchFamily="18" charset="0"/>
+                <a:ea typeface="华文细黑" panose="02010600040101010101" pitchFamily="2" charset="-122"/>
+                <a:cs typeface="Times New Roman" panose="02020603050405020304" pitchFamily="18" charset="0"/>
+              </a:rPr>
+              <a:t>雷诺数增大时，左上角会出现第三个二级</a:t>
+            </a:r>
+            <a:r>
+              <a:rPr lang="zh-CN" altLang="en-US" sz="2000" dirty="0" smtClean="0">
+                <a:latin typeface="Times New Roman" panose="02020603050405020304" pitchFamily="18" charset="0"/>
+                <a:ea typeface="华文细黑" panose="02010600040101010101" pitchFamily="2" charset="-122"/>
+                <a:cs typeface="Times New Roman" panose="02020603050405020304" pitchFamily="18" charset="0"/>
+              </a:rPr>
+              <a:t>涡</a:t>
+            </a:r>
+            <a:endParaRPr lang="en-US" altLang="zh-CN" sz="2000" dirty="0" smtClean="0">
+              <a:latin typeface="Times New Roman" panose="02020603050405020304" pitchFamily="18" charset="0"/>
+              <a:ea typeface="华文细黑" panose="02010600040101010101" pitchFamily="2" charset="-122"/>
+              <a:cs typeface="Times New Roman" panose="02020603050405020304" pitchFamily="18" charset="0"/>
+            </a:endParaRPr>
+          </a:p>
+          <a:p>
+            <a:pPr marL="342900" indent="-342900">
+              <a:buFont typeface="Arial" panose="020B0604020202020204" pitchFamily="34" charset="0"/>
+              <a:buChar char="•"/>
+            </a:pPr>
+            <a:r>
+              <a:rPr lang="zh-CN" altLang="en-US" sz="2000" dirty="0" smtClean="0">
+                <a:latin typeface="Times New Roman" panose="02020603050405020304" pitchFamily="18" charset="0"/>
+                <a:ea typeface="华文细黑" panose="02010600040101010101" pitchFamily="2" charset="-122"/>
+                <a:cs typeface="Times New Roman" panose="02020603050405020304" pitchFamily="18" charset="0"/>
+              </a:rPr>
+              <a:t>一级</a:t>
+            </a:r>
+            <a:r>
+              <a:rPr lang="zh-CN" altLang="en-US" sz="2000" dirty="0">
+                <a:latin typeface="Times New Roman" panose="02020603050405020304" pitchFamily="18" charset="0"/>
+                <a:ea typeface="华文细黑" panose="02010600040101010101" pitchFamily="2" charset="-122"/>
+                <a:cs typeface="Times New Roman" panose="02020603050405020304" pitchFamily="18" charset="0"/>
+              </a:rPr>
+              <a:t>涡的中心会向方腔中心</a:t>
+            </a:r>
+            <a:r>
+              <a:rPr lang="zh-CN" altLang="en-US" sz="2000" dirty="0" smtClean="0">
+                <a:latin typeface="Times New Roman" panose="02020603050405020304" pitchFamily="18" charset="0"/>
+                <a:ea typeface="华文细黑" panose="02010600040101010101" pitchFamily="2" charset="-122"/>
+                <a:cs typeface="Times New Roman" panose="02020603050405020304" pitchFamily="18" charset="0"/>
+              </a:rPr>
+              <a:t>移动</a:t>
+            </a:r>
+            <a:endParaRPr lang="zh-CN" altLang="en-US" sz="2000" dirty="0">
+              <a:latin typeface="Times New Roman" panose="02020603050405020304" pitchFamily="18" charset="0"/>
+              <a:ea typeface="华文细黑" panose="02010600040101010101" pitchFamily="2" charset="-122"/>
+              <a:cs typeface="Times New Roman" panose="02020603050405020304" pitchFamily="18" charset="0"/>
+            </a:endParaRPr>
+          </a:p>
+        </p:txBody>
+      </p:sp>
+      <p:sp>
+        <p:nvSpPr>
+          <p:cNvPr id="6" name="Rectangle 2"/>
+          <p:cNvSpPr>
+            <a:spLocks noChangeArrowheads="1"/>
+          </p:cNvSpPr>
+          <p:nvPr/>
+        </p:nvSpPr>
+        <p:spPr bwMode="auto">
+          <a:xfrm>
+            <a:off x="1593907" y="1902371"/>
+            <a:ext cx="12397713" cy="45719"/>
+          </a:xfrm>
+          <a:prstGeom prst="rect">
+            <a:avLst/>
+          </a:prstGeom>
+          <a:noFill/>
+          <a:ln>
+            <a:noFill/>
+          </a:ln>
+          <a:effectLst/>
+          <a:extLst>
+            <a:ext uri="{909E8E84-426E-40DD-AFC4-6F175D3DCCD1}">
+              <a14:hiddenFill xmlns:a14="http://schemas.microsoft.com/office/drawing/2010/main">
+                <a:solidFill>
+                  <a:schemeClr val="accent1"/>
+                </a:solidFill>
+              </a14:hiddenFill>
+            </a:ext>
+            <a:ext uri="{91240B29-F687-4F45-9708-019B960494DF}">
+              <a14:hiddenLine xmlns:a14="http://schemas.microsoft.com/office/drawing/2010/main" w="9525">
+                <a:solidFill>
+                  <a:schemeClr val="tx1"/>
+                </a:solidFill>
+                <a:miter lim="800000"/>
+                <a:headEnd/>
+                <a:tailEnd/>
+              </a14:hiddenLine>
+            </a:ext>
+            <a:ext uri="{AF507438-7753-43E0-B8FC-AC1667EBCBE1}">
+              <a14:hiddenEffects xmlns:a14="http://schemas.microsoft.com/office/drawing/2010/main">
+                <a:effectLst>
+                  <a:outerShdw dist="35921" dir="2700000" algn="ctr" rotWithShape="0">
+                    <a:schemeClr val="bg2"/>
+                  </a:outerShdw>
+                </a:effectLst>
+              </a14:hiddenEffects>
+            </a:ext>
+          </a:extLst>
+        </p:spPr>
+        <p:txBody>
+          <a:bodyPr vert="horz" wrap="square" lIns="91440" tIns="45720" rIns="91440" bIns="45720" numCol="1" anchor="ctr" anchorCtr="0" compatLnSpc="1">
+            <a:prstTxWarp prst="textNoShape">
+              <a:avLst/>
+            </a:prstTxWarp>
+            <a:spAutoFit/>
+          </a:bodyPr>
+          <a:lstStyle/>
+          <a:p>
+            <a:endParaRPr lang="zh-CN" altLang="en-US"/>
+          </a:p>
+        </p:txBody>
+      </p:sp>
+      <p:pic>
+        <p:nvPicPr>
+          <p:cNvPr id="13" name="图片 12" descr="D:\study\lerning\gitlearning\homework\NO2\re1000.png"/>
+          <p:cNvPicPr/>
+          <p:nvPr/>
+        </p:nvPicPr>
+        <p:blipFill rotWithShape="1">
+          <a:blip r:embed="rId2">
+            <a:extLst>
+              <a:ext uri="{28A0092B-C50C-407E-A947-70E740481C1C}">
+                <a14:useLocalDpi xmlns:a14="http://schemas.microsoft.com/office/drawing/2010/main" val="0"/>
+              </a:ext>
+            </a:extLst>
+          </a:blip>
+          <a:srcRect l="12040" t="8337" r="8466" b="8806"/>
+          <a:stretch/>
+        </p:blipFill>
+        <p:spPr bwMode="auto">
+          <a:xfrm>
+            <a:off x="2549728" y="2709992"/>
+            <a:ext cx="3272231" cy="3266691"/>
+          </a:xfrm>
+          <a:prstGeom prst="rect">
+            <a:avLst/>
+          </a:prstGeom>
+          <a:noFill/>
+          <a:ln>
+            <a:noFill/>
+          </a:ln>
+          <a:extLst>
+            <a:ext uri="{53640926-AAD7-44D8-BBD7-CCE9431645EC}">
+              <a14:shadowObscured xmlns:a14="http://schemas.microsoft.com/office/drawing/2010/main"/>
+            </a:ext>
+          </a:extLst>
+        </p:spPr>
+      </p:pic>
+      <p:sp>
+        <p:nvSpPr>
+          <p:cNvPr id="14" name="矩形 13"/>
+          <p:cNvSpPr/>
+          <p:nvPr/>
+        </p:nvSpPr>
+        <p:spPr>
+          <a:xfrm>
+            <a:off x="3521628" y="6093580"/>
+            <a:ext cx="1198752" cy="400110"/>
+          </a:xfrm>
+          <a:prstGeom prst="rect">
+            <a:avLst/>
+          </a:prstGeom>
+        </p:spPr>
+        <p:txBody>
+          <a:bodyPr wrap="square">
+            <a:spAutoFit/>
+          </a:bodyPr>
+          <a:lstStyle/>
+          <a:p>
+            <a:r>
+              <a:rPr lang="en-US" altLang="zh-CN" sz="2000" dirty="0" smtClean="0">
+                <a:latin typeface="Times New Roman" panose="02020603050405020304" pitchFamily="18" charset="0"/>
+                <a:ea typeface="华文细黑" panose="02010600040101010101" pitchFamily="2" charset="-122"/>
+                <a:cs typeface="Times New Roman" panose="02020603050405020304" pitchFamily="18" charset="0"/>
+              </a:rPr>
+              <a:t>Re=1000</a:t>
+            </a:r>
+            <a:endParaRPr lang="zh-CN" altLang="en-US" sz="2000" dirty="0">
+              <a:latin typeface="Times New Roman" panose="02020603050405020304" pitchFamily="18" charset="0"/>
+              <a:ea typeface="华文细黑" panose="02010600040101010101" pitchFamily="2" charset="-122"/>
+              <a:cs typeface="Times New Roman" panose="02020603050405020304" pitchFamily="18" charset="0"/>
+            </a:endParaRPr>
+          </a:p>
+        </p:txBody>
+      </p:sp>
+    </p:spTree>
+    <p:extLst>
+      <p:ext uri="{BB962C8B-B14F-4D97-AF65-F5344CB8AC3E}">
+        <p14:creationId xmlns:p14="http://schemas.microsoft.com/office/powerpoint/2010/main" val="3428125324"/>
+      </p:ext>
+    </p:extLst>
+  </p:cSld>
+  <p:clrMapOvr>
+    <a:masterClrMapping/>
+  </p:clrMapOvr>
+</p:sld>
+</file>
+
+<file path=ppt/slides/slide13.xml><?xml version="1.0" encoding="utf-8"?>
+<p:sld xmlns:a="http://schemas.openxmlformats.org/drawingml/2006/main" xmlns:r="http://schemas.openxmlformats.org/officeDocument/2006/relationships" xmlns:p="http://schemas.openxmlformats.org/presentationml/2006/main">
+  <p:cSld>
+    <p:spTree>
+      <p:nvGrpSpPr>
+        <p:cNvPr id="1" name=""/>
+        <p:cNvGrpSpPr/>
+        <p:nvPr/>
+      </p:nvGrpSpPr>
+      <p:grpSpPr>
+        <a:xfrm>
+          <a:off x="0" y="0"/>
+          <a:ext cx="0" cy="0"/>
+          <a:chOff x="0" y="0"/>
+          <a:chExt cx="0" cy="0"/>
+        </a:xfrm>
+      </p:grpSpPr>
+      <p:sp>
+        <p:nvSpPr>
+          <p:cNvPr id="2" name="标题 1"/>
+          <p:cNvSpPr>
+            <a:spLocks noGrp="1"/>
+          </p:cNvSpPr>
+          <p:nvPr>
+            <p:ph type="title"/>
+          </p:nvPr>
+        </p:nvSpPr>
+        <p:spPr>
+          <a:xfrm>
+            <a:off x="628650" y="3186"/>
+            <a:ext cx="6854825" cy="1325563"/>
+          </a:xfrm>
+        </p:spPr>
+        <p:txBody>
+          <a:bodyPr/>
+          <a:lstStyle/>
+          <a:p>
+            <a:r>
+              <a:rPr lang="zh-CN" altLang="en-US" dirty="0" smtClean="0">
+                <a:latin typeface="华文细黑" panose="02010600040101010101" pitchFamily="2" charset="-122"/>
+                <a:ea typeface="华文细黑" panose="02010600040101010101" pitchFamily="2" charset="-122"/>
+              </a:rPr>
+              <a:t>算例</a:t>
+            </a:r>
+            <a:r>
+              <a:rPr lang="zh-CN" altLang="en-US" dirty="0">
+                <a:latin typeface="华文细黑" panose="02010600040101010101" pitchFamily="2" charset="-122"/>
+                <a:ea typeface="华文细黑" panose="02010600040101010101" pitchFamily="2" charset="-122"/>
+              </a:rPr>
+              <a:t>结果</a:t>
+            </a:r>
+          </a:p>
+        </p:txBody>
+      </p:sp>
+      <p:sp>
+        <p:nvSpPr>
+          <p:cNvPr id="3" name="Rectangle 2"/>
+          <p:cNvSpPr>
+            <a:spLocks noChangeArrowheads="1"/>
+          </p:cNvSpPr>
+          <p:nvPr/>
+        </p:nvSpPr>
+        <p:spPr bwMode="auto">
+          <a:xfrm>
+            <a:off x="2051220" y="1194486"/>
+            <a:ext cx="12471911" cy="45719"/>
+          </a:xfrm>
+          <a:prstGeom prst="rect">
+            <a:avLst/>
+          </a:prstGeom>
+          <a:noFill/>
+          <a:ln>
+            <a:noFill/>
+          </a:ln>
+          <a:effectLst/>
+          <a:extLst>
+            <a:ext uri="{909E8E84-426E-40DD-AFC4-6F175D3DCCD1}">
+              <a14:hiddenFill xmlns:a14="http://schemas.microsoft.com/office/drawing/2010/main">
+                <a:solidFill>
+                  <a:schemeClr val="accent1"/>
+                </a:solidFill>
+              </a14:hiddenFill>
+            </a:ext>
+            <a:ext uri="{91240B29-F687-4F45-9708-019B960494DF}">
+              <a14:hiddenLine xmlns:a14="http://schemas.microsoft.com/office/drawing/2010/main" w="9525">
+                <a:solidFill>
+                  <a:schemeClr val="tx1"/>
+                </a:solidFill>
+                <a:miter lim="800000"/>
+                <a:headEnd/>
+                <a:tailEnd/>
+              </a14:hiddenLine>
+            </a:ext>
+            <a:ext uri="{AF507438-7753-43E0-B8FC-AC1667EBCBE1}">
+              <a14:hiddenEffects xmlns:a14="http://schemas.microsoft.com/office/drawing/2010/main">
+                <a:effectLst>
+                  <a:outerShdw dist="35921" dir="2700000" algn="ctr" rotWithShape="0">
+                    <a:schemeClr val="bg2"/>
+                  </a:outerShdw>
+                </a:effectLst>
+              </a14:hiddenEffects>
+            </a:ext>
+          </a:extLst>
+        </p:spPr>
+        <p:txBody>
+          <a:bodyPr vert="horz" wrap="square" lIns="91440" tIns="45720" rIns="91440" bIns="45720" numCol="1" anchor="ctr" anchorCtr="0" compatLnSpc="1">
+            <a:prstTxWarp prst="textNoShape">
+              <a:avLst/>
+            </a:prstTxWarp>
+            <a:spAutoFit/>
+          </a:bodyPr>
+          <a:lstStyle/>
+          <a:p>
+            <a:endParaRPr lang="zh-CN" altLang="en-US"/>
+          </a:p>
+        </p:txBody>
+      </p:sp>
+      <p:sp>
+        <p:nvSpPr>
+          <p:cNvPr id="6" name="Rectangle 2"/>
+          <p:cNvSpPr>
+            <a:spLocks noChangeArrowheads="1"/>
+          </p:cNvSpPr>
+          <p:nvPr/>
+        </p:nvSpPr>
+        <p:spPr bwMode="auto">
+          <a:xfrm>
+            <a:off x="1593907" y="1902371"/>
+            <a:ext cx="12397713" cy="45719"/>
+          </a:xfrm>
+          <a:prstGeom prst="rect">
+            <a:avLst/>
+          </a:prstGeom>
+          <a:noFill/>
+          <a:ln>
+            <a:noFill/>
+          </a:ln>
+          <a:effectLst/>
+          <a:extLst>
+            <a:ext uri="{909E8E84-426E-40DD-AFC4-6F175D3DCCD1}">
+              <a14:hiddenFill xmlns:a14="http://schemas.microsoft.com/office/drawing/2010/main">
+                <a:solidFill>
+                  <a:schemeClr val="accent1"/>
+                </a:solidFill>
+              </a14:hiddenFill>
+            </a:ext>
+            <a:ext uri="{91240B29-F687-4F45-9708-019B960494DF}">
+              <a14:hiddenLine xmlns:a14="http://schemas.microsoft.com/office/drawing/2010/main" w="9525">
+                <a:solidFill>
+                  <a:schemeClr val="tx1"/>
+                </a:solidFill>
+                <a:miter lim="800000"/>
+                <a:headEnd/>
+                <a:tailEnd/>
+              </a14:hiddenLine>
+            </a:ext>
+            <a:ext uri="{AF507438-7753-43E0-B8FC-AC1667EBCBE1}">
+              <a14:hiddenEffects xmlns:a14="http://schemas.microsoft.com/office/drawing/2010/main">
+                <a:effectLst>
+                  <a:outerShdw dist="35921" dir="2700000" algn="ctr" rotWithShape="0">
+                    <a:schemeClr val="bg2"/>
+                  </a:outerShdw>
+                </a:effectLst>
+              </a14:hiddenEffects>
+            </a:ext>
+          </a:extLst>
+        </p:spPr>
+        <p:txBody>
+          <a:bodyPr vert="horz" wrap="square" lIns="91440" tIns="45720" rIns="91440" bIns="45720" numCol="1" anchor="ctr" anchorCtr="0" compatLnSpc="1">
+            <a:prstTxWarp prst="textNoShape">
+              <a:avLst/>
+            </a:prstTxWarp>
+            <a:spAutoFit/>
+          </a:bodyPr>
+          <a:lstStyle/>
+          <a:p>
+            <a:endParaRPr lang="zh-CN" altLang="en-US"/>
+          </a:p>
+        </p:txBody>
+      </p:sp>
       <p:pic>
         <p:nvPicPr>
           <p:cNvPr id="4" name="图片 3"/>
@@ -4172,7 +6238,7 @@
           <a:graphicData uri="http://schemas.openxmlformats.org/presentationml/2006/ole">
             <mc:AlternateContent xmlns:mc="http://schemas.openxmlformats.org/markup-compatibility/2006">
               <mc:Choice xmlns:v="urn:schemas-microsoft-com:vml" Requires="v">
-                <p:oleObj spid="_x0000_s1218" name="Equation" r:id="rId3" imgW="596880" imgH="203040" progId="Equation.DSMT4">
+                <p:oleObj spid="_x0000_s1293" name="Equation" r:id="rId3" imgW="596880" imgH="203040" progId="Equation.DSMT4">
                   <p:embed/>
                 </p:oleObj>
               </mc:Choice>
@@ -4229,7 +6295,7 @@
           <a:graphicData uri="http://schemas.openxmlformats.org/presentationml/2006/ole">
             <mc:AlternateContent xmlns:mc="http://schemas.openxmlformats.org/markup-compatibility/2006">
               <mc:Choice xmlns:v="urn:schemas-microsoft-com:vml" Requires="v">
-                <p:oleObj spid="_x0000_s1219" name="Equation" r:id="rId5" imgW="1091880" imgH="279360" progId="Equation.DSMT4">
+                <p:oleObj spid="_x0000_s1294" name="Equation" r:id="rId5" imgW="1091880" imgH="279360" progId="Equation.DSMT4">
                   <p:embed/>
                 </p:oleObj>
               </mc:Choice>
@@ -4286,7 +6352,7 @@
           <a:graphicData uri="http://schemas.openxmlformats.org/presentationml/2006/ole">
             <mc:AlternateContent xmlns:mc="http://schemas.openxmlformats.org/markup-compatibility/2006">
               <mc:Choice xmlns:v="urn:schemas-microsoft-com:vml" Requires="v">
-                <p:oleObj spid="_x0000_s1220" name="Equation" r:id="rId7" imgW="1536480" imgH="419040" progId="Equation.DSMT4">
+                <p:oleObj spid="_x0000_s1295" name="Equation" r:id="rId7" imgW="1536480" imgH="419040" progId="Equation.DSMT4">
                   <p:embed/>
                 </p:oleObj>
               </mc:Choice>
@@ -4407,7 +6473,7 @@
           <a:graphicData uri="http://schemas.openxmlformats.org/presentationml/2006/ole">
             <mc:AlternateContent xmlns:mc="http://schemas.openxmlformats.org/markup-compatibility/2006">
               <mc:Choice xmlns:v="urn:schemas-microsoft-com:vml" Requires="v">
-                <p:oleObj spid="_x0000_s2252" name="Equation" r:id="rId3" imgW="1536480" imgH="419040" progId="Equation.DSMT4">
+                <p:oleObj spid="_x0000_s2352" name="Equation" r:id="rId3" imgW="1536480" imgH="419040" progId="Equation.DSMT4">
                   <p:embed/>
                 </p:oleObj>
               </mc:Choice>
@@ -4901,7 +6967,7 @@
           <a:graphicData uri="http://schemas.openxmlformats.org/presentationml/2006/ole">
             <mc:AlternateContent xmlns:mc="http://schemas.openxmlformats.org/markup-compatibility/2006">
               <mc:Choice xmlns:v="urn:schemas-microsoft-com:vml" Requires="v">
-                <p:oleObj spid="_x0000_s2253" name="Equation" r:id="rId5" imgW="241200" imgH="228600" progId="Equation.DSMT4">
+                <p:oleObj spid="_x0000_s2353" name="Equation" r:id="rId5" imgW="241200" imgH="228600" progId="Equation.DSMT4">
                   <p:embed/>
                 </p:oleObj>
               </mc:Choice>
@@ -4958,7 +7024,7 @@
           <a:graphicData uri="http://schemas.openxmlformats.org/presentationml/2006/ole">
             <mc:AlternateContent xmlns:mc="http://schemas.openxmlformats.org/markup-compatibility/2006">
               <mc:Choice xmlns:v="urn:schemas-microsoft-com:vml" Requires="v">
-                <p:oleObj spid="_x0000_s2254" name="Equation" r:id="rId7" imgW="952200" imgH="228600" progId="Equation.DSMT4">
+                <p:oleObj spid="_x0000_s2354" name="Equation" r:id="rId7" imgW="952200" imgH="228600" progId="Equation.DSMT4">
                   <p:embed/>
                 </p:oleObj>
               </mc:Choice>
@@ -5015,7 +7081,7 @@
           <a:graphicData uri="http://schemas.openxmlformats.org/presentationml/2006/ole">
             <mc:AlternateContent xmlns:mc="http://schemas.openxmlformats.org/markup-compatibility/2006">
               <mc:Choice xmlns:v="urn:schemas-microsoft-com:vml" Requires="v">
-                <p:oleObj spid="_x0000_s2255" name="Equation" r:id="rId9" imgW="444240" imgH="393480" progId="Equation.DSMT4">
+                <p:oleObj spid="_x0000_s2355" name="Equation" r:id="rId9" imgW="444240" imgH="393480" progId="Equation.DSMT4">
                   <p:embed/>
                 </p:oleObj>
               </mc:Choice>
@@ -5136,7 +7202,7 @@
           <a:graphicData uri="http://schemas.openxmlformats.org/presentationml/2006/ole">
             <mc:AlternateContent xmlns:mc="http://schemas.openxmlformats.org/markup-compatibility/2006">
               <mc:Choice xmlns:v="urn:schemas-microsoft-com:vml" Requires="v">
-                <p:oleObj spid="_x0000_s3233" name="Equation" r:id="rId3" imgW="2082600" imgH="419040" progId="Equation.DSMT4">
+                <p:oleObj spid="_x0000_s3333" name="Equation" r:id="rId3" imgW="2082600" imgH="419040" progId="Equation.DSMT4">
                   <p:embed/>
                 </p:oleObj>
               </mc:Choice>
@@ -5550,7 +7616,7 @@
           <a:graphicData uri="http://schemas.openxmlformats.org/presentationml/2006/ole">
             <mc:AlternateContent xmlns:mc="http://schemas.openxmlformats.org/markup-compatibility/2006">
               <mc:Choice xmlns:v="urn:schemas-microsoft-com:vml" Requires="v">
-                <p:oleObj spid="_x0000_s3234" name="Equation" r:id="rId5" imgW="1765080" imgH="419040" progId="Equation.DSMT4">
+                <p:oleObj spid="_x0000_s3334" name="Equation" r:id="rId5" imgW="1765080" imgH="419040" progId="Equation.DSMT4">
                   <p:embed/>
                 </p:oleObj>
               </mc:Choice>
@@ -5681,7 +7747,7 @@
           <a:graphicData uri="http://schemas.openxmlformats.org/presentationml/2006/ole">
             <mc:AlternateContent xmlns:mc="http://schemas.openxmlformats.org/markup-compatibility/2006">
               <mc:Choice xmlns:v="urn:schemas-microsoft-com:vml" Requires="v">
-                <p:oleObj spid="_x0000_s3235" name="Equation" r:id="rId7" imgW="3340080" imgH="393480" progId="Equation.DSMT4">
+                <p:oleObj spid="_x0000_s3335" name="Equation" r:id="rId7" imgW="3340080" imgH="393480" progId="Equation.DSMT4">
                   <p:embed/>
                 </p:oleObj>
               </mc:Choice>
@@ -5776,7 +7842,7 @@
           <a:graphicData uri="http://schemas.openxmlformats.org/presentationml/2006/ole">
             <mc:AlternateContent xmlns:mc="http://schemas.openxmlformats.org/markup-compatibility/2006">
               <mc:Choice xmlns:v="urn:schemas-microsoft-com:vml" Requires="v">
-                <p:oleObj spid="_x0000_s3236" name="Equation" r:id="rId9" imgW="622080" imgH="241200" progId="Equation.DSMT4">
+                <p:oleObj spid="_x0000_s3336" name="Equation" r:id="rId9" imgW="622080" imgH="241200" progId="Equation.DSMT4">
                   <p:embed/>
                 </p:oleObj>
               </mc:Choice>
@@ -5930,7 +7996,7 @@
           <a:graphicData uri="http://schemas.openxmlformats.org/presentationml/2006/ole">
             <mc:AlternateContent xmlns:mc="http://schemas.openxmlformats.org/markup-compatibility/2006">
               <mc:Choice xmlns:v="urn:schemas-microsoft-com:vml" Requires="v">
-                <p:oleObj spid="_x0000_s4190" name="Equation" r:id="rId3" imgW="1815840" imgH="787320" progId="Equation.DSMT4">
+                <p:oleObj spid="_x0000_s4265" name="Equation" r:id="rId3" imgW="1815840" imgH="787320" progId="Equation.DSMT4">
                   <p:embed/>
                 </p:oleObj>
               </mc:Choice>
@@ -6138,7 +8204,7 @@
           <a:graphicData uri="http://schemas.openxmlformats.org/presentationml/2006/ole">
             <mc:AlternateContent xmlns:mc="http://schemas.openxmlformats.org/markup-compatibility/2006">
               <mc:Choice xmlns:v="urn:schemas-microsoft-com:vml" Requires="v">
-                <p:oleObj spid="_x0000_s4191" name="Equation" r:id="rId5" imgW="1117440" imgH="393480" progId="Equation.DSMT4">
+                <p:oleObj spid="_x0000_s4266" name="Equation" r:id="rId5" imgW="1117440" imgH="393480" progId="Equation.DSMT4">
                   <p:embed/>
                 </p:oleObj>
               </mc:Choice>
@@ -6195,7 +8261,7 @@
           <a:graphicData uri="http://schemas.openxmlformats.org/presentationml/2006/ole">
             <mc:AlternateContent xmlns:mc="http://schemas.openxmlformats.org/markup-compatibility/2006">
               <mc:Choice xmlns:v="urn:schemas-microsoft-com:vml" Requires="v">
-                <p:oleObj spid="_x0000_s4192" name="Equation" r:id="rId7" imgW="3886200" imgH="482400" progId="Equation.DSMT4">
+                <p:oleObj spid="_x0000_s4267" name="Equation" r:id="rId7" imgW="3886200" imgH="482400" progId="Equation.DSMT4">
                   <p:embed/>
                 </p:oleObj>
               </mc:Choice>
@@ -6272,7 +8338,7 @@
         </p:nvSpPr>
         <p:spPr>
           <a:xfrm>
-            <a:off x="628650" y="3186"/>
+            <a:off x="628650" y="-225141"/>
             <a:ext cx="6854825" cy="1325563"/>
           </a:xfrm>
         </p:spPr>
@@ -6285,7 +8351,7 @@
                 <a:latin typeface="华文细黑" panose="02010600040101010101" pitchFamily="2" charset="-122"/>
                 <a:ea typeface="华文细黑" panose="02010600040101010101" pitchFamily="2" charset="-122"/>
               </a:rPr>
-              <a:t>边界处理</a:t>
+              <a:t>常用速度离散模型</a:t>
             </a:r>
             <a:endParaRPr lang="zh-CN" altLang="en-US" dirty="0">
               <a:latin typeface="华文细黑" panose="02010600040101010101" pitchFamily="2" charset="-122"/>
@@ -6296,6 +8362,464 @@
       </p:sp>
       <p:sp>
         <p:nvSpPr>
+          <p:cNvPr id="21" name="文本框 20"/>
+          <p:cNvSpPr txBox="1"/>
+          <p:nvPr/>
+        </p:nvSpPr>
+        <p:spPr>
+          <a:xfrm>
+            <a:off x="628650" y="841115"/>
+            <a:ext cx="4317193" cy="400110"/>
+          </a:xfrm>
+          <a:prstGeom prst="rect">
+            <a:avLst/>
+          </a:prstGeom>
+          <a:noFill/>
+        </p:spPr>
+        <p:txBody>
+          <a:bodyPr wrap="square" rtlCol="0">
+            <a:spAutoFit/>
+          </a:bodyPr>
+          <a:lstStyle/>
+          <a:p>
+            <a:pPr marL="342900" indent="-342900">
+              <a:buFont typeface="Arial" panose="020B0604020202020204" pitchFamily="34" charset="0"/>
+              <a:buChar char="•"/>
+            </a:pPr>
+            <a:r>
+              <a:rPr lang="zh-CN" altLang="en-US" sz="2000" dirty="0" smtClean="0">
+                <a:latin typeface="Times New Roman" panose="02020603050405020304" pitchFamily="18" charset="0"/>
+                <a:ea typeface="华文细黑" panose="02010600040101010101" pitchFamily="2" charset="-122"/>
+                <a:cs typeface="Times New Roman" panose="02020603050405020304" pitchFamily="18" charset="0"/>
+              </a:rPr>
+              <a:t>二维常用模型为</a:t>
+            </a:r>
+            <a:r>
+              <a:rPr lang="en-US" altLang="zh-CN" sz="2000" dirty="0" smtClean="0">
+                <a:latin typeface="Times New Roman" panose="02020603050405020304" pitchFamily="18" charset="0"/>
+                <a:ea typeface="华文细黑" panose="02010600040101010101" pitchFamily="2" charset="-122"/>
+                <a:cs typeface="Times New Roman" panose="02020603050405020304" pitchFamily="18" charset="0"/>
+              </a:rPr>
+              <a:t>D2Q9</a:t>
+            </a:r>
+            <a:r>
+              <a:rPr lang="zh-CN" altLang="en-US" sz="2000" dirty="0" smtClean="0">
+                <a:latin typeface="Times New Roman" panose="02020603050405020304" pitchFamily="18" charset="0"/>
+                <a:ea typeface="华文细黑" panose="02010600040101010101" pitchFamily="2" charset="-122"/>
+                <a:cs typeface="Times New Roman" panose="02020603050405020304" pitchFamily="18" charset="0"/>
+              </a:rPr>
+              <a:t>模型</a:t>
+            </a:r>
+            <a:endParaRPr lang="en-US" altLang="zh-CN" sz="2000" dirty="0" smtClean="0">
+              <a:latin typeface="Times New Roman" panose="02020603050405020304" pitchFamily="18" charset="0"/>
+              <a:ea typeface="华文细黑" panose="02010600040101010101" pitchFamily="2" charset="-122"/>
+              <a:cs typeface="Times New Roman" panose="02020603050405020304" pitchFamily="18" charset="0"/>
+            </a:endParaRPr>
+          </a:p>
+        </p:txBody>
+      </p:sp>
+      <p:pic>
+        <p:nvPicPr>
+          <p:cNvPr id="7" name="图片 6"/>
+          <p:cNvPicPr/>
+          <p:nvPr/>
+        </p:nvPicPr>
+        <p:blipFill>
+          <a:blip r:embed="rId3">
+            <a:extLst>
+              <a:ext uri="{28A0092B-C50C-407E-A947-70E740481C1C}">
+                <a14:useLocalDpi xmlns:a14="http://schemas.microsoft.com/office/drawing/2010/main" val="0"/>
+              </a:ext>
+            </a:extLst>
+          </a:blip>
+          <a:srcRect/>
+          <a:stretch>
+            <a:fillRect/>
+          </a:stretch>
+        </p:blipFill>
+        <p:spPr bwMode="auto">
+          <a:xfrm>
+            <a:off x="5095969" y="1433017"/>
+            <a:ext cx="4107124" cy="4067032"/>
+          </a:xfrm>
+          <a:prstGeom prst="rect">
+            <a:avLst/>
+          </a:prstGeom>
+          <a:noFill/>
+          <a:ln>
+            <a:noFill/>
+          </a:ln>
+        </p:spPr>
+      </p:pic>
+      <p:sp>
+        <p:nvSpPr>
+          <p:cNvPr id="3" name="矩形 2"/>
+          <p:cNvSpPr/>
+          <p:nvPr/>
+        </p:nvSpPr>
+        <p:spPr>
+          <a:xfrm>
+            <a:off x="95535" y="3815683"/>
+            <a:ext cx="7130955" cy="369332"/>
+          </a:xfrm>
+          <a:prstGeom prst="rect">
+            <a:avLst/>
+          </a:prstGeom>
+        </p:spPr>
+        <p:txBody>
+          <a:bodyPr wrap="square">
+            <a:spAutoFit/>
+          </a:bodyPr>
+          <a:lstStyle/>
+          <a:p>
+            <a:pPr marL="342900" indent="-342900">
+              <a:buFont typeface="Arial" panose="020B0604020202020204" pitchFamily="34" charset="0"/>
+              <a:buChar char="•"/>
+            </a:pPr>
+            <a:r>
+              <a:rPr lang="zh-CN" altLang="en-US" dirty="0" smtClean="0">
+                <a:latin typeface="Times New Roman" panose="02020603050405020304" pitchFamily="18" charset="0"/>
+                <a:ea typeface="华文细黑" panose="02010600040101010101" pitchFamily="2" charset="-122"/>
+                <a:cs typeface="Times New Roman" panose="02020603050405020304" pitchFamily="18" charset="0"/>
+              </a:rPr>
+              <a:t>离散速度模型确定，平衡态函数也确定</a:t>
+            </a:r>
+            <a:endParaRPr lang="en-US" altLang="zh-CN" dirty="0" smtClean="0">
+              <a:latin typeface="Times New Roman" panose="02020603050405020304" pitchFamily="18" charset="0"/>
+              <a:ea typeface="华文细黑" panose="02010600040101010101" pitchFamily="2" charset="-122"/>
+              <a:cs typeface="Times New Roman" panose="02020603050405020304" pitchFamily="18" charset="0"/>
+            </a:endParaRPr>
+          </a:p>
+        </p:txBody>
+      </p:sp>
+      <p:graphicFrame>
+        <p:nvGraphicFramePr>
+          <p:cNvPr id="5" name="对象 4"/>
+          <p:cNvGraphicFramePr>
+            <a:graphicFrameLocks noChangeAspect="1"/>
+          </p:cNvGraphicFramePr>
+          <p:nvPr>
+            <p:extLst>
+              <p:ext uri="{D42A27DB-BD31-4B8C-83A1-F6EECF244321}">
+                <p14:modId xmlns:p14="http://schemas.microsoft.com/office/powerpoint/2010/main" val="1004146236"/>
+              </p:ext>
+            </p:extLst>
+          </p:nvPr>
+        </p:nvGraphicFramePr>
+        <p:xfrm>
+          <a:off x="0" y="1308227"/>
+          <a:ext cx="5199797" cy="1271062"/>
+        </p:xfrm>
+        <a:graphic>
+          <a:graphicData uri="http://schemas.openxmlformats.org/presentationml/2006/ole">
+            <mc:AlternateContent xmlns:mc="http://schemas.openxmlformats.org/markup-compatibility/2006">
+              <mc:Choice xmlns:v="urn:schemas-microsoft-com:vml" Requires="v">
+                <p:oleObj spid="_x0000_s8283" name="Equation" r:id="rId4" imgW="2997200" imgH="736600" progId="Equation.DSMT4">
+                  <p:embed/>
+                </p:oleObj>
+              </mc:Choice>
+              <mc:Fallback>
+                <p:oleObj name="Equation" r:id="rId4" imgW="2997200" imgH="736600" progId="Equation.DSMT4">
+                  <p:embed/>
+                  <p:pic>
+                    <p:nvPicPr>
+                      <p:cNvPr id="0" name="Object 1"/>
+                      <p:cNvPicPr>
+                        <a:picLocks noChangeAspect="1" noChangeArrowheads="1"/>
+                      </p:cNvPicPr>
+                      <p:nvPr/>
+                    </p:nvPicPr>
+                    <p:blipFill>
+                      <a:blip r:embed="rId5">
+                        <a:extLst>
+                          <a:ext uri="{28A0092B-C50C-407E-A947-70E740481C1C}">
+                            <a14:useLocalDpi xmlns:a14="http://schemas.microsoft.com/office/drawing/2010/main" val="0"/>
+                          </a:ext>
+                        </a:extLst>
+                      </a:blip>
+                      <a:srcRect/>
+                      <a:stretch>
+                        <a:fillRect/>
+                      </a:stretch>
+                    </p:blipFill>
+                    <p:spPr bwMode="auto">
+                      <a:xfrm>
+                        <a:off x="0" y="1308227"/>
+                        <a:ext cx="5199797" cy="1271062"/>
+                      </a:xfrm>
+                      <a:prstGeom prst="rect">
+                        <a:avLst/>
+                      </a:prstGeom>
+                      <a:noFill/>
+                    </p:spPr>
+                  </p:pic>
+                </p:oleObj>
+              </mc:Fallback>
+            </mc:AlternateContent>
+          </a:graphicData>
+        </a:graphic>
+      </p:graphicFrame>
+      <p:graphicFrame>
+        <p:nvGraphicFramePr>
+          <p:cNvPr id="8" name="对象 7"/>
+          <p:cNvGraphicFramePr>
+            <a:graphicFrameLocks noChangeAspect="1"/>
+          </p:cNvGraphicFramePr>
+          <p:nvPr>
+            <p:extLst>
+              <p:ext uri="{D42A27DB-BD31-4B8C-83A1-F6EECF244321}">
+                <p14:modId xmlns:p14="http://schemas.microsoft.com/office/powerpoint/2010/main" val="3914791996"/>
+              </p:ext>
+            </p:extLst>
+          </p:nvPr>
+        </p:nvGraphicFramePr>
+        <p:xfrm>
+          <a:off x="95535" y="2724906"/>
+          <a:ext cx="3712190" cy="447701"/>
+        </p:xfrm>
+        <a:graphic>
+          <a:graphicData uri="http://schemas.openxmlformats.org/presentationml/2006/ole">
+            <mc:AlternateContent xmlns:mc="http://schemas.openxmlformats.org/markup-compatibility/2006">
+              <mc:Choice xmlns:v="urn:schemas-microsoft-com:vml" Requires="v">
+                <p:oleObj spid="_x0000_s8284" name="Equation" r:id="rId6" imgW="1892300" imgH="228600" progId="Equation.DSMT4">
+                  <p:embed/>
+                </p:oleObj>
+              </mc:Choice>
+              <mc:Fallback>
+                <p:oleObj name="Equation" r:id="rId6" imgW="1892300" imgH="228600" progId="Equation.DSMT4">
+                  <p:embed/>
+                  <p:pic>
+                    <p:nvPicPr>
+                      <p:cNvPr id="0" name="Object 4"/>
+                      <p:cNvPicPr>
+                        <a:picLocks noChangeAspect="1" noChangeArrowheads="1"/>
+                      </p:cNvPicPr>
+                      <p:nvPr/>
+                    </p:nvPicPr>
+                    <p:blipFill>
+                      <a:blip r:embed="rId7">
+                        <a:extLst>
+                          <a:ext uri="{28A0092B-C50C-407E-A947-70E740481C1C}">
+                            <a14:useLocalDpi xmlns:a14="http://schemas.microsoft.com/office/drawing/2010/main" val="0"/>
+                          </a:ext>
+                        </a:extLst>
+                      </a:blip>
+                      <a:srcRect/>
+                      <a:stretch>
+                        <a:fillRect/>
+                      </a:stretch>
+                    </p:blipFill>
+                    <p:spPr bwMode="auto">
+                      <a:xfrm>
+                        <a:off x="95535" y="2724906"/>
+                        <a:ext cx="3712190" cy="447701"/>
+                      </a:xfrm>
+                      <a:prstGeom prst="rect">
+                        <a:avLst/>
+                      </a:prstGeom>
+                      <a:noFill/>
+                    </p:spPr>
+                  </p:pic>
+                </p:oleObj>
+              </mc:Fallback>
+            </mc:AlternateContent>
+          </a:graphicData>
+        </a:graphic>
+      </p:graphicFrame>
+      <p:graphicFrame>
+        <p:nvGraphicFramePr>
+          <p:cNvPr id="10" name="对象 9"/>
+          <p:cNvGraphicFramePr>
+            <a:graphicFrameLocks noChangeAspect="1"/>
+          </p:cNvGraphicFramePr>
+          <p:nvPr>
+            <p:extLst>
+              <p:ext uri="{D42A27DB-BD31-4B8C-83A1-F6EECF244321}">
+                <p14:modId xmlns:p14="http://schemas.microsoft.com/office/powerpoint/2010/main" val="3177442262"/>
+              </p:ext>
+            </p:extLst>
+          </p:nvPr>
+        </p:nvGraphicFramePr>
+        <p:xfrm>
+          <a:off x="71551" y="3222365"/>
+          <a:ext cx="3736174" cy="460120"/>
+        </p:xfrm>
+        <a:graphic>
+          <a:graphicData uri="http://schemas.openxmlformats.org/presentationml/2006/ole">
+            <mc:AlternateContent xmlns:mc="http://schemas.openxmlformats.org/markup-compatibility/2006">
+              <mc:Choice xmlns:v="urn:schemas-microsoft-com:vml" Requires="v">
+                <p:oleObj spid="_x0000_s8285" name="Equation" r:id="rId8" imgW="1930400" imgH="241300" progId="Equation.DSMT4">
+                  <p:embed/>
+                </p:oleObj>
+              </mc:Choice>
+              <mc:Fallback>
+                <p:oleObj name="Equation" r:id="rId8" imgW="1930400" imgH="241300" progId="Equation.DSMT4">
+                  <p:embed/>
+                  <p:pic>
+                    <p:nvPicPr>
+                      <p:cNvPr id="0" name="Object 6"/>
+                      <p:cNvPicPr>
+                        <a:picLocks noChangeAspect="1" noChangeArrowheads="1"/>
+                      </p:cNvPicPr>
+                      <p:nvPr/>
+                    </p:nvPicPr>
+                    <p:blipFill>
+                      <a:blip r:embed="rId9">
+                        <a:extLst>
+                          <a:ext uri="{28A0092B-C50C-407E-A947-70E740481C1C}">
+                            <a14:useLocalDpi xmlns:a14="http://schemas.microsoft.com/office/drawing/2010/main" val="0"/>
+                          </a:ext>
+                        </a:extLst>
+                      </a:blip>
+                      <a:srcRect/>
+                      <a:stretch>
+                        <a:fillRect/>
+                      </a:stretch>
+                    </p:blipFill>
+                    <p:spPr bwMode="auto">
+                      <a:xfrm>
+                        <a:off x="71551" y="3222365"/>
+                        <a:ext cx="3736174" cy="460120"/>
+                      </a:xfrm>
+                      <a:prstGeom prst="rect">
+                        <a:avLst/>
+                      </a:prstGeom>
+                      <a:noFill/>
+                    </p:spPr>
+                  </p:pic>
+                </p:oleObj>
+              </mc:Fallback>
+            </mc:AlternateContent>
+          </a:graphicData>
+        </a:graphic>
+      </p:graphicFrame>
+      <p:graphicFrame>
+        <p:nvGraphicFramePr>
+          <p:cNvPr id="15" name="对象 14"/>
+          <p:cNvGraphicFramePr>
+            <a:graphicFrameLocks noChangeAspect="1"/>
+          </p:cNvGraphicFramePr>
+          <p:nvPr>
+            <p:extLst>
+              <p:ext uri="{D42A27DB-BD31-4B8C-83A1-F6EECF244321}">
+                <p14:modId xmlns:p14="http://schemas.microsoft.com/office/powerpoint/2010/main" val="1055360156"/>
+              </p:ext>
+            </p:extLst>
+          </p:nvPr>
+        </p:nvGraphicFramePr>
+        <p:xfrm>
+          <a:off x="287431" y="4309805"/>
+          <a:ext cx="4808538" cy="946150"/>
+        </p:xfrm>
+        <a:graphic>
+          <a:graphicData uri="http://schemas.openxmlformats.org/presentationml/2006/ole">
+            <mc:AlternateContent xmlns:mc="http://schemas.openxmlformats.org/markup-compatibility/2006">
+              <mc:Choice xmlns:v="urn:schemas-microsoft-com:vml" Requires="v">
+                <p:oleObj spid="_x0000_s8286" name="Equation" r:id="rId10" imgW="2450880" imgH="482400" progId="Equation.DSMT4">
+                  <p:embed/>
+                </p:oleObj>
+              </mc:Choice>
+              <mc:Fallback>
+                <p:oleObj name="Equation" r:id="rId10" imgW="2450880" imgH="482400" progId="Equation.DSMT4">
+                  <p:embed/>
+                  <p:pic>
+                    <p:nvPicPr>
+                      <p:cNvPr id="0" name=""/>
+                      <p:cNvPicPr>
+                        <a:picLocks noChangeAspect="1" noChangeArrowheads="1"/>
+                      </p:cNvPicPr>
+                      <p:nvPr/>
+                    </p:nvPicPr>
+                    <p:blipFill>
+                      <a:blip r:embed="rId11"/>
+                      <a:srcRect/>
+                      <a:stretch>
+                        <a:fillRect/>
+                      </a:stretch>
+                    </p:blipFill>
+                    <p:spPr bwMode="auto">
+                      <a:xfrm>
+                        <a:off x="287431" y="4309805"/>
+                        <a:ext cx="4808538" cy="946150"/>
+                      </a:xfrm>
+                      <a:prstGeom prst="rect">
+                        <a:avLst/>
+                      </a:prstGeom>
+                      <a:noFill/>
+                    </p:spPr>
+                  </p:pic>
+                </p:oleObj>
+              </mc:Fallback>
+            </mc:AlternateContent>
+          </a:graphicData>
+        </a:graphic>
+      </p:graphicFrame>
+    </p:spTree>
+    <p:extLst>
+      <p:ext uri="{BB962C8B-B14F-4D97-AF65-F5344CB8AC3E}">
+        <p14:creationId xmlns:p14="http://schemas.microsoft.com/office/powerpoint/2010/main" val="3345427156"/>
+      </p:ext>
+    </p:extLst>
+  </p:cSld>
+  <p:clrMapOvr>
+    <a:masterClrMapping/>
+  </p:clrMapOvr>
+</p:sld>
+</file>
+
+<file path=ppt/slides/slide7.xml><?xml version="1.0" encoding="utf-8"?>
+<p:sld xmlns:a="http://schemas.openxmlformats.org/drawingml/2006/main" xmlns:r="http://schemas.openxmlformats.org/officeDocument/2006/relationships" xmlns:p="http://schemas.openxmlformats.org/presentationml/2006/main">
+  <p:cSld>
+    <p:spTree>
+      <p:nvGrpSpPr>
+        <p:cNvPr id="1" name=""/>
+        <p:cNvGrpSpPr/>
+        <p:nvPr/>
+      </p:nvGrpSpPr>
+      <p:grpSpPr>
+        <a:xfrm>
+          <a:off x="0" y="0"/>
+          <a:ext cx="0" cy="0"/>
+          <a:chOff x="0" y="0"/>
+          <a:chExt cx="0" cy="0"/>
+        </a:xfrm>
+      </p:grpSpPr>
+      <p:sp>
+        <p:nvSpPr>
+          <p:cNvPr id="2" name="标题 1"/>
+          <p:cNvSpPr>
+            <a:spLocks noGrp="1"/>
+          </p:cNvSpPr>
+          <p:nvPr>
+            <p:ph type="title"/>
+          </p:nvPr>
+        </p:nvSpPr>
+        <p:spPr>
+          <a:xfrm>
+            <a:off x="628650" y="3186"/>
+            <a:ext cx="6854825" cy="1325563"/>
+          </a:xfrm>
+        </p:spPr>
+        <p:txBody>
+          <a:bodyPr/>
+          <a:lstStyle/>
+          <a:p>
+            <a:r>
+              <a:rPr lang="zh-CN" altLang="en-US" dirty="0" smtClean="0">
+                <a:latin typeface="华文细黑" panose="02010600040101010101" pitchFamily="2" charset="-122"/>
+                <a:ea typeface="华文细黑" panose="02010600040101010101" pitchFamily="2" charset="-122"/>
+              </a:rPr>
+              <a:t>边界处理</a:t>
+            </a:r>
+            <a:endParaRPr lang="zh-CN" altLang="en-US" dirty="0">
+              <a:latin typeface="华文细黑" panose="02010600040101010101" pitchFamily="2" charset="-122"/>
+              <a:ea typeface="华文细黑" panose="02010600040101010101" pitchFamily="2" charset="-122"/>
+            </a:endParaRPr>
+          </a:p>
+        </p:txBody>
+      </p:sp>
+      <p:sp>
+        <p:nvSpPr>
           <p:cNvPr id="3" name="文本框 2"/>
           <p:cNvSpPr txBox="1"/>
           <p:nvPr/>
@@ -6326,7 +8850,23 @@
                 <a:ea typeface="华文细黑" panose="02010600040101010101" pitchFamily="2" charset="-122"/>
                 <a:cs typeface="Times New Roman" panose="02020603050405020304" pitchFamily="18" charset="0"/>
               </a:rPr>
-              <a:t>边界的处理可以采用启发式格式、动力学格式和外推格式，下面选择外推格式中的非平衡态外推格式进行</a:t>
+              <a:t>边界的处理可以</a:t>
+            </a:r>
+            <a:r>
+              <a:rPr lang="zh-CN" altLang="en-US" sz="2000" dirty="0" smtClean="0">
+                <a:latin typeface="Times New Roman" panose="02020603050405020304" pitchFamily="18" charset="0"/>
+                <a:ea typeface="华文细黑" panose="02010600040101010101" pitchFamily="2" charset="-122"/>
+                <a:cs typeface="Times New Roman" panose="02020603050405020304" pitchFamily="18" charset="0"/>
+              </a:rPr>
+              <a:t>采用外推</a:t>
+            </a:r>
+            <a:r>
+              <a:rPr lang="zh-CN" altLang="en-US" sz="2000" dirty="0">
+                <a:latin typeface="Times New Roman" panose="02020603050405020304" pitchFamily="18" charset="0"/>
+                <a:ea typeface="华文细黑" panose="02010600040101010101" pitchFamily="2" charset="-122"/>
+                <a:cs typeface="Times New Roman" panose="02020603050405020304" pitchFamily="18" charset="0"/>
+              </a:rPr>
+              <a:t>格式，下面选择外推格式中的非平衡态外推格式进行</a:t>
             </a:r>
             <a:r>
               <a:rPr lang="zh-CN" altLang="en-US" sz="2000" dirty="0" smtClean="0">
@@ -6429,7 +8969,7 @@
           <a:graphicData uri="http://schemas.openxmlformats.org/presentationml/2006/ole">
             <mc:AlternateContent xmlns:mc="http://schemas.openxmlformats.org/markup-compatibility/2006">
               <mc:Choice xmlns:v="urn:schemas-microsoft-com:vml" Requires="v">
-                <p:oleObj spid="_x0000_s5179" name="Visio" r:id="rId3" imgW="3648145" imgH="2600370" progId="Visio.Drawing.15">
+                <p:oleObj spid="_x0000_s5254" name="Visio" r:id="rId3" imgW="3648145" imgH="2600370" progId="Visio.Drawing.15">
                   <p:embed/>
                 </p:oleObj>
               </mc:Choice>
@@ -6604,7 +9144,7 @@
           <a:graphicData uri="http://schemas.openxmlformats.org/presentationml/2006/ole">
             <mc:AlternateContent xmlns:mc="http://schemas.openxmlformats.org/markup-compatibility/2006">
               <mc:Choice xmlns:v="urn:schemas-microsoft-com:vml" Requires="v">
-                <p:oleObj spid="_x0000_s5180" name="Equation" r:id="rId5" imgW="1917700" imgH="241300" progId="Equation.DSMT4">
+                <p:oleObj spid="_x0000_s5255" name="Equation" r:id="rId5" imgW="1917700" imgH="241300" progId="Equation.DSMT4">
                   <p:embed/>
                 </p:oleObj>
               </mc:Choice>
@@ -6792,7 +9332,7 @@
           <a:graphicData uri="http://schemas.openxmlformats.org/presentationml/2006/ole">
             <mc:AlternateContent xmlns:mc="http://schemas.openxmlformats.org/markup-compatibility/2006">
               <mc:Choice xmlns:v="urn:schemas-microsoft-com:vml" Requires="v">
-                <p:oleObj spid="_x0000_s5181" name="Equation" r:id="rId7" imgW="2590800" imgH="482600" progId="Equation.DSMT4">
+                <p:oleObj spid="_x0000_s5256" name="Equation" r:id="rId7" imgW="2590800" imgH="482600" progId="Equation.DSMT4">
                   <p:embed/>
                 </p:oleObj>
               </mc:Choice>
@@ -6850,7 +9390,7 @@
 </p:sld>
 </file>
 
-<file path=ppt/slides/slide7.xml><?xml version="1.0" encoding="utf-8"?>
+<file path=ppt/slides/slide8.xml><?xml version="1.0" encoding="utf-8"?>
 <p:sld xmlns:a="http://schemas.openxmlformats.org/drawingml/2006/main" xmlns:r="http://schemas.openxmlformats.org/officeDocument/2006/relationships" xmlns:p="http://schemas.openxmlformats.org/presentationml/2006/main">
   <p:cSld>
     <p:spTree>
@@ -6993,7 +9533,7 @@
           <a:graphicData uri="http://schemas.openxmlformats.org/presentationml/2006/ole">
             <mc:AlternateContent xmlns:mc="http://schemas.openxmlformats.org/markup-compatibility/2006">
               <mc:Choice xmlns:v="urn:schemas-microsoft-com:vml" Requires="v">
-                <p:oleObj spid="_x0000_s6162" name="Visio" r:id="rId3" imgW="2676477" imgH="2200230" progId="Visio.Drawing.15">
+                <p:oleObj spid="_x0000_s6187" name="Visio" r:id="rId3" imgW="2676477" imgH="2200230" progId="Visio.Drawing.15">
                   <p:embed/>
                 </p:oleObj>
               </mc:Choice>
@@ -7341,7 +9881,7 @@
 </p:sld>
 </file>
 
-<file path=ppt/slides/slide8.xml><?xml version="1.0" encoding="utf-8"?>
+<file path=ppt/slides/slide9.xml><?xml version="1.0" encoding="utf-8"?>
 <p:sld xmlns:a="http://schemas.openxmlformats.org/drawingml/2006/main" xmlns:r="http://schemas.openxmlformats.org/officeDocument/2006/relationships" xmlns:p="http://schemas.openxmlformats.org/presentationml/2006/main">
   <p:cSld>
     <p:spTree>
@@ -7636,7 +10176,7 @@
           <a:graphicData uri="http://schemas.openxmlformats.org/presentationml/2006/ole">
             <mc:AlternateContent xmlns:mc="http://schemas.openxmlformats.org/markup-compatibility/2006">
               <mc:Choice xmlns:v="urn:schemas-microsoft-com:vml" Requires="v">
-                <p:oleObj spid="_x0000_s7212" name="Visio" r:id="rId3" imgW="3362345" imgH="3876660" progId="Visio.Drawing.15">
+                <p:oleObj spid="_x0000_s7287" name="Visio" r:id="rId3" imgW="3362345" imgH="3876660" progId="Visio.Drawing.15">
                   <p:embed/>
                 </p:oleObj>
               </mc:Choice>
@@ -7697,7 +10237,7 @@
           <a:graphicData uri="http://schemas.openxmlformats.org/presentationml/2006/ole">
             <mc:AlternateContent xmlns:mc="http://schemas.openxmlformats.org/markup-compatibility/2006">
               <mc:Choice xmlns:v="urn:schemas-microsoft-com:vml" Requires="v">
-                <p:oleObj spid="_x0000_s7213" name="Equation" r:id="rId5" imgW="2506293" imgH="295110" progId="Equation.DSMT4">
+                <p:oleObj spid="_x0000_s7288" name="Equation" r:id="rId5" imgW="2506293" imgH="295110" progId="Equation.DSMT4">
                   <p:embed/>
                 </p:oleObj>
               </mc:Choice>
@@ -7754,7 +10294,7 @@
           <a:graphicData uri="http://schemas.openxmlformats.org/presentationml/2006/ole">
             <mc:AlternateContent xmlns:mc="http://schemas.openxmlformats.org/markup-compatibility/2006">
               <mc:Choice xmlns:v="urn:schemas-microsoft-com:vml" Requires="v">
-                <p:oleObj spid="_x0000_s7214" name="Equation" r:id="rId7" imgW="1333916" imgH="514350" progId="Equation.DSMT4">
+                <p:oleObj spid="_x0000_s7289" name="Equation" r:id="rId7" imgW="1333916" imgH="514350" progId="Equation.DSMT4">
                   <p:embed/>
                 </p:oleObj>
               </mc:Choice>
@@ -7859,399 +10399,6 @@
     <p:extLst>
       <p:ext uri="{BB962C8B-B14F-4D97-AF65-F5344CB8AC3E}">
         <p14:creationId xmlns:p14="http://schemas.microsoft.com/office/powerpoint/2010/main" val="663793767"/>
-      </p:ext>
-    </p:extLst>
-  </p:cSld>
-  <p:clrMapOvr>
-    <a:masterClrMapping/>
-  </p:clrMapOvr>
-</p:sld>
-</file>
-
-<file path=ppt/slides/slide9.xml><?xml version="1.0" encoding="utf-8"?>
-<p:sld xmlns:a="http://schemas.openxmlformats.org/drawingml/2006/main" xmlns:r="http://schemas.openxmlformats.org/officeDocument/2006/relationships" xmlns:p="http://schemas.openxmlformats.org/presentationml/2006/main">
-  <p:cSld>
-    <p:spTree>
-      <p:nvGrpSpPr>
-        <p:cNvPr id="1" name=""/>
-        <p:cNvGrpSpPr/>
-        <p:nvPr/>
-      </p:nvGrpSpPr>
-      <p:grpSpPr>
-        <a:xfrm>
-          <a:off x="0" y="0"/>
-          <a:ext cx="0" cy="0"/>
-          <a:chOff x="0" y="0"/>
-          <a:chExt cx="0" cy="0"/>
-        </a:xfrm>
-      </p:grpSpPr>
-      <p:sp>
-        <p:nvSpPr>
-          <p:cNvPr id="2" name="标题 1"/>
-          <p:cNvSpPr>
-            <a:spLocks noGrp="1"/>
-          </p:cNvSpPr>
-          <p:nvPr>
-            <p:ph type="title"/>
-          </p:nvPr>
-        </p:nvSpPr>
-        <p:spPr>
-          <a:xfrm>
-            <a:off x="628650" y="3186"/>
-            <a:ext cx="6854825" cy="1325563"/>
-          </a:xfrm>
-        </p:spPr>
-        <p:txBody>
-          <a:bodyPr/>
-          <a:lstStyle/>
-          <a:p>
-            <a:r>
-              <a:rPr lang="zh-CN" altLang="en-US" dirty="0" smtClean="0">
-                <a:latin typeface="华文细黑" panose="02010600040101010101" pitchFamily="2" charset="-122"/>
-                <a:ea typeface="华文细黑" panose="02010600040101010101" pitchFamily="2" charset="-122"/>
-              </a:rPr>
-              <a:t>算例</a:t>
-            </a:r>
-            <a:r>
-              <a:rPr lang="zh-CN" altLang="en-US" dirty="0">
-                <a:latin typeface="华文细黑" panose="02010600040101010101" pitchFamily="2" charset="-122"/>
-                <a:ea typeface="华文细黑" panose="02010600040101010101" pitchFamily="2" charset="-122"/>
-              </a:rPr>
-              <a:t>结果</a:t>
-            </a:r>
-          </a:p>
-        </p:txBody>
-      </p:sp>
-      <p:sp>
-        <p:nvSpPr>
-          <p:cNvPr id="3" name="Rectangle 2"/>
-          <p:cNvSpPr>
-            <a:spLocks noChangeArrowheads="1"/>
-          </p:cNvSpPr>
-          <p:nvPr/>
-        </p:nvSpPr>
-        <p:spPr bwMode="auto">
-          <a:xfrm>
-            <a:off x="2051220" y="1194486"/>
-            <a:ext cx="12471911" cy="45719"/>
-          </a:xfrm>
-          <a:prstGeom prst="rect">
-            <a:avLst/>
-          </a:prstGeom>
-          <a:noFill/>
-          <a:ln>
-            <a:noFill/>
-          </a:ln>
-          <a:effectLst/>
-          <a:extLst>
-            <a:ext uri="{909E8E84-426E-40DD-AFC4-6F175D3DCCD1}">
-              <a14:hiddenFill xmlns:a14="http://schemas.microsoft.com/office/drawing/2010/main">
-                <a:solidFill>
-                  <a:schemeClr val="accent1"/>
-                </a:solidFill>
-              </a14:hiddenFill>
-            </a:ext>
-            <a:ext uri="{91240B29-F687-4F45-9708-019B960494DF}">
-              <a14:hiddenLine xmlns:a14="http://schemas.microsoft.com/office/drawing/2010/main" w="9525">
-                <a:solidFill>
-                  <a:schemeClr val="tx1"/>
-                </a:solidFill>
-                <a:miter lim="800000"/>
-                <a:headEnd/>
-                <a:tailEnd/>
-              </a14:hiddenLine>
-            </a:ext>
-            <a:ext uri="{AF507438-7753-43E0-B8FC-AC1667EBCBE1}">
-              <a14:hiddenEffects xmlns:a14="http://schemas.microsoft.com/office/drawing/2010/main">
-                <a:effectLst>
-                  <a:outerShdw dist="35921" dir="2700000" algn="ctr" rotWithShape="0">
-                    <a:schemeClr val="bg2"/>
-                  </a:outerShdw>
-                </a:effectLst>
-              </a14:hiddenEffects>
-            </a:ext>
-          </a:extLst>
-        </p:spPr>
-        <p:txBody>
-          <a:bodyPr vert="horz" wrap="square" lIns="91440" tIns="45720" rIns="91440" bIns="45720" numCol="1" anchor="ctr" anchorCtr="0" compatLnSpc="1">
-            <a:prstTxWarp prst="textNoShape">
-              <a:avLst/>
-            </a:prstTxWarp>
-            <a:spAutoFit/>
-          </a:bodyPr>
-          <a:lstStyle/>
-          <a:p>
-            <a:endParaRPr lang="zh-CN" altLang="en-US"/>
-          </a:p>
-        </p:txBody>
-      </p:sp>
-      <p:sp>
-        <p:nvSpPr>
-          <p:cNvPr id="5" name="矩形 4"/>
-          <p:cNvSpPr/>
-          <p:nvPr/>
-        </p:nvSpPr>
-        <p:spPr>
-          <a:xfrm>
-            <a:off x="628650" y="961880"/>
-            <a:ext cx="8183461" cy="1323439"/>
-          </a:xfrm>
-          <a:prstGeom prst="rect">
-            <a:avLst/>
-          </a:prstGeom>
-        </p:spPr>
-        <p:txBody>
-          <a:bodyPr wrap="square">
-            <a:spAutoFit/>
-          </a:bodyPr>
-          <a:lstStyle/>
-          <a:p>
-            <a:pPr marL="342900" indent="-342900">
-              <a:buFont typeface="Arial" panose="020B0604020202020204" pitchFamily="34" charset="0"/>
-              <a:buChar char="•"/>
-            </a:pPr>
-            <a:r>
-              <a:rPr lang="zh-CN" altLang="en-US" sz="2000" dirty="0" smtClean="0">
-                <a:latin typeface="Times New Roman" panose="02020603050405020304" pitchFamily="18" charset="0"/>
-                <a:ea typeface="华文细黑" panose="02010600040101010101" pitchFamily="2" charset="-122"/>
-                <a:cs typeface="Times New Roman" panose="02020603050405020304" pitchFamily="18" charset="0"/>
-              </a:rPr>
-              <a:t>雷诺数</a:t>
-            </a:r>
-            <a:r>
-              <a:rPr lang="zh-CN" altLang="en-US" sz="2000" dirty="0">
-                <a:latin typeface="Times New Roman" panose="02020603050405020304" pitchFamily="18" charset="0"/>
-                <a:ea typeface="华文细黑" panose="02010600040101010101" pitchFamily="2" charset="-122"/>
-                <a:cs typeface="Times New Roman" panose="02020603050405020304" pitchFamily="18" charset="0"/>
-              </a:rPr>
-              <a:t>较小时，方腔只出现三个涡：一个位于方腔中央的一级涡和一对位于左下角和右下角附近的二级</a:t>
-            </a:r>
-            <a:r>
-              <a:rPr lang="zh-CN" altLang="en-US" sz="2000" dirty="0" smtClean="0">
-                <a:latin typeface="Times New Roman" panose="02020603050405020304" pitchFamily="18" charset="0"/>
-                <a:ea typeface="华文细黑" panose="02010600040101010101" pitchFamily="2" charset="-122"/>
-                <a:cs typeface="Times New Roman" panose="02020603050405020304" pitchFamily="18" charset="0"/>
-              </a:rPr>
-              <a:t>涡</a:t>
-            </a:r>
-            <a:endParaRPr lang="en-US" altLang="zh-CN" sz="2000" dirty="0" smtClean="0">
-              <a:latin typeface="Times New Roman" panose="02020603050405020304" pitchFamily="18" charset="0"/>
-              <a:ea typeface="华文细黑" panose="02010600040101010101" pitchFamily="2" charset="-122"/>
-              <a:cs typeface="Times New Roman" panose="02020603050405020304" pitchFamily="18" charset="0"/>
-            </a:endParaRPr>
-          </a:p>
-          <a:p>
-            <a:pPr marL="342900" indent="-342900">
-              <a:buFont typeface="Arial" panose="020B0604020202020204" pitchFamily="34" charset="0"/>
-              <a:buChar char="•"/>
-            </a:pPr>
-            <a:r>
-              <a:rPr lang="zh-CN" altLang="en-US" sz="2000" dirty="0" smtClean="0">
-                <a:latin typeface="Times New Roman" panose="02020603050405020304" pitchFamily="18" charset="0"/>
-                <a:ea typeface="华文细黑" panose="02010600040101010101" pitchFamily="2" charset="-122"/>
-                <a:cs typeface="Times New Roman" panose="02020603050405020304" pitchFamily="18" charset="0"/>
-              </a:rPr>
-              <a:t>当</a:t>
-            </a:r>
-            <a:r>
-              <a:rPr lang="zh-CN" altLang="en-US" sz="2000" dirty="0">
-                <a:latin typeface="Times New Roman" panose="02020603050405020304" pitchFamily="18" charset="0"/>
-                <a:ea typeface="华文细黑" panose="02010600040101010101" pitchFamily="2" charset="-122"/>
-                <a:cs typeface="Times New Roman" panose="02020603050405020304" pitchFamily="18" charset="0"/>
-              </a:rPr>
-              <a:t>雷诺数增大时，左上角会出现第三个二级</a:t>
-            </a:r>
-            <a:r>
-              <a:rPr lang="zh-CN" altLang="en-US" sz="2000" dirty="0" smtClean="0">
-                <a:latin typeface="Times New Roman" panose="02020603050405020304" pitchFamily="18" charset="0"/>
-                <a:ea typeface="华文细黑" panose="02010600040101010101" pitchFamily="2" charset="-122"/>
-                <a:cs typeface="Times New Roman" panose="02020603050405020304" pitchFamily="18" charset="0"/>
-              </a:rPr>
-              <a:t>涡</a:t>
-            </a:r>
-            <a:endParaRPr lang="en-US" altLang="zh-CN" sz="2000" dirty="0" smtClean="0">
-              <a:latin typeface="Times New Roman" panose="02020603050405020304" pitchFamily="18" charset="0"/>
-              <a:ea typeface="华文细黑" panose="02010600040101010101" pitchFamily="2" charset="-122"/>
-              <a:cs typeface="Times New Roman" panose="02020603050405020304" pitchFamily="18" charset="0"/>
-            </a:endParaRPr>
-          </a:p>
-          <a:p>
-            <a:pPr marL="342900" indent="-342900">
-              <a:buFont typeface="Arial" panose="020B0604020202020204" pitchFamily="34" charset="0"/>
-              <a:buChar char="•"/>
-            </a:pPr>
-            <a:r>
-              <a:rPr lang="zh-CN" altLang="en-US" sz="2000" dirty="0" smtClean="0">
-                <a:latin typeface="Times New Roman" panose="02020603050405020304" pitchFamily="18" charset="0"/>
-                <a:ea typeface="华文细黑" panose="02010600040101010101" pitchFamily="2" charset="-122"/>
-                <a:cs typeface="Times New Roman" panose="02020603050405020304" pitchFamily="18" charset="0"/>
-              </a:rPr>
-              <a:t>一级</a:t>
-            </a:r>
-            <a:r>
-              <a:rPr lang="zh-CN" altLang="en-US" sz="2000" dirty="0">
-                <a:latin typeface="Times New Roman" panose="02020603050405020304" pitchFamily="18" charset="0"/>
-                <a:ea typeface="华文细黑" panose="02010600040101010101" pitchFamily="2" charset="-122"/>
-                <a:cs typeface="Times New Roman" panose="02020603050405020304" pitchFamily="18" charset="0"/>
-              </a:rPr>
-              <a:t>涡的中心会向方腔中心</a:t>
-            </a:r>
-            <a:r>
-              <a:rPr lang="zh-CN" altLang="en-US" sz="2000" dirty="0" smtClean="0">
-                <a:latin typeface="Times New Roman" panose="02020603050405020304" pitchFamily="18" charset="0"/>
-                <a:ea typeface="华文细黑" panose="02010600040101010101" pitchFamily="2" charset="-122"/>
-                <a:cs typeface="Times New Roman" panose="02020603050405020304" pitchFamily="18" charset="0"/>
-              </a:rPr>
-              <a:t>移动</a:t>
-            </a:r>
-            <a:endParaRPr lang="zh-CN" altLang="en-US" sz="2000" dirty="0">
-              <a:latin typeface="Times New Roman" panose="02020603050405020304" pitchFamily="18" charset="0"/>
-              <a:ea typeface="华文细黑" panose="02010600040101010101" pitchFamily="2" charset="-122"/>
-              <a:cs typeface="Times New Roman" panose="02020603050405020304" pitchFamily="18" charset="0"/>
-            </a:endParaRPr>
-          </a:p>
-        </p:txBody>
-      </p:sp>
-      <p:sp>
-        <p:nvSpPr>
-          <p:cNvPr id="6" name="Rectangle 2"/>
-          <p:cNvSpPr>
-            <a:spLocks noChangeArrowheads="1"/>
-          </p:cNvSpPr>
-          <p:nvPr/>
-        </p:nvSpPr>
-        <p:spPr bwMode="auto">
-          <a:xfrm>
-            <a:off x="1593907" y="1902371"/>
-            <a:ext cx="12397713" cy="45719"/>
-          </a:xfrm>
-          <a:prstGeom prst="rect">
-            <a:avLst/>
-          </a:prstGeom>
-          <a:noFill/>
-          <a:ln>
-            <a:noFill/>
-          </a:ln>
-          <a:effectLst/>
-          <a:extLst>
-            <a:ext uri="{909E8E84-426E-40DD-AFC4-6F175D3DCCD1}">
-              <a14:hiddenFill xmlns:a14="http://schemas.microsoft.com/office/drawing/2010/main">
-                <a:solidFill>
-                  <a:schemeClr val="accent1"/>
-                </a:solidFill>
-              </a14:hiddenFill>
-            </a:ext>
-            <a:ext uri="{91240B29-F687-4F45-9708-019B960494DF}">
-              <a14:hiddenLine xmlns:a14="http://schemas.microsoft.com/office/drawing/2010/main" w="9525">
-                <a:solidFill>
-                  <a:schemeClr val="tx1"/>
-                </a:solidFill>
-                <a:miter lim="800000"/>
-                <a:headEnd/>
-                <a:tailEnd/>
-              </a14:hiddenLine>
-            </a:ext>
-            <a:ext uri="{AF507438-7753-43E0-B8FC-AC1667EBCBE1}">
-              <a14:hiddenEffects xmlns:a14="http://schemas.microsoft.com/office/drawing/2010/main">
-                <a:effectLst>
-                  <a:outerShdw dist="35921" dir="2700000" algn="ctr" rotWithShape="0">
-                    <a:schemeClr val="bg2"/>
-                  </a:outerShdw>
-                </a:effectLst>
-              </a14:hiddenEffects>
-            </a:ext>
-          </a:extLst>
-        </p:spPr>
-        <p:txBody>
-          <a:bodyPr vert="horz" wrap="square" lIns="91440" tIns="45720" rIns="91440" bIns="45720" numCol="1" anchor="ctr" anchorCtr="0" compatLnSpc="1">
-            <a:prstTxWarp prst="textNoShape">
-              <a:avLst/>
-            </a:prstTxWarp>
-            <a:spAutoFit/>
-          </a:bodyPr>
-          <a:lstStyle/>
-          <a:p>
-            <a:endParaRPr lang="zh-CN" altLang="en-US"/>
-          </a:p>
-        </p:txBody>
-      </p:sp>
-      <p:pic>
-        <p:nvPicPr>
-          <p:cNvPr id="13" name="图片 12" descr="D:\study\lerning\gitlearning\homework\NO2\re1000.png"/>
-          <p:cNvPicPr/>
-          <p:nvPr/>
-        </p:nvPicPr>
-        <p:blipFill rotWithShape="1">
-          <a:blip r:embed="rId2">
-            <a:extLst>
-              <a:ext uri="{28A0092B-C50C-407E-A947-70E740481C1C}">
-                <a14:useLocalDpi xmlns:a14="http://schemas.microsoft.com/office/drawing/2010/main" val="0"/>
-              </a:ext>
-            </a:extLst>
-          </a:blip>
-          <a:srcRect l="12040" t="8337" r="8466" b="8806"/>
-          <a:stretch/>
-        </p:blipFill>
-        <p:spPr bwMode="auto">
-          <a:xfrm>
-            <a:off x="2549728" y="2709992"/>
-            <a:ext cx="3272231" cy="3266691"/>
-          </a:xfrm>
-          <a:prstGeom prst="rect">
-            <a:avLst/>
-          </a:prstGeom>
-          <a:noFill/>
-          <a:ln>
-            <a:noFill/>
-          </a:ln>
-          <a:extLst>
-            <a:ext uri="{53640926-AAD7-44D8-BBD7-CCE9431645EC}">
-              <a14:shadowObscured xmlns:a14="http://schemas.microsoft.com/office/drawing/2010/main"/>
-            </a:ext>
-          </a:extLst>
-        </p:spPr>
-      </p:pic>
-      <p:sp>
-        <p:nvSpPr>
-          <p:cNvPr id="14" name="矩形 13"/>
-          <p:cNvSpPr/>
-          <p:nvPr/>
-        </p:nvSpPr>
-        <p:spPr>
-          <a:xfrm>
-            <a:off x="3521628" y="6093580"/>
-            <a:ext cx="1198752" cy="400110"/>
-          </a:xfrm>
-          <a:prstGeom prst="rect">
-            <a:avLst/>
-          </a:prstGeom>
-        </p:spPr>
-        <p:txBody>
-          <a:bodyPr wrap="square">
-            <a:spAutoFit/>
-          </a:bodyPr>
-          <a:lstStyle/>
-          <a:p>
-            <a:r>
-              <a:rPr lang="en-US" altLang="zh-CN" sz="2000" dirty="0" smtClean="0">
-                <a:latin typeface="Times New Roman" panose="02020603050405020304" pitchFamily="18" charset="0"/>
-                <a:ea typeface="华文细黑" panose="02010600040101010101" pitchFamily="2" charset="-122"/>
-                <a:cs typeface="Times New Roman" panose="02020603050405020304" pitchFamily="18" charset="0"/>
-              </a:rPr>
-              <a:t>Re=1000</a:t>
-            </a:r>
-            <a:endParaRPr lang="zh-CN" altLang="en-US" sz="2000" dirty="0">
-              <a:latin typeface="Times New Roman" panose="02020603050405020304" pitchFamily="18" charset="0"/>
-              <a:ea typeface="华文细黑" panose="02010600040101010101" pitchFamily="2" charset="-122"/>
-              <a:cs typeface="Times New Roman" panose="02020603050405020304" pitchFamily="18" charset="0"/>
-            </a:endParaRPr>
-          </a:p>
-        </p:txBody>
-      </p:sp>
-    </p:spTree>
-    <p:extLst>
-      <p:ext uri="{BB962C8B-B14F-4D97-AF65-F5344CB8AC3E}">
-        <p14:creationId xmlns:p14="http://schemas.microsoft.com/office/powerpoint/2010/main" val="3428125324"/>
       </p:ext>
     </p:extLst>
   </p:cSld>
